--- a/Final_Project/Ramirez_Randhal_Schr_eq.pptx
+++ b/Final_Project/Ramirez_Randhal_Schr_eq.pptx
@@ -18,6 +18,7 @@
     <p:sldId id="267" r:id="rId12"/>
     <p:sldId id="268" r:id="rId13"/>
     <p:sldId id="269" r:id="rId14"/>
+    <p:sldId id="271" r:id="rId15"/>
   </p:sldIdLst>
   <p:sldSz cx="12192000" cy="6858000"/>
   <p:notesSz cx="6858000" cy="12192000"/>
@@ -437,420 +438,7 @@
 </p:sldLayout>
 </file>
 
-<file path=ppt/slideLayouts/slideLayout10.xml><?xml version="1.0" encoding="utf-8"?>
-<p:sldLayout xmlns:a="http://schemas.openxmlformats.org/drawingml/2006/main" xmlns:r="http://schemas.openxmlformats.org/officeDocument/2006/relationships" xmlns:p="http://schemas.openxmlformats.org/presentationml/2006/main" type="vertTitleAndTx">
-  <p:cSld name="Vertical title and text">
-    <p:spTree>
-      <p:nvGrpSpPr>
-        <p:cNvPr id="1" name=""/>
-        <p:cNvGrpSpPr/>
-        <p:nvPr/>
-      </p:nvGrpSpPr>
-      <p:grpSpPr>
-        <a:xfrm>
-          <a:off x="0" y="0"/>
-          <a:ext cx="0" cy="0"/>
-          <a:chOff x="0" y="0"/>
-          <a:chExt cx="0" cy="0"/>
-        </a:xfrm>
-      </p:grpSpPr>
-      <p:sp>
-        <p:nvSpPr>
-          <p:cNvPr id="2" name="SlideTitle1"/>
-          <p:cNvSpPr>
-            <a:spLocks noGrp="1" noChangeArrowheads="1"/>
-            <a:extLst>
-              <a:ext uri="smNativeData">
-                <pr:smNativeData xmlns="smNativeData" xmlns:pr="smNativeData" xmlns:p15="http://schemas.microsoft.com/office/powerpoint/2012/main" xmlns:p14="http://schemas.microsoft.com/office/powerpoint/2010/main" xmlns:mc="http://schemas.openxmlformats.org/markup-compatibility/2006" val="SMDATA_15_H0jYZxMAAAAlAAAAZAAAAA8BAAAAkAAAAEgAAACQAAAASAAAAAAAAAACAAAAAQAAAAEAAABQAAAAAAAAAAAA4D8AAAAAAADgPwAAAAAAAOA/AAAAAAAA4D8AAAAAAADgPwAAAAAAAOA/AAAAAAAA4D8AAAAAAADgPwAAAAAAAOA/AAAAAAAA4D8CAAAAjAAAAAAAAAAAAAAAu+DjDP///wgAAAAAAAAAAAAAAAAAAAAAAAAAAAAAAAAAAAAAZAAAAAEAAABAAAAAAAAAAAAAAAAAAAAAAAAAAAAAAAAAAAAAAAAAAAAAAAAAAAAAAAAAAAAAAAAAAAAAAAAAAAAAAAAAAAAAAAAAAAAAAAAAAAAAAAAAAAAAAAAAAAAAFAAAADwAAAAAAAAAAAAAAAAAAAkUAAAAAQAAABQAAAAUAAAAFAAAAAEAAAAAAAAAZAAAAGQAAAAAAAAAZAAAAGQAAAAVAAAAYAAAAAAAAAAAAAAADwAAACADAAAAAAAAAAAAAAEAAACgMgAAVgcAAKr4//8BAAAAf39/AAEAAABkAAAAAAAAABQAAABAHwAAAAAAACYAAAAAAAAAwOD//wAAAAAmAAAAZAAAABYAAABMAAAAAAAAAAAAAAAEAAAAAAAAAAEAAACAgIAKAAAAACgAAAAoAAAAZAAAAGQAAAAAAAAAzMzMAAAAAABQAAAAUAAAAGQAAABkAAAAAAAAABcAAAAUAAAAAAAAAAAAAAD/fwAA/38AAAAAAAAJAAAABAAAAAAAAAAeAAAAaAAAAAAAAAAAAAAAAAAAAAAAAAAAAAAAECcAABAnAAAAAAAAAAAAAAAAAAAAAAAAAAAAAAAAAAAAAAAAAAAAABQAAAAAAAAAwMD/AAAAAABkAAAAMgAAAAAAAABkAAAAAAAAAH9/fwAKAAAAIgAAABgAAAAAAAAAAAAAAAAAAAAAAAAAAAAAAAAAAAAkAAAAJAAAAAAAAAAHAAAAAAAAAAAAAAAAAAAAAAAAAAAAAAAAAAAAf39/ACUAAABYAAAAAAAAAAAAAAAAAAAAAAAAAAAAAAAAAAAAAAAAAAAAAAAAAAAAAAAAAAAAAAA/AAAAAAAAAKCGAQAAAAAAAAAAAAAAAAAMAAAAAQAAAAAAAAAAAAAAAAAAAB8AAABUAAAAAAAABQAAAAEAAAAAAAAAAAAAAAAAAAAAAAAAAAAAAAAAAAAAAAAAAAAAAAJ/f38AAAAAA8zMzADAwP8Af39/AAAAAAAAAAAAAAAAAAAAAAAAAAAAIQAAABgAAAAUAAAAYDYAALABAABARwAAsCUAABAAAAAmAAAACAAAAIMAAAAAAAAA"/>
-              </a:ext>
-            </a:extLst>
-          </p:cNvSpPr>
-          <p:nvPr>
-            <p:ph type="title"/>
-          </p:nvPr>
-        </p:nvSpPr>
-        <p:spPr>
-          <a:xfrm>
-            <a:off x="8839200" y="274320"/>
-            <a:ext cx="2743200" cy="5852160"/>
-          </a:xfrm>
-        </p:spPr>
-        <p:txBody>
-          <a:bodyPr vert="vert" wrap="square" numCol="1" spcCol="215900" anchor="b">
-            <a:prstTxWarp prst="textNoShape">
-              <a:avLst/>
-            </a:prstTxWarp>
-          </a:bodyPr>
-          <a:lstStyle/>
-          <a:p>
-            <a:r>
-              <a:t>Click to edit Master title style</a:t>
-            </a:r>
-          </a:p>
-        </p:txBody>
-      </p:sp>
-      <p:sp>
-        <p:nvSpPr>
-          <p:cNvPr id="3" name="SlideText1"/>
-          <p:cNvSpPr>
-            <a:spLocks noGrp="1" noChangeArrowheads="1"/>
-            <a:extLst>
-              <a:ext uri="smNativeData">
-                <pr:smNativeData xmlns="smNativeData" xmlns:pr="smNativeData" xmlns:p15="http://schemas.microsoft.com/office/powerpoint/2012/main" xmlns:p14="http://schemas.microsoft.com/office/powerpoint/2010/main" xmlns:mc="http://schemas.openxmlformats.org/markup-compatibility/2006" val="SMDATA_15_H0jYZxMAAAAlAAAAZAAAAA8BAAAAkAAAAEgAAACQAAAASAAAAAAAAAAAAAAAAQAAAAEAAABQAAAAAAAAAAAA4D8AAAAAAADgPwAAAAAAAOA/AAAAAAAA4D8AAAAAAADgPwAAAAAAAOA/AAAAAAAA4D8AAAAAAADgPwAAAAAAAOA/AAAAAAAA4D8CAAAAjAAAAAAAAAAAAAAAu+DjDP///wgAAAAAAAAAAAAAAAAAAAAAAAAAAAAAAAAAAAAAZAAAAAEAAABAAAAAAAAAAAAAAAAAAAAAAAAAAAAAAAAAAAAAAAAAAAAAAAAAAAAAAAAAAAAAAAAAAAAAAAAAAAAAAAAAAAAAAAAAAAAAAAAAAAAAAAAAAAAAAAAAAAAAFAAAADwAAAAAAAAAAAAAAAAAAAkUAAAAAQAAABQAAAAUAAAAFAAAAAEAAAAAAAAAZAAAAGQAAAAAAAAAZAAAAGQAAAAVAAAAYAAAAAAAAAAAAAAADwAAACADAAAAAAAAAAAAAAEAAACgMgAAVgcAAKr4//8BAAAAf39/AAEAAABkAAAAAAAAABQAAABAHwAAAAAAACYAAAAAAAAAwOD//wAAAAAmAAAAZAAAABYAAABMAAAAAAAAAAAAAAAEAAAAAAAAAAEAAACAgIAKAAAAACgAAAAoAAAAZAAAAGQAAAAAAAAAzMzMAAAAAABQAAAAUAAAAGQAAABkAAAAAAAAABcAAAAUAAAAAAAAAAAAAAD/fwAA/38AAAAAAAAJAAAABAAAAAAAAAAeAAAAaAAAAAAAAAAAAAAAAAAAAAAAAAAAAAAAECcAABAnAAAAAAAAAAAAAAAAAAAAAAAAAAAAAAAAAAAAAAAAAAAAABQAAAAAAAAAwMD/AAAAAABkAAAAMgAAAAAAAABkAAAAAAAAAH9/fwAKAAAAIgAAABgAAAAAAAAAAAAAAAAAAAAAAAAAAAAAAAAAAAAkAAAAJAAAAAAAAAAHAAAAAAAAAAAAAAAAAAAAAAAAAAAAAAAAAAAAf39/ACUAAABYAAAAAAAAAAAAAAAAAAAAAAAAAAAAAAAAAAAAAAAAAAAAAAAAAAAAAAAAAAAAAAA/AAAAAAAAAKCGAQAAAAAAAAAAAAAAAAAMAAAAAQAAAAAAAAAAAAAAAAAAAB8AAABUAAAAAAAABQAAAAEAAAAAAAAAAAAAAAAAAAAAAAAAAAAAAAAAAAAAAAAAAAAAAAJ/f38AAAAAA8zMzADAwP8Af39/AAAAAAAAAAAAAAAAAAAAAAAAAAAAIQAAABgAAAAUAAAAwAMAALABAAAfNQAAsCUAABAAAAAmAAAACAAAAAMAAAAAAAAA"/>
-              </a:ext>
-            </a:extLst>
-          </p:cNvSpPr>
-          <p:nvPr>
-            <p:ph idx="1"/>
-          </p:nvPr>
-        </p:nvSpPr>
-        <p:spPr>
-          <a:xfrm>
-            <a:off x="609600" y="274320"/>
-            <a:ext cx="8025765" cy="5852160"/>
-          </a:xfrm>
-        </p:spPr>
-        <p:txBody>
-          <a:bodyPr vert="vert" wrap="square" numCol="1" spcCol="215900" anchor="t">
-            <a:prstTxWarp prst="textNoShape">
-              <a:avLst/>
-            </a:prstTxWarp>
-          </a:bodyPr>
-          <a:lstStyle/>
-          <a:p>
-            <a:r>
-              <a:t>Click to edit Master text styles</a:t>
-            </a:r>
-          </a:p>
-          <a:p>
-            <a:pPr lvl="1"/>
-            <a:r>
-              <a:t>Second level</a:t>
-            </a:r>
-          </a:p>
-          <a:p>
-            <a:pPr lvl="2"/>
-            <a:r>
-              <a:t>Third level</a:t>
-            </a:r>
-          </a:p>
-          <a:p>
-            <a:pPr lvl="3"/>
-            <a:r>
-              <a:t>Fourth level</a:t>
-            </a:r>
-          </a:p>
-          <a:p>
-            <a:pPr lvl="4"/>
-            <a:r>
-              <a:t>Fifth level</a:t>
-            </a:r>
-          </a:p>
-        </p:txBody>
-      </p:sp>
-      <p:sp>
-        <p:nvSpPr>
-          <p:cNvPr id="4" name="DateTimeArea1"/>
-          <p:cNvSpPr>
-            <a:spLocks noGrp="1" noChangeArrowheads="1"/>
-            <a:extLst>
-              <a:ext uri="smNativeData">
-                <pr:smNativeData xmlns="smNativeData" xmlns:pr="smNativeData" xmlns:p15="http://schemas.microsoft.com/office/powerpoint/2012/main" xmlns:p14="http://schemas.microsoft.com/office/powerpoint/2010/main" xmlns:mc="http://schemas.openxmlformats.org/markup-compatibility/2006" val="SMDATA_15_H0jYZxMAAAAlAAAAZAAAAA8BAAAAkAAAAEgAAACQAAAASAAAAAAAAAABAAAAAAAAAAEAAABQAAAAAAAAAAAA4D8AAAAAAADgPwAAAAAAAOA/AAAAAAAA4D8AAAAAAADgPwAAAAAAAOA/AAAAAAAA4D8AAAAAAADgPwAAAAAAAOA/AAAAAAAA4D8CAAAAjAAAAAAAAAAAAAAAu+DjDP///wgAAAAAAAAAAAAAAAAAAAAAAAAAAAAAAAAAAAAAZAAAAAEAAABAAAAAAAAAAAAAAAAAAAAAAAAAAAAAAAAAAAAAAAAAAAAAAAAAAAAAAAAAAAAAAAAAAAAAAAAAAAAAAAAAAAAAAAAAAAAAAAAAAAAAAAAAAAAAAAAAAAAAFAAAADwAAAAAAAAAAAAAAAAAAAkUAAAAAQAAABQAAAAUAAAAFAAAAAEAAAAAAAAAZAAAAGQAAAAAAAAAZAAAAGQAAAAVAAAAYAAAAAAAAAAAAAAADwAAACADAAAAAAAAAAAAAAEAAACgMgAAVgcAAKr4//8BAAAAf39/AAEAAABkAAAAAAAAABQAAABAHwAAAAAAACYAAAAAAAAAwOD//wAAAAAmAAAAZAAAABYAAABMAAAAAAAAAAAAAAAEAAAAAAAAAAEAAACAgIAKAAAAACgAAAAoAAAAZAAAAGQAAAAAAAAAzMzMAAAAAABQAAAAUAAAAGQAAABkAAAAAAAAABcAAAAUAAAAAAAAAAAAAAD/fwAA/38AAAAAAAAJAAAABAAAAAAAAAAeAAAAaAAAAAAAAAAAAAAAAAAAAAAAAAAAAAAAECcAABAnAAAAAAAAAAAAAAAAAAAAAAAAAAAAAAAAAAAAAAAAAAAAABQAAAAAAAAAwMD/AAAAAABkAAAAMgAAAAAAAABkAAAAAAAAAH9/fwAKAAAAIgAAABgAAAAAAAAAAAAAAAAAAAAAAAAAAAAAAAAAAAAkAAAAJAAAAAAAAAAHAAAAAAAAAAAAAAAAAAAAAAAAAAAAAAAAAAAAf39/ACUAAABYAAAAAAAAAAAAAAAAAAAAAAAAAAAAAAAAAAAAAAAAAAAAAAAAAAAAAAAAAAAAAAA/AAAAAAAAAKCGAQAAAAAAAAAAAAAAAAAMAAAAAQAAAAAAAAAAAAAAAAAAAB8AAABUAAAAAAAABQAAAAEAAAAAAAAAAAAAAAAAAAAAAAAAAAAAAAAAAAAAAAAAAAAAAAJ/f38AAAAAA8zMzADAwP8Af39/AAAAAAAAAAAAAAAAAAAAAAAAAAAAIQAAABgAAAAUAAAAwAMAABsnAAA/FQAAWSkAABAAAAAmAAAACAAAAAAAAAAAAAAA"/>
-              </a:ext>
-            </a:extLst>
-          </p:cNvSpPr>
-          <p:nvPr>
-            <p:ph type="dt" sz="quarter" idx="10"/>
-          </p:nvPr>
-        </p:nvSpPr>
-        <p:spPr/>
-        <p:txBody>
-          <a:bodyPr/>
-          <a:lstStyle/>
-          <a:p>
-            <a:fld id="{4C4D5891-DFA1-18AE-EFF5-29FB16BB197C}" type="datetime1">
-              <a:t>5/7/25</a:t>
-            </a:fld>
-            <a:endParaRPr/>
-          </a:p>
-        </p:txBody>
-      </p:sp>
-      <p:sp>
-        <p:nvSpPr>
-          <p:cNvPr id="5" name="FooterArea1"/>
-          <p:cNvSpPr>
-            <a:spLocks noGrp="1" noChangeArrowheads="1"/>
-            <a:extLst>
-              <a:ext uri="smNativeData">
-                <pr:smNativeData xmlns="smNativeData" xmlns:pr="smNativeData" xmlns:p15="http://schemas.microsoft.com/office/powerpoint/2012/main" xmlns:p14="http://schemas.microsoft.com/office/powerpoint/2010/main" xmlns:mc="http://schemas.openxmlformats.org/markup-compatibility/2006" val="SMDATA_15_H0jYZxMAAAAlAAAAZAAAAA8BAAAAkAAAAEgAAACQAAAASAAAAAAAAAABAAAAAAAAAAEAAABQAAAAAAAAAAAA4D8AAAAAAADgPwAAAAAAAOA/AAAAAAAA4D8AAAAAAADgPwAAAAAAAOA/AAAAAAAA4D8AAAAAAADgPwAAAAAAAOA/AAAAAAAA4D8CAAAAjAAAAAAAAAAAAAAAu+DjDP///wgAAAAAAAAAAAAAAAAAAAAAAAAAAAAAAAAAAAAAZAAAAAEAAABAAAAAAAAAAAAAAAAAAAAAAAAAAAAAAAAAAAAAAAAAAAAAAAAAAAAAAAAAAAAAAAAAAAAAAAAAAAAAAAAAAAAAAAAAAAAAAAAAAAAAAAAAAAAAAAAAAAAAFAAAADwAAAAAAAAAAAAAAAAAAAkUAAAAAQAAABQAAAAUAAAAFAAAAAEAAAAAAAAAZAAAAGQAAAAAAAAAZAAAAGQAAAAVAAAAYAAAAAAAAAAAAAAADwAAACADAAAAAAAAAAAAAAEAAACgMgAAVgcAAKr4//8BAAAAf39/AAEAAABkAAAAAAAAABQAAABAHwAAAAAAACYAAAAAAAAAwOD//wAAAAAmAAAAZAAAABYAAABMAAAAAAAAAAAAAAAEAAAAAAAAAAEAAACAgIAKAAAAACgAAAAoAAAAZAAAAGQAAAAAAAAAzMzMAAAAAABQAAAAUAAAAGQAAABkAAAAAAAAABcAAAAUAAAAAAAAAAAAAAD/fwAA/38AAAAAAAAJAAAABAAAAAAAAAAeAAAAaAAAAAAAAAAAAAAAAAAAAAAAAAAAAAAAECcAABAnAAAAAAAAAAAAAAAAAAAAAAAAAAAAAAAAAAAAAAAAAAAAABQAAAAAAAAAwMD/AAAAAABkAAAAMgAAAAAAAABkAAAAAAAAAH9/fwAKAAAAIgAAABgAAAAAAAAAAAAAAAAAAAAAAAAAAAAAAAAAAAAkAAAAJAAAAAAAAAAHAAAAAAAAAAAAAAAAAAAAAAAAAAAAAAAAAAAAf39/ACUAAABYAAAAAAAAAAAAAAAAAAAAAAAAAAAAAAAAAAAAAAAAAAAAAAAAAAAAAAAAAAAAAAA/AAAAAAAAAKCGAQAAAAAAAAAAAAAAAAAMAAAAAQAAAAAAAAAAAAAAAAAAAB8AAABUAAAAAAAABQAAAAEAAAAAAAAAAAAAAAAAAAAAAAAAAAAAAAAAAAAAAAAAAAAAAAJ/f38AAAAAA8zMzADAwP8Af39/AAAAAAAAAAAAAAAAAAAAAAAAAAAAIQAAABgAAAAUAAAAoRkAABsnAABfMQAAWSkAABAAAAAmAAAACAAAAAAAAAAAAAAA"/>
-              </a:ext>
-            </a:extLst>
-          </p:cNvSpPr>
-          <p:nvPr>
-            <p:ph type="ftr" sz="quarter" idx="11"/>
-          </p:nvPr>
-        </p:nvSpPr>
-        <p:spPr/>
-        <p:txBody>
-          <a:bodyPr/>
-          <a:lstStyle/>
-          <a:p>
-            <a:endParaRPr/>
-          </a:p>
-        </p:txBody>
-      </p:sp>
-      <p:sp>
-        <p:nvSpPr>
-          <p:cNvPr id="6" name="SlideNumberArea1"/>
-          <p:cNvSpPr>
-            <a:spLocks noGrp="1" noChangeArrowheads="1"/>
-            <a:extLst>
-              <a:ext uri="smNativeData">
-                <pr:smNativeData xmlns="smNativeData" xmlns:pr="smNativeData" xmlns:p15="http://schemas.microsoft.com/office/powerpoint/2012/main" xmlns:p14="http://schemas.microsoft.com/office/powerpoint/2010/main" xmlns:mc="http://schemas.openxmlformats.org/markup-compatibility/2006" val="SMDATA_15_H0jYZxMAAAAlAAAAZAAAAA8BAAAAkAAAAEgAAACQAAAASAAAAAAAAAABAAAAAAAAAAEAAABQAAAAAAAAAAAA4D8AAAAAAADgPwAAAAAAAOA/AAAAAAAA4D8AAAAAAADgPwAAAAAAAOA/AAAAAAAA4D8AAAAAAADgPwAAAAAAAOA/AAAAAAAA4D8CAAAAjAAAAAAAAAAAAAAAu+DjDP///wgAAAAAAAAAAAAAAAAAAAAAAAAAAAAAAAAAAAAAZAAAAAEAAABAAAAAAAAAAAAAAAAAAAAAAAAAAAAAAAAAAAAAAAAAAAAAAAAAAAAAAAAAAAAAAAAAAAAAAAAAAAAAAAAAAAAAAAAAAAAAAAAAAAAAAAAAAAAAAAAAAAAAFAAAADwAAAAAAAAAAAAAAAAAAAkUAAAAAQAAABQAAAAUAAAAFAAAAAEAAAAAAAAAZAAAAGQAAAAAAAAAZAAAAGQAAAAVAAAAYAAAAAAAAAAAAAAADwAAACADAAAAAAAAAAAAAAEAAACgMgAAVgcAAKr4//8BAAAAf39/AAEAAABkAAAAAAAAABQAAABAHwAAAAAAACYAAAAAAAAAwOD//wAAAAAmAAAAZAAAABYAAABMAAAAAAAAAAAAAAAEAAAAAAAAAAEAAACAgIAKAAAAACgAAAAoAAAAZAAAAGQAAAAAAAAAzMzMAAAAAABQAAAAUAAAAGQAAABkAAAAAAAAABcAAAAUAAAAAAAAAAAAAAD/fwAA/38AAAAAAAAJAAAABAAAAAAAAAAeAAAAaAAAAAAAAAAAAAAAAAAAAAAAAAAAAAAAECcAABAnAAAAAAAAAAAAAAAAAAAAAAAAAAAAAAAAAAAAAAAAAAAAABQAAAAAAAAAwMD/AAAAAABkAAAAMgAAAAAAAABkAAAAAAAAAH9/fwAKAAAAIgAAABgAAAAAAAAAAAAAAAAAAAAAAAAAAAAAAAAAAAAkAAAAJAAAAAAAAAAHAAAAAAAAAAAAAAAAAAAAAAAAAAAAAAAAAAAAf39/ACUAAABYAAAAAAAAAAAAAAAAAAAAAAAAAAAAAAAAAAAAAAAAAAAAAAAAAAAAAAAAAAAAAAA/AAAAAAAAAKCGAQAAAAAAAAAAAAAAAAAMAAAAAQAAAAAAAAAAAAAAAAAAAB8AAABUAAAAAAAABQAAAAEAAAAAAAAAAAAAAAAAAAAAAAAAAAAAAAAAAAAAAAAAAAAAAAJ/f38AAAAAA8zMzADAwP8Af39/AAAAAAAAAAAAAAAAAAAAAAAAAAAAIQAAABgAAAAUAAAAwTUAABsnAABARwAAWSkAABAAAAAmAAAACAAAAAAAAAAAAAAA"/>
-              </a:ext>
-            </a:extLst>
-          </p:cNvSpPr>
-          <p:nvPr>
-            <p:ph type="sldNum" sz="quarter" idx="12"/>
-          </p:nvPr>
-        </p:nvSpPr>
-        <p:spPr/>
-        <p:txBody>
-          <a:bodyPr/>
-          <a:lstStyle/>
-          <a:p>
-            <a:fld id="{09F504A0-EEE4-A0F2-AA4D-18A74A035C4D}" type="slidenum">
-              <a:t>‹#›</a:t>
-            </a:fld>
-            <a:endParaRPr/>
-          </a:p>
-        </p:txBody>
-      </p:sp>
-    </p:spTree>
-  </p:cSld>
-  <p:clrMapOvr>
-    <a:masterClrMapping/>
-  </p:clrMapOvr>
-  <p:hf hdr="0" ftr="0"/>
-</p:sldLayout>
-</file>
-
 <file path=ppt/slideLayouts/slideLayout2.xml><?xml version="1.0" encoding="utf-8"?>
-<p:sldLayout xmlns:a="http://schemas.openxmlformats.org/drawingml/2006/main" xmlns:r="http://schemas.openxmlformats.org/officeDocument/2006/relationships" xmlns:p="http://schemas.openxmlformats.org/presentationml/2006/main" type="secHead">
-  <p:cSld name="Section header">
-    <p:spTree>
-      <p:nvGrpSpPr>
-        <p:cNvPr id="1" name=""/>
-        <p:cNvGrpSpPr/>
-        <p:nvPr/>
-      </p:nvGrpSpPr>
-      <p:grpSpPr>
-        <a:xfrm>
-          <a:off x="0" y="0"/>
-          <a:ext cx="0" cy="0"/>
-          <a:chOff x="0" y="0"/>
-          <a:chExt cx="0" cy="0"/>
-        </a:xfrm>
-      </p:grpSpPr>
-      <p:sp>
-        <p:nvSpPr>
-          <p:cNvPr id="2" name="SlideTitle1"/>
-          <p:cNvSpPr>
-            <a:spLocks noGrp="1" noChangeArrowheads="1"/>
-            <a:extLst>
-              <a:ext uri="smNativeData">
-                <pr:smNativeData xmlns="smNativeData" xmlns:pr="smNativeData" xmlns:p15="http://schemas.microsoft.com/office/powerpoint/2012/main" xmlns:p14="http://schemas.microsoft.com/office/powerpoint/2010/main" xmlns:mc="http://schemas.openxmlformats.org/markup-compatibility/2006" val="SMDATA_15_H0jYZxMAAAAlAAAAZAAAAA8BAAAAkAAAAEgAAACQAAAASAAAAAAAAAAAAAAAAAAAAAEAAABQAAAAAAAAAAAA4D8AAAAAAADgPwAAAAAAAOA/AAAAAAAA4D8AAAAAAADgPwAAAAAAAOA/AAAAAAAA4D8AAAAAAADgPwAAAAAAAOA/AAAAAAAA4D8CAAAAjAAAAAAAAAAAAAAAu+DjDP///wgAAAAAAAAAAAAAAAAAAAAAAAAAAAAAAAAAAAAAZAAAAAEAAABAAAAAAAAAAAAAAAAAAAAAAAAAAAAAAAAAAAAAAAAAAAAAAAAAAAAAAAAAAAAAAAAAAAAAAAAAAAAAAAAAAAAAAAAAAAAAAAAAAAAAAAAAAAAAAAAAAAAAFAAAADwAAAAAAAAAAAAAAAAAAAkUAAAAAQAAABQAAAAUAAAAFAAAAAEAAAAAAAAAZAAAAGQAAAAAAAAAZAAAAGQAAAAVAAAAYAAAAAAAAAAAAAAADwAAACADAAAAAAAAAAAAAAEAAACgMgAAVgcAAKr4//8BAAAAf39/AAEAAABkAAAAAAAAABQAAABAHwAAAAAAACYAAAAAAAAAwOD//wAAAAAmAAAAZAAAABYAAABMAAAAAAAAAAAAAAAEAAAAAAAAAAEAAACAgIAKAAAAACgAAAAoAAAAZAAAAGQAAAAAAAAAzMzMAAAAAABQAAAAUAAAAGQAAABkAAAAAAAAABcAAAAUAAAAAAAAAAAAAAD/fwAA/38AAAAAAAAJAAAABAAAANw7IAEeAAAAaAAAAAAAAAAAAAAAAAAAAAAAAAAAAAAAECcAABAnAAAAAAAAAAAAAAAAAAAAAAAAAAAAAAAAAAAAAAAAAAAAABQAAAAAAAAAwMD/AAAAAABkAAAAMgAAAAAAAABkAAAAAAAAAH9/fwAKAAAAIgAAABgAAAAAAAAAAAAAAAAAAAAAAAAAAAAAAAAAAAAkAAAAJAAAAAAAAAAHAAAAAAAAAAAAAAAAAAAAAAAAAAAAAAAAAAAAf39/ACUAAABYAAAAAAAAAAAAAAAAAAAAAAAAAAAAAAAAAAAAAAAAAAAAAAAAAAAAAAAAAAAAAAA/AAAAAAAAAKCGAQAAAAAAAAAAAAAAAAAMAAAAAQAAAAAAAAAAAAAAAAAAAB8AAABUAAAAAAAABQAAAAEAAAAAAAAAAAAAAAAAAAAAAAAAAAAAAAAAAAAAAAAAAAAAAAJ/f38AAAAAA8zMzADAwP8Af39/AAAAAAAAAAAAAAAAAAAAAAAAAAAAIQAAABgAAAAUAAAA7QUAABwbAACtRQAAfSMAABAAAAAmAAAACAAAAIGAAAAAAAAA"/>
-              </a:ext>
-            </a:extLst>
-          </p:cNvSpPr>
-          <p:nvPr>
-            <p:ph type="title"/>
-          </p:nvPr>
-        </p:nvSpPr>
-        <p:spPr>
-          <a:xfrm>
-            <a:off x="963295" y="4406900"/>
-            <a:ext cx="10363200" cy="1362075"/>
-          </a:xfrm>
-        </p:spPr>
-        <p:txBody>
-          <a:bodyPr vert="horz" wrap="square" numCol="1" spcCol="215900" anchor="t">
-            <a:prstTxWarp prst="textNoShape">
-              <a:avLst/>
-            </a:prstTxWarp>
-          </a:bodyPr>
-          <a:lstStyle>
-            <a:lvl1pPr algn="l">
-              <a:defRPr sz="4000" b="1" cap="all"/>
-            </a:lvl1pPr>
-          </a:lstStyle>
-          <a:p>
-            <a:r>
-              <a:t>Click to edit Master title style</a:t>
-            </a:r>
-          </a:p>
-        </p:txBody>
-      </p:sp>
-      <p:sp>
-        <p:nvSpPr>
-          <p:cNvPr id="3" name="SlideText1"/>
-          <p:cNvSpPr>
-            <a:spLocks noGrp="1" noChangeArrowheads="1"/>
-            <a:extLst>
-              <a:ext uri="smNativeData">
-                <pr:smNativeData xmlns="smNativeData" xmlns:pr="smNativeData" xmlns:p15="http://schemas.microsoft.com/office/powerpoint/2012/main" xmlns:p14="http://schemas.microsoft.com/office/powerpoint/2010/main" xmlns:mc="http://schemas.openxmlformats.org/markup-compatibility/2006" val="SMDATA_15_H0jYZxMAAAAlAAAAZAAAAA8BAAAAkAAAAEgAAACQAAAASAAAAAAAAAACAAAAAAAAAAEAAABQAAAAAAAAAAAA4D8AAAAAAADgPwAAAAAAAOA/AAAAAAAA4D8AAAAAAADgPwAAAAAAAOA/AAAAAAAA4D8AAAAAAADgPwAAAAAAAOA/AAAAAAAA4D8CAAAAjAAAAAAAAAAAAAAAu+DjDP///wgAAAAAAAAAAAAAAAAAAAAAAAAAAAAAAAAAAAAAZAAAAAEAAABAAAAAAAAAAAAAAAAAAAAAAAAAAAAAAAAAAAAAAAAAAAAAAAAAAAAAAAAAAAAAAAAAAAAAAAAAAAAAAAAAAAAAAAAAAAAAAAAAAAAAAAAAAAAAAAAAAAAAFAAAADwAAAAAAAAAAAAAAAAAAAkUAAAAAQAAABQAAAAUAAAAFAAAAAEAAAAAAAAAZAAAAGQAAAAAAAAAZAAAAGQAAAAVAAAAYAAAAAAAAAAAAAAADwAAACADAAAAAAAAAAAAAAEAAACgMgAAVgcAAKr4//8BAAAAf39/AAEAAABkAAAAAAAAABQAAABAHwAAAAAAACYAAAAAAAAAwOD//wAAAAAmAAAAZAAAABYAAABMAAAAAAAAAAAAAAAEAAAAAAAAAAEAAACAgIAKAAAAACgAAAAoAAAAZAAAAGQAAAAAAAAAzMzMAAAAAABQAAAAUAAAAGQAAABkAAAAAAAAABcAAAAUAAAAAAAAAAAAAAD/fwAA/38AAAAAAAAJAAAABAAAANw7IAEeAAAAaAAAAAAAAAAAAAAAAAAAAAAAAAAAAAAAECcAABAnAAAAAAAAAAAAAAAAAAAAAAAAAAAAAAAAAAAAAAAAAAAAABQAAAAAAAAAwMD/AAAAAABkAAAAMgAAAAAAAABkAAAAAAAAAH9/fwAKAAAAIgAAABgAAAAAAAAAAAAAAAAAAAAAAAAAAAAAAAAAAAAkAAAAJAAAAAAAAAAHAAAAAAAAAAAAAAAAAAAAAAAAAAAAAAAAAAAAf39/ACUAAABYAAAAAAAAAAAAAAAAAAAAAAAAAAAAAAAAAAAAAAAAAAAAAAAAAAAAAAAAAAAAAAA/AAAAAAAAAKCGAQAAAAAAAAAAAAAAAAAMAAAAAQAAAAAAAAAAAAAAAAAAAB8AAABUAAAAAAAABQAAAAEAAAAAAAAAAAAAAAAAAAAAAAAAAAAAAAAAAAAAAAAAAAAAAAJ/f38AAAAAA8zMzADAwP8Af39/AAAAAAAAAAAAAAAAAAAAAAAAAAAAIQAAABgAAAAUAAAA7QUAAOERAACtRQAAHBsAABAAAAAmAAAACAAAAIGAAAAAAAAA"/>
-              </a:ext>
-            </a:extLst>
-          </p:cNvSpPr>
-          <p:nvPr>
-            <p:ph idx="1"/>
-          </p:nvPr>
-        </p:nvSpPr>
-        <p:spPr>
-          <a:xfrm>
-            <a:off x="963295" y="2906395"/>
-            <a:ext cx="10363200" cy="1500505"/>
-          </a:xfrm>
-        </p:spPr>
-        <p:txBody>
-          <a:bodyPr vert="horz" wrap="square" numCol="1" spcCol="215900" anchor="b">
-            <a:prstTxWarp prst="textNoShape">
-              <a:avLst/>
-            </a:prstTxWarp>
-          </a:bodyPr>
-          <a:lstStyle>
-            <a:lvl1pPr marL="0" indent="0">
-              <a:buNone/>
-              <a:defRPr sz="2000" cap="none"/>
-            </a:lvl1pPr>
-            <a:lvl2pPr marL="457200" indent="0">
-              <a:buNone/>
-              <a:defRPr sz="1800" cap="none"/>
-            </a:lvl2pPr>
-            <a:lvl3pPr marL="914400" indent="0">
-              <a:buNone/>
-              <a:defRPr sz="1600" cap="none"/>
-            </a:lvl3pPr>
-            <a:lvl4pPr marL="1371600" indent="0">
-              <a:buNone/>
-              <a:defRPr sz="1400" cap="none"/>
-            </a:lvl4pPr>
-            <a:lvl5pPr marL="1828800" indent="0">
-              <a:buNone/>
-              <a:defRPr sz="1400" cap="none"/>
-            </a:lvl5pPr>
-            <a:lvl6pPr marL="2286000" indent="0">
-              <a:buNone/>
-              <a:defRPr sz="1400" cap="none"/>
-            </a:lvl6pPr>
-            <a:lvl7pPr marL="2743200" indent="0">
-              <a:buNone/>
-              <a:defRPr sz="1400" cap="none"/>
-            </a:lvl7pPr>
-            <a:lvl8pPr marL="3200400" indent="0">
-              <a:buNone/>
-              <a:defRPr sz="1400" cap="none"/>
-            </a:lvl8pPr>
-            <a:lvl9pPr marL="3657600" indent="0">
-              <a:buNone/>
-              <a:defRPr sz="1400" cap="none"/>
-            </a:lvl9pPr>
-          </a:lstStyle>
-          <a:p>
-            <a:r>
-              <a:t>Click to edit Master text styles</a:t>
-            </a:r>
-          </a:p>
-        </p:txBody>
-      </p:sp>
-      <p:sp>
-        <p:nvSpPr>
-          <p:cNvPr id="4" name="DateTimeArea1"/>
-          <p:cNvSpPr>
-            <a:spLocks noGrp="1" noChangeArrowheads="1"/>
-            <a:extLst>
-              <a:ext uri="smNativeData">
-                <pr:smNativeData xmlns="smNativeData" xmlns:pr="smNativeData" xmlns:p15="http://schemas.microsoft.com/office/powerpoint/2012/main" xmlns:p14="http://schemas.microsoft.com/office/powerpoint/2010/main" xmlns:mc="http://schemas.openxmlformats.org/markup-compatibility/2006" val="SMDATA_15_H0jYZxMAAAAlAAAAZAAAAA8BAAAAkAAAAEgAAACQAAAASAAAAAAAAAABAAAAAAAAAAEAAABQAAAAAAAAAAAA4D8AAAAAAADgPwAAAAAAAOA/AAAAAAAA4D8AAAAAAADgPwAAAAAAAOA/AAAAAAAA4D8AAAAAAADgPwAAAAAAAOA/AAAAAAAA4D8CAAAAjAAAAAAAAAAAAAAAu+DjDP///wgAAAAAAAAAAAAAAAAAAAAAAAAAAAAAAAAAAAAAZAAAAAEAAABAAAAAAAAAAAAAAAAAAAAAAAAAAAAAAAAAAAAAAAAAAAAAAAAAAAAAAAAAAAAAAAAAAAAAAAAAAAAAAAAAAAAAAAAAAAAAAAAAAAAAAAAAAAAAAAAAAAAAFAAAADwAAAAAAAAAAAAAAAAAAAkUAAAAAQAAABQAAAAUAAAAFAAAAAEAAAAAAAAAZAAAAGQAAAAAAAAAZAAAAGQAAAAVAAAAYAAAAAAAAAAAAAAADwAAACADAAAAAAAAAAAAAAEAAACgMgAAVgcAAKr4//8BAAAAf39/AAEAAABkAAAAAAAAABQAAABAHwAAAAAAACYAAAAAAAAAwOD//wAAAAAmAAAAZAAAABYAAABMAAAAAAAAAAAAAAAEAAAAAAAAAAEAAACAgIAKAAAAACgAAAAoAAAAZAAAAGQAAAAAAAAAzMzMAAAAAABQAAAAUAAAAGQAAABkAAAAAAAAABcAAAAUAAAAAAAAAAAAAAD/fwAA/38AAAAAAAAJAAAABAAAAAAAAAAeAAAAaAAAAAAAAAAAAAAAAAAAAAAAAAAAAAAAECcAABAnAAAAAAAAAAAAAAAAAAAAAAAAAAAAAAAAAAAAAAAAAAAAABQAAAAAAAAAwMD/AAAAAABkAAAAMgAAAAAAAABkAAAAAAAAAH9/fwAKAAAAIgAAABgAAAAAAAAAAAAAAAAAAAAAAAAAAAAAAAAAAAAkAAAAJAAAAAAAAAAHAAAAAAAAAAAAAAAAAAAAAAAAAAAAAAAAAAAAf39/ACUAAABYAAAAAAAAAAAAAAAAAAAAAAAAAAAAAAAAAAAAAAAAAAAAAAAAAAAAAAAAAAAAAAA/AAAAAAAAAKCGAQAAAAAAAAAAAAAAAAAMAAAAAQAAAAAAAAAAAAAAAAAAAB8AAABUAAAAAAAABQAAAAEAAAAAAAAAAAAAAAAAAAAAAAAAAAAAAAAAAAAAAAAAAAAAAAJ/f38AAAAAA8zMzADAwP8Af39/AAAAAAAAAAAAAAAAAAAAAAAAAAAAIQAAABgAAAAUAAAAwAMAABsnAAA/FQAAWSkAABAAAAAmAAAACAAAAAAAAAAAAAAA"/>
-              </a:ext>
-            </a:extLst>
-          </p:cNvSpPr>
-          <p:nvPr>
-            <p:ph type="dt" sz="quarter" idx="10"/>
-          </p:nvPr>
-        </p:nvSpPr>
-        <p:spPr/>
-        <p:txBody>
-          <a:bodyPr/>
-          <a:lstStyle/>
-          <a:p>
-            <a:fld id="{2C4A4941-0FC1-1FBF-8FF2-F9EA07BC79AC}" type="datetime1">
-              <a:t>5/7/25</a:t>
-            </a:fld>
-            <a:endParaRPr/>
-          </a:p>
-        </p:txBody>
-      </p:sp>
-      <p:sp>
-        <p:nvSpPr>
-          <p:cNvPr id="5" name="FooterArea1"/>
-          <p:cNvSpPr>
-            <a:spLocks noGrp="1" noChangeArrowheads="1"/>
-            <a:extLst>
-              <a:ext uri="smNativeData">
-                <pr:smNativeData xmlns="smNativeData" xmlns:pr="smNativeData" xmlns:p15="http://schemas.microsoft.com/office/powerpoint/2012/main" xmlns:p14="http://schemas.microsoft.com/office/powerpoint/2010/main" xmlns:mc="http://schemas.openxmlformats.org/markup-compatibility/2006" val="SMDATA_15_H0jYZxMAAAAlAAAAZAAAAA8BAAAAkAAAAEgAAACQAAAASAAAAAAAAAABAAAAAAAAAAEAAABQAAAAAAAAAAAA4D8AAAAAAADgPwAAAAAAAOA/AAAAAAAA4D8AAAAAAADgPwAAAAAAAOA/AAAAAAAA4D8AAAAAAADgPwAAAAAAAOA/AAAAAAAA4D8CAAAAjAAAAAAAAAAAAAAAu+DjDP///wgAAAAAAAAAAAAAAAAAAAAAAAAAAAAAAAAAAAAAZAAAAAEAAABAAAAAAAAAAAAAAAAAAAAAAAAAAAAAAAAAAAAAAAAAAAAAAAAAAAAAAAAAAAAAAAAAAAAAAAAAAAAAAAAAAAAAAAAAAAAAAAAAAAAAAAAAAAAAAAAAAAAAFAAAADwAAAAAAAAAAAAAAAAAAAkUAAAAAQAAABQAAAAUAAAAFAAAAAEAAAAAAAAAZAAAAGQAAAAAAAAAZAAAAGQAAAAVAAAAYAAAAAAAAAAAAAAADwAAACADAAAAAAAAAAAAAAEAAACgMgAAVgcAAKr4//8BAAAAf39/AAEAAABkAAAAAAAAABQAAABAHwAAAAAAACYAAAAAAAAAwOD//wAAAAAmAAAAZAAAABYAAABMAAAAAAAAAAAAAAAEAAAAAAAAAAEAAACAgIAKAAAAACgAAAAoAAAAZAAAAGQAAAAAAAAAzMzMAAAAAABQAAAAUAAAAGQAAABkAAAAAAAAABcAAAAUAAAAAAAAAAAAAAD/fwAA/38AAAAAAAAJAAAABAAAANw7IAEeAAAAaAAAAAAAAAAAAAAAAAAAAAAAAAAAAAAAECcAABAnAAAAAAAAAAAAAAAAAAAAAAAAAAAAAAAAAAAAAAAAAAAAABQAAAAAAAAAwMD/AAAAAABkAAAAMgAAAAAAAABkAAAAAAAAAH9/fwAKAAAAIgAAABgAAAAAAAAAAAAAAAAAAAAAAAAAAAAAAAAAAAAkAAAAJAAAAAAAAAAHAAAAAAAAAAAAAAAAAAAAAAAAAAAAAAAAAAAAf39/ACUAAABYAAAAAAAAAAAAAAAAAAAAAAAAAAAAAAAAAAAAAAAAAAAAAAAAAAAAAAAAAAAAAAA/AAAAAAAAAKCGAQAAAAAAAAAAAAAAAAAMAAAAAQAAAAAAAAAAAAAAAAAAAB8AAABUAAAAAAAABQAAAAEAAAAAAAAAAAAAAAAAAAAAAAAAAAAAAAAAAAAAAAAAAAAAAAJ/f38AAAAAA8zMzADAwP8Af39/AAAAAAAAAAAAAAAAAAAAAAAAAAAAIQAAABgAAAAUAAAAoRkAABsnAABfMQAAWSkAABAAAAAmAAAACAAAAAAAAAAAAAAA"/>
-              </a:ext>
-            </a:extLst>
-          </p:cNvSpPr>
-          <p:nvPr>
-            <p:ph type="ftr" sz="quarter" idx="11"/>
-          </p:nvPr>
-        </p:nvSpPr>
-        <p:spPr/>
-        <p:txBody>
-          <a:bodyPr/>
-          <a:lstStyle/>
-          <a:p>
-            <a:endParaRPr/>
-          </a:p>
-        </p:txBody>
-      </p:sp>
-      <p:sp>
-        <p:nvSpPr>
-          <p:cNvPr id="6" name="SlideNumberArea1"/>
-          <p:cNvSpPr>
-            <a:spLocks noGrp="1" noChangeArrowheads="1"/>
-            <a:extLst>
-              <a:ext uri="smNativeData">
-                <pr:smNativeData xmlns="smNativeData" xmlns:pr="smNativeData" xmlns:p15="http://schemas.microsoft.com/office/powerpoint/2012/main" xmlns:p14="http://schemas.microsoft.com/office/powerpoint/2010/main" xmlns:mc="http://schemas.openxmlformats.org/markup-compatibility/2006" val="SMDATA_15_H0jYZxMAAAAlAAAAZAAAAA8BAAAAkAAAAEgAAACQAAAASAAAAAAAAAABAAAAAAAAAAEAAABQAAAAAAAAAAAA4D8AAAAAAADgPwAAAAAAAOA/AAAAAAAA4D8AAAAAAADgPwAAAAAAAOA/AAAAAAAA4D8AAAAAAADgPwAAAAAAAOA/AAAAAAAA4D8CAAAAjAAAAAAAAAAAAAAAu+DjDP///wgAAAAAAAAAAAAAAAAAAAAAAAAAAAAAAAAAAAAAZAAAAAEAAABAAAAAAAAAAAAAAAAAAAAAAAAAAAAAAAAAAAAAAAAAAAAAAAAAAAAAAAAAAAAAAAAAAAAAAAAAAAAAAAAAAAAAAAAAAAAAAAAAAAAAAAAAAAAAAAAAAAAAFAAAADwAAAAAAAAAAAAAAAAAAAkUAAAAAQAAABQAAAAUAAAAFAAAAAEAAAAAAAAAZAAAAGQAAAAAAAAAZAAAAGQAAAAVAAAAYAAAAAAAAAAAAAAADwAAACADAAAAAAAAAAAAAAEAAACgMgAAVgcAAKr4//8BAAAAf39/AAEAAABkAAAAAAAAABQAAABAHwAAAAAAACYAAAAAAAAAwOD//wAAAAAmAAAAZAAAABYAAABMAAAAAAAAAAAAAAAEAAAAAAAAAAEAAACAgIAKAAAAACgAAAAoAAAAZAAAAGQAAAAAAAAAzMzMAAAAAABQAAAAUAAAAGQAAABkAAAAAAAAABcAAAAUAAAAAAAAAAAAAAD/fwAA/38AAAAAAAAJAAAABAAAANw7IAEeAAAAaAAAAAAAAAAAAAAAAAAAAAAAAAAAAAAAECcAABAnAAAAAAAAAAAAAAAAAAAAAAAAAAAAAAAAAAAAAAAAAAAAABQAAAAAAAAAwMD/AAAAAABkAAAAMgAAAAAAAABkAAAAAAAAAH9/fwAKAAAAIgAAABgAAAAAAAAAAAAAAAAAAAAAAAAAAAAAAAAAAAAkAAAAJAAAAAAAAAAHAAAAAAAAAAAAAAAAAAAAAAAAAAAAAAAAAAAAf39/ACUAAABYAAAAAAAAAAAAAAAAAAAAAAAAAAAAAAAAAAAAAAAAAAAAAAAAAAAAAAAAAAAAAAA/AAAAAAAAAKCGAQAAAAAAAAAAAAAAAAAMAAAAAQAAAAAAAAAAAAAAAAAAAB8AAABUAAAAAAAABQAAAAEAAAAAAAAAAAAAAAAAAAAAAAAAAAAAAAAAAAAAAAAAAAAAAAJ/f38AAAAAA8zMzADAwP8Af39/AAAAAAAAAAAAAAAAAAAAAAAAAAAAIQAAABgAAAAUAAAAwTUAABsnAABARwAAWSkAABAAAAAmAAAACAAAAAAAAAAAAAAA"/>
-              </a:ext>
-            </a:extLst>
-          </p:cNvSpPr>
-          <p:nvPr>
-            <p:ph type="sldNum" sz="quarter" idx="12"/>
-          </p:nvPr>
-        </p:nvSpPr>
-        <p:spPr/>
-        <p:txBody>
-          <a:bodyPr/>
-          <a:lstStyle/>
-          <a:p>
-            <a:fld id="{17B7E023-6DFA-E216-B40F-9B43AE4142CE}" type="slidenum">
-              <a:t>‹#›</a:t>
-            </a:fld>
-            <a:endParaRPr/>
-          </a:p>
-        </p:txBody>
-      </p:sp>
-    </p:spTree>
-  </p:cSld>
-  <p:clrMapOvr>
-    <a:masterClrMapping/>
-  </p:clrMapOvr>
-  <p:hf hdr="0" ftr="0"/>
-</p:sldLayout>
-</file>
-
-<file path=ppt/slideLayouts/slideLayout3.xml><?xml version="1.0" encoding="utf-8"?>
 <p:sldLayout xmlns:a="http://schemas.openxmlformats.org/drawingml/2006/main" xmlns:r="http://schemas.openxmlformats.org/officeDocument/2006/relationships" xmlns:p="http://schemas.openxmlformats.org/presentationml/2006/main" type="twoColTx">
   <p:cSld name="Title and two contents">
     <p:spTree>
@@ -1146,7 +734,7 @@
 </p:sldLayout>
 </file>
 
-<file path=ppt/slideLayouts/slideLayout4.xml><?xml version="1.0" encoding="utf-8"?>
+<file path=ppt/slideLayouts/slideLayout3.xml><?xml version="1.0" encoding="utf-8"?>
 <p:sldLayout xmlns:a="http://schemas.openxmlformats.org/drawingml/2006/main" xmlns:r="http://schemas.openxmlformats.org/officeDocument/2006/relationships" xmlns:p="http://schemas.openxmlformats.org/presentationml/2006/main" type="twoTxTwoObj">
   <p:cSld name="Comparison">
     <p:spTree>
@@ -1586,7 +1174,7 @@
 </p:sldLayout>
 </file>
 
-<file path=ppt/slideLayouts/slideLayout5.xml><?xml version="1.0" encoding="utf-8"?>
+<file path=ppt/slideLayouts/slideLayout4.xml><?xml version="1.0" encoding="utf-8"?>
 <p:sldLayout xmlns:a="http://schemas.openxmlformats.org/drawingml/2006/main" xmlns:r="http://schemas.openxmlformats.org/officeDocument/2006/relationships" xmlns:p="http://schemas.openxmlformats.org/presentationml/2006/main" type="titleOnly">
   <p:cSld name="Title only">
     <p:spTree>
@@ -1716,7 +1304,7 @@
 </p:sldLayout>
 </file>
 
-<file path=ppt/slideLayouts/slideLayout6.xml><?xml version="1.0" encoding="utf-8"?>
+<file path=ppt/slideLayouts/slideLayout5.xml><?xml version="1.0" encoding="utf-8"?>
 <p:sldLayout xmlns:a="http://schemas.openxmlformats.org/drawingml/2006/main" xmlns:r="http://schemas.openxmlformats.org/officeDocument/2006/relationships" xmlns:p="http://schemas.openxmlformats.org/presentationml/2006/main" type="blank">
   <p:cSld name="Blank">
     <p:spTree>
@@ -1820,7 +1408,7 @@
 </p:sldLayout>
 </file>
 
-<file path=ppt/slideLayouts/slideLayout7.xml><?xml version="1.0" encoding="utf-8"?>
+<file path=ppt/slideLayouts/slideLayout6.xml><?xml version="1.0" encoding="utf-8"?>
 <p:sldLayout xmlns:a="http://schemas.openxmlformats.org/drawingml/2006/main" xmlns:r="http://schemas.openxmlformats.org/officeDocument/2006/relationships" xmlns:p="http://schemas.openxmlformats.org/presentationml/2006/main" type="objTx">
   <p:cSld name="Content with caption">
     <p:spTree>
@@ -2114,7 +1702,7 @@
 </p:sldLayout>
 </file>
 
-<file path=ppt/slideLayouts/slideLayout8.xml><?xml version="1.0" encoding="utf-8"?>
+<file path=ppt/slideLayouts/slideLayout7.xml><?xml version="1.0" encoding="utf-8"?>
 <p:sldLayout xmlns:a="http://schemas.openxmlformats.org/drawingml/2006/main" xmlns:r="http://schemas.openxmlformats.org/officeDocument/2006/relationships" xmlns:p="http://schemas.openxmlformats.org/presentationml/2006/main" type="picTx">
   <p:cSld name="Picture with caption">
     <p:spTree>
@@ -2393,7 +1981,7 @@
 </p:sldLayout>
 </file>
 
-<file path=ppt/slideLayouts/slideLayout9.xml><?xml version="1.0" encoding="utf-8"?>
+<file path=ppt/slideLayouts/slideLayout8.xml><?xml version="1.0" encoding="utf-8"?>
 <p:sldLayout xmlns:a="http://schemas.openxmlformats.org/drawingml/2006/main" xmlns:r="http://schemas.openxmlformats.org/officeDocument/2006/relationships" xmlns:p="http://schemas.openxmlformats.org/presentationml/2006/main" type="vertTx">
   <p:cSld name="Title and vertical text">
     <p:spTree>
@@ -2562,6 +2150,204 @@
           <a:lstStyle/>
           <a:p>
             <a:fld id="{428B364B-05AF-DEC0-E133-F395787D17A6}" type="slidenum">
+              <a:t>‹#›</a:t>
+            </a:fld>
+            <a:endParaRPr/>
+          </a:p>
+        </p:txBody>
+      </p:sp>
+    </p:spTree>
+  </p:cSld>
+  <p:clrMapOvr>
+    <a:masterClrMapping/>
+  </p:clrMapOvr>
+  <p:hf hdr="0" ftr="0"/>
+</p:sldLayout>
+</file>
+
+<file path=ppt/slideLayouts/slideLayout9.xml><?xml version="1.0" encoding="utf-8"?>
+<p:sldLayout xmlns:a="http://schemas.openxmlformats.org/drawingml/2006/main" xmlns:r="http://schemas.openxmlformats.org/officeDocument/2006/relationships" xmlns:p="http://schemas.openxmlformats.org/presentationml/2006/main" type="vertTitleAndTx">
+  <p:cSld name="Vertical title and text">
+    <p:spTree>
+      <p:nvGrpSpPr>
+        <p:cNvPr id="1" name=""/>
+        <p:cNvGrpSpPr/>
+        <p:nvPr/>
+      </p:nvGrpSpPr>
+      <p:grpSpPr>
+        <a:xfrm>
+          <a:off x="0" y="0"/>
+          <a:ext cx="0" cy="0"/>
+          <a:chOff x="0" y="0"/>
+          <a:chExt cx="0" cy="0"/>
+        </a:xfrm>
+      </p:grpSpPr>
+      <p:sp>
+        <p:nvSpPr>
+          <p:cNvPr id="2" name="SlideTitle1"/>
+          <p:cNvSpPr>
+            <a:spLocks noGrp="1" noChangeArrowheads="1"/>
+            <a:extLst>
+              <a:ext uri="smNativeData">
+                <pr:smNativeData xmlns="smNativeData" xmlns:pr="smNativeData" xmlns:p15="http://schemas.microsoft.com/office/powerpoint/2012/main" xmlns:p14="http://schemas.microsoft.com/office/powerpoint/2010/main" xmlns:mc="http://schemas.openxmlformats.org/markup-compatibility/2006" val="SMDATA_15_H0jYZxMAAAAlAAAAZAAAAA8BAAAAkAAAAEgAAACQAAAASAAAAAAAAAACAAAAAQAAAAEAAABQAAAAAAAAAAAA4D8AAAAAAADgPwAAAAAAAOA/AAAAAAAA4D8AAAAAAADgPwAAAAAAAOA/AAAAAAAA4D8AAAAAAADgPwAAAAAAAOA/AAAAAAAA4D8CAAAAjAAAAAAAAAAAAAAAu+DjDP///wgAAAAAAAAAAAAAAAAAAAAAAAAAAAAAAAAAAAAAZAAAAAEAAABAAAAAAAAAAAAAAAAAAAAAAAAAAAAAAAAAAAAAAAAAAAAAAAAAAAAAAAAAAAAAAAAAAAAAAAAAAAAAAAAAAAAAAAAAAAAAAAAAAAAAAAAAAAAAAAAAAAAAFAAAADwAAAAAAAAAAAAAAAAAAAkUAAAAAQAAABQAAAAUAAAAFAAAAAEAAAAAAAAAZAAAAGQAAAAAAAAAZAAAAGQAAAAVAAAAYAAAAAAAAAAAAAAADwAAACADAAAAAAAAAAAAAAEAAACgMgAAVgcAAKr4//8BAAAAf39/AAEAAABkAAAAAAAAABQAAABAHwAAAAAAACYAAAAAAAAAwOD//wAAAAAmAAAAZAAAABYAAABMAAAAAAAAAAAAAAAEAAAAAAAAAAEAAACAgIAKAAAAACgAAAAoAAAAZAAAAGQAAAAAAAAAzMzMAAAAAABQAAAAUAAAAGQAAABkAAAAAAAAABcAAAAUAAAAAAAAAAAAAAD/fwAA/38AAAAAAAAJAAAABAAAAAAAAAAeAAAAaAAAAAAAAAAAAAAAAAAAAAAAAAAAAAAAECcAABAnAAAAAAAAAAAAAAAAAAAAAAAAAAAAAAAAAAAAAAAAAAAAABQAAAAAAAAAwMD/AAAAAABkAAAAMgAAAAAAAABkAAAAAAAAAH9/fwAKAAAAIgAAABgAAAAAAAAAAAAAAAAAAAAAAAAAAAAAAAAAAAAkAAAAJAAAAAAAAAAHAAAAAAAAAAAAAAAAAAAAAAAAAAAAAAAAAAAAf39/ACUAAABYAAAAAAAAAAAAAAAAAAAAAAAAAAAAAAAAAAAAAAAAAAAAAAAAAAAAAAAAAAAAAAA/AAAAAAAAAKCGAQAAAAAAAAAAAAAAAAAMAAAAAQAAAAAAAAAAAAAAAAAAAB8AAABUAAAAAAAABQAAAAEAAAAAAAAAAAAAAAAAAAAAAAAAAAAAAAAAAAAAAAAAAAAAAAJ/f38AAAAAA8zMzADAwP8Af39/AAAAAAAAAAAAAAAAAAAAAAAAAAAAIQAAABgAAAAUAAAAYDYAALABAABARwAAsCUAABAAAAAmAAAACAAAAIMAAAAAAAAA"/>
+              </a:ext>
+            </a:extLst>
+          </p:cNvSpPr>
+          <p:nvPr>
+            <p:ph type="title"/>
+          </p:nvPr>
+        </p:nvSpPr>
+        <p:spPr>
+          <a:xfrm>
+            <a:off x="8839200" y="274320"/>
+            <a:ext cx="2743200" cy="5852160"/>
+          </a:xfrm>
+        </p:spPr>
+        <p:txBody>
+          <a:bodyPr vert="vert" wrap="square" numCol="1" spcCol="215900" anchor="b">
+            <a:prstTxWarp prst="textNoShape">
+              <a:avLst/>
+            </a:prstTxWarp>
+          </a:bodyPr>
+          <a:lstStyle/>
+          <a:p>
+            <a:r>
+              <a:t>Click to edit Master title style</a:t>
+            </a:r>
+          </a:p>
+        </p:txBody>
+      </p:sp>
+      <p:sp>
+        <p:nvSpPr>
+          <p:cNvPr id="3" name="SlideText1"/>
+          <p:cNvSpPr>
+            <a:spLocks noGrp="1" noChangeArrowheads="1"/>
+            <a:extLst>
+              <a:ext uri="smNativeData">
+                <pr:smNativeData xmlns="smNativeData" xmlns:pr="smNativeData" xmlns:p15="http://schemas.microsoft.com/office/powerpoint/2012/main" xmlns:p14="http://schemas.microsoft.com/office/powerpoint/2010/main" xmlns:mc="http://schemas.openxmlformats.org/markup-compatibility/2006" val="SMDATA_15_H0jYZxMAAAAlAAAAZAAAAA8BAAAAkAAAAEgAAACQAAAASAAAAAAAAAAAAAAAAQAAAAEAAABQAAAAAAAAAAAA4D8AAAAAAADgPwAAAAAAAOA/AAAAAAAA4D8AAAAAAADgPwAAAAAAAOA/AAAAAAAA4D8AAAAAAADgPwAAAAAAAOA/AAAAAAAA4D8CAAAAjAAAAAAAAAAAAAAAu+DjDP///wgAAAAAAAAAAAAAAAAAAAAAAAAAAAAAAAAAAAAAZAAAAAEAAABAAAAAAAAAAAAAAAAAAAAAAAAAAAAAAAAAAAAAAAAAAAAAAAAAAAAAAAAAAAAAAAAAAAAAAAAAAAAAAAAAAAAAAAAAAAAAAAAAAAAAAAAAAAAAAAAAAAAAFAAAADwAAAAAAAAAAAAAAAAAAAkUAAAAAQAAABQAAAAUAAAAFAAAAAEAAAAAAAAAZAAAAGQAAAAAAAAAZAAAAGQAAAAVAAAAYAAAAAAAAAAAAAAADwAAACADAAAAAAAAAAAAAAEAAACgMgAAVgcAAKr4//8BAAAAf39/AAEAAABkAAAAAAAAABQAAABAHwAAAAAAACYAAAAAAAAAwOD//wAAAAAmAAAAZAAAABYAAABMAAAAAAAAAAAAAAAEAAAAAAAAAAEAAACAgIAKAAAAACgAAAAoAAAAZAAAAGQAAAAAAAAAzMzMAAAAAABQAAAAUAAAAGQAAABkAAAAAAAAABcAAAAUAAAAAAAAAAAAAAD/fwAA/38AAAAAAAAJAAAABAAAAAAAAAAeAAAAaAAAAAAAAAAAAAAAAAAAAAAAAAAAAAAAECcAABAnAAAAAAAAAAAAAAAAAAAAAAAAAAAAAAAAAAAAAAAAAAAAABQAAAAAAAAAwMD/AAAAAABkAAAAMgAAAAAAAABkAAAAAAAAAH9/fwAKAAAAIgAAABgAAAAAAAAAAAAAAAAAAAAAAAAAAAAAAAAAAAAkAAAAJAAAAAAAAAAHAAAAAAAAAAAAAAAAAAAAAAAAAAAAAAAAAAAAf39/ACUAAABYAAAAAAAAAAAAAAAAAAAAAAAAAAAAAAAAAAAAAAAAAAAAAAAAAAAAAAAAAAAAAAA/AAAAAAAAAKCGAQAAAAAAAAAAAAAAAAAMAAAAAQAAAAAAAAAAAAAAAAAAAB8AAABUAAAAAAAABQAAAAEAAAAAAAAAAAAAAAAAAAAAAAAAAAAAAAAAAAAAAAAAAAAAAAJ/f38AAAAAA8zMzADAwP8Af39/AAAAAAAAAAAAAAAAAAAAAAAAAAAAIQAAABgAAAAUAAAAwAMAALABAAAfNQAAsCUAABAAAAAmAAAACAAAAAMAAAAAAAAA"/>
+              </a:ext>
+            </a:extLst>
+          </p:cNvSpPr>
+          <p:nvPr>
+            <p:ph idx="1"/>
+          </p:nvPr>
+        </p:nvSpPr>
+        <p:spPr>
+          <a:xfrm>
+            <a:off x="609600" y="274320"/>
+            <a:ext cx="8025765" cy="5852160"/>
+          </a:xfrm>
+        </p:spPr>
+        <p:txBody>
+          <a:bodyPr vert="vert" wrap="square" numCol="1" spcCol="215900" anchor="t">
+            <a:prstTxWarp prst="textNoShape">
+              <a:avLst/>
+            </a:prstTxWarp>
+          </a:bodyPr>
+          <a:lstStyle/>
+          <a:p>
+            <a:r>
+              <a:t>Click to edit Master text styles</a:t>
+            </a:r>
+          </a:p>
+          <a:p>
+            <a:pPr lvl="1"/>
+            <a:r>
+              <a:t>Second level</a:t>
+            </a:r>
+          </a:p>
+          <a:p>
+            <a:pPr lvl="2"/>
+            <a:r>
+              <a:t>Third level</a:t>
+            </a:r>
+          </a:p>
+          <a:p>
+            <a:pPr lvl="3"/>
+            <a:r>
+              <a:t>Fourth level</a:t>
+            </a:r>
+          </a:p>
+          <a:p>
+            <a:pPr lvl="4"/>
+            <a:r>
+              <a:t>Fifth level</a:t>
+            </a:r>
+          </a:p>
+        </p:txBody>
+      </p:sp>
+      <p:sp>
+        <p:nvSpPr>
+          <p:cNvPr id="4" name="DateTimeArea1"/>
+          <p:cNvSpPr>
+            <a:spLocks noGrp="1" noChangeArrowheads="1"/>
+            <a:extLst>
+              <a:ext uri="smNativeData">
+                <pr:smNativeData xmlns="smNativeData" xmlns:pr="smNativeData" xmlns:p15="http://schemas.microsoft.com/office/powerpoint/2012/main" xmlns:p14="http://schemas.microsoft.com/office/powerpoint/2010/main" xmlns:mc="http://schemas.openxmlformats.org/markup-compatibility/2006" val="SMDATA_15_H0jYZxMAAAAlAAAAZAAAAA8BAAAAkAAAAEgAAACQAAAASAAAAAAAAAABAAAAAAAAAAEAAABQAAAAAAAAAAAA4D8AAAAAAADgPwAAAAAAAOA/AAAAAAAA4D8AAAAAAADgPwAAAAAAAOA/AAAAAAAA4D8AAAAAAADgPwAAAAAAAOA/AAAAAAAA4D8CAAAAjAAAAAAAAAAAAAAAu+DjDP///wgAAAAAAAAAAAAAAAAAAAAAAAAAAAAAAAAAAAAAZAAAAAEAAABAAAAAAAAAAAAAAAAAAAAAAAAAAAAAAAAAAAAAAAAAAAAAAAAAAAAAAAAAAAAAAAAAAAAAAAAAAAAAAAAAAAAAAAAAAAAAAAAAAAAAAAAAAAAAAAAAAAAAFAAAADwAAAAAAAAAAAAAAAAAAAkUAAAAAQAAABQAAAAUAAAAFAAAAAEAAAAAAAAAZAAAAGQAAAAAAAAAZAAAAGQAAAAVAAAAYAAAAAAAAAAAAAAADwAAACADAAAAAAAAAAAAAAEAAACgMgAAVgcAAKr4//8BAAAAf39/AAEAAABkAAAAAAAAABQAAABAHwAAAAAAACYAAAAAAAAAwOD//wAAAAAmAAAAZAAAABYAAABMAAAAAAAAAAAAAAAEAAAAAAAAAAEAAACAgIAKAAAAACgAAAAoAAAAZAAAAGQAAAAAAAAAzMzMAAAAAABQAAAAUAAAAGQAAABkAAAAAAAAABcAAAAUAAAAAAAAAAAAAAD/fwAA/38AAAAAAAAJAAAABAAAAAAAAAAeAAAAaAAAAAAAAAAAAAAAAAAAAAAAAAAAAAAAECcAABAnAAAAAAAAAAAAAAAAAAAAAAAAAAAAAAAAAAAAAAAAAAAAABQAAAAAAAAAwMD/AAAAAABkAAAAMgAAAAAAAABkAAAAAAAAAH9/fwAKAAAAIgAAABgAAAAAAAAAAAAAAAAAAAAAAAAAAAAAAAAAAAAkAAAAJAAAAAAAAAAHAAAAAAAAAAAAAAAAAAAAAAAAAAAAAAAAAAAAf39/ACUAAABYAAAAAAAAAAAAAAAAAAAAAAAAAAAAAAAAAAAAAAAAAAAAAAAAAAAAAAAAAAAAAAA/AAAAAAAAAKCGAQAAAAAAAAAAAAAAAAAMAAAAAQAAAAAAAAAAAAAAAAAAAB8AAABUAAAAAAAABQAAAAEAAAAAAAAAAAAAAAAAAAAAAAAAAAAAAAAAAAAAAAAAAAAAAAJ/f38AAAAAA8zMzADAwP8Af39/AAAAAAAAAAAAAAAAAAAAAAAAAAAAIQAAABgAAAAUAAAAwAMAABsnAAA/FQAAWSkAABAAAAAmAAAACAAAAAAAAAAAAAAA"/>
+              </a:ext>
+            </a:extLst>
+          </p:cNvSpPr>
+          <p:nvPr>
+            <p:ph type="dt" sz="quarter" idx="10"/>
+          </p:nvPr>
+        </p:nvSpPr>
+        <p:spPr/>
+        <p:txBody>
+          <a:bodyPr/>
+          <a:lstStyle/>
+          <a:p>
+            <a:fld id="{4C4D5891-DFA1-18AE-EFF5-29FB16BB197C}" type="datetime1">
+              <a:t>5/7/25</a:t>
+            </a:fld>
+            <a:endParaRPr/>
+          </a:p>
+        </p:txBody>
+      </p:sp>
+      <p:sp>
+        <p:nvSpPr>
+          <p:cNvPr id="5" name="FooterArea1"/>
+          <p:cNvSpPr>
+            <a:spLocks noGrp="1" noChangeArrowheads="1"/>
+            <a:extLst>
+              <a:ext uri="smNativeData">
+                <pr:smNativeData xmlns="smNativeData" xmlns:pr="smNativeData" xmlns:p15="http://schemas.microsoft.com/office/powerpoint/2012/main" xmlns:p14="http://schemas.microsoft.com/office/powerpoint/2010/main" xmlns:mc="http://schemas.openxmlformats.org/markup-compatibility/2006" val="SMDATA_15_H0jYZxMAAAAlAAAAZAAAAA8BAAAAkAAAAEgAAACQAAAASAAAAAAAAAABAAAAAAAAAAEAAABQAAAAAAAAAAAA4D8AAAAAAADgPwAAAAAAAOA/AAAAAAAA4D8AAAAAAADgPwAAAAAAAOA/AAAAAAAA4D8AAAAAAADgPwAAAAAAAOA/AAAAAAAA4D8CAAAAjAAAAAAAAAAAAAAAu+DjDP///wgAAAAAAAAAAAAAAAAAAAAAAAAAAAAAAAAAAAAAZAAAAAEAAABAAAAAAAAAAAAAAAAAAAAAAAAAAAAAAAAAAAAAAAAAAAAAAAAAAAAAAAAAAAAAAAAAAAAAAAAAAAAAAAAAAAAAAAAAAAAAAAAAAAAAAAAAAAAAAAAAAAAAFAAAADwAAAAAAAAAAAAAAAAAAAkUAAAAAQAAABQAAAAUAAAAFAAAAAEAAAAAAAAAZAAAAGQAAAAAAAAAZAAAAGQAAAAVAAAAYAAAAAAAAAAAAAAADwAAACADAAAAAAAAAAAAAAEAAACgMgAAVgcAAKr4//8BAAAAf39/AAEAAABkAAAAAAAAABQAAABAHwAAAAAAACYAAAAAAAAAwOD//wAAAAAmAAAAZAAAABYAAABMAAAAAAAAAAAAAAAEAAAAAAAAAAEAAACAgIAKAAAAACgAAAAoAAAAZAAAAGQAAAAAAAAAzMzMAAAAAABQAAAAUAAAAGQAAABkAAAAAAAAABcAAAAUAAAAAAAAAAAAAAD/fwAA/38AAAAAAAAJAAAABAAAAAAAAAAeAAAAaAAAAAAAAAAAAAAAAAAAAAAAAAAAAAAAECcAABAnAAAAAAAAAAAAAAAAAAAAAAAAAAAAAAAAAAAAAAAAAAAAABQAAAAAAAAAwMD/AAAAAABkAAAAMgAAAAAAAABkAAAAAAAAAH9/fwAKAAAAIgAAABgAAAAAAAAAAAAAAAAAAAAAAAAAAAAAAAAAAAAkAAAAJAAAAAAAAAAHAAAAAAAAAAAAAAAAAAAAAAAAAAAAAAAAAAAAf39/ACUAAABYAAAAAAAAAAAAAAAAAAAAAAAAAAAAAAAAAAAAAAAAAAAAAAAAAAAAAAAAAAAAAAA/AAAAAAAAAKCGAQAAAAAAAAAAAAAAAAAMAAAAAQAAAAAAAAAAAAAAAAAAAB8AAABUAAAAAAAABQAAAAEAAAAAAAAAAAAAAAAAAAAAAAAAAAAAAAAAAAAAAAAAAAAAAAJ/f38AAAAAA8zMzADAwP8Af39/AAAAAAAAAAAAAAAAAAAAAAAAAAAAIQAAABgAAAAUAAAAoRkAABsnAABfMQAAWSkAABAAAAAmAAAACAAAAAAAAAAAAAAA"/>
+              </a:ext>
+            </a:extLst>
+          </p:cNvSpPr>
+          <p:nvPr>
+            <p:ph type="ftr" sz="quarter" idx="11"/>
+          </p:nvPr>
+        </p:nvSpPr>
+        <p:spPr/>
+        <p:txBody>
+          <a:bodyPr/>
+          <a:lstStyle/>
+          <a:p>
+            <a:endParaRPr/>
+          </a:p>
+        </p:txBody>
+      </p:sp>
+      <p:sp>
+        <p:nvSpPr>
+          <p:cNvPr id="6" name="SlideNumberArea1"/>
+          <p:cNvSpPr>
+            <a:spLocks noGrp="1" noChangeArrowheads="1"/>
+            <a:extLst>
+              <a:ext uri="smNativeData">
+                <pr:smNativeData xmlns="smNativeData" xmlns:pr="smNativeData" xmlns:p15="http://schemas.microsoft.com/office/powerpoint/2012/main" xmlns:p14="http://schemas.microsoft.com/office/powerpoint/2010/main" xmlns:mc="http://schemas.openxmlformats.org/markup-compatibility/2006" val="SMDATA_15_H0jYZxMAAAAlAAAAZAAAAA8BAAAAkAAAAEgAAACQAAAASAAAAAAAAAABAAAAAAAAAAEAAABQAAAAAAAAAAAA4D8AAAAAAADgPwAAAAAAAOA/AAAAAAAA4D8AAAAAAADgPwAAAAAAAOA/AAAAAAAA4D8AAAAAAADgPwAAAAAAAOA/AAAAAAAA4D8CAAAAjAAAAAAAAAAAAAAAu+DjDP///wgAAAAAAAAAAAAAAAAAAAAAAAAAAAAAAAAAAAAAZAAAAAEAAABAAAAAAAAAAAAAAAAAAAAAAAAAAAAAAAAAAAAAAAAAAAAAAAAAAAAAAAAAAAAAAAAAAAAAAAAAAAAAAAAAAAAAAAAAAAAAAAAAAAAAAAAAAAAAAAAAAAAAFAAAADwAAAAAAAAAAAAAAAAAAAkUAAAAAQAAABQAAAAUAAAAFAAAAAEAAAAAAAAAZAAAAGQAAAAAAAAAZAAAAGQAAAAVAAAAYAAAAAAAAAAAAAAADwAAACADAAAAAAAAAAAAAAEAAACgMgAAVgcAAKr4//8BAAAAf39/AAEAAABkAAAAAAAAABQAAABAHwAAAAAAACYAAAAAAAAAwOD//wAAAAAmAAAAZAAAABYAAABMAAAAAAAAAAAAAAAEAAAAAAAAAAEAAACAgIAKAAAAACgAAAAoAAAAZAAAAGQAAAAAAAAAzMzMAAAAAABQAAAAUAAAAGQAAABkAAAAAAAAABcAAAAUAAAAAAAAAAAAAAD/fwAA/38AAAAAAAAJAAAABAAAAAAAAAAeAAAAaAAAAAAAAAAAAAAAAAAAAAAAAAAAAAAAECcAABAnAAAAAAAAAAAAAAAAAAAAAAAAAAAAAAAAAAAAAAAAAAAAABQAAAAAAAAAwMD/AAAAAABkAAAAMgAAAAAAAABkAAAAAAAAAH9/fwAKAAAAIgAAABgAAAAAAAAAAAAAAAAAAAAAAAAAAAAAAAAAAAAkAAAAJAAAAAAAAAAHAAAAAAAAAAAAAAAAAAAAAAAAAAAAAAAAAAAAf39/ACUAAABYAAAAAAAAAAAAAAAAAAAAAAAAAAAAAAAAAAAAAAAAAAAAAAAAAAAAAAAAAAAAAAA/AAAAAAAAAKCGAQAAAAAAAAAAAAAAAAAMAAAAAQAAAAAAAAAAAAAAAAAAAB8AAABUAAAAAAAABQAAAAEAAAAAAAAAAAAAAAAAAAAAAAAAAAAAAAAAAAAAAAAAAAAAAAJ/f38AAAAAA8zMzADAwP8Af39/AAAAAAAAAAAAAAAAAAAAAAAAAAAAIQAAABgAAAAUAAAAwTUAABsnAABARwAAWSkAABAAAAAmAAAACAAAAAAAAAAAAAAA"/>
+              </a:ext>
+            </a:extLst>
+          </p:cNvSpPr>
+          <p:nvPr>
+            <p:ph type="sldNum" sz="quarter" idx="12"/>
+          </p:nvPr>
+        </p:nvSpPr>
+        <p:spPr/>
+        <p:txBody>
+          <a:bodyPr/>
+          <a:lstStyle/>
+          <a:p>
+            <a:fld id="{09F504A0-EEE4-A0F2-AA4D-18A74A035C4D}" type="slidenum">
               <a:t>‹#›</a:t>
             </a:fld>
             <a:endParaRPr/>
@@ -2858,15 +2644,14 @@
   <p:clrMap bg1="lt1" tx1="dk1" bg2="lt2" tx2="dk2" accent1="accent1" accent2="accent2" accent3="accent3" accent4="accent4" accent5="accent5" accent6="accent6" hlink="hlink" folHlink="folHlink"/>
   <p:sldLayoutIdLst>
     <p:sldLayoutId id="2147483649" r:id="rId1"/>
-    <p:sldLayoutId id="2147483651" r:id="rId2"/>
-    <p:sldLayoutId id="2147483652" r:id="rId3"/>
-    <p:sldLayoutId id="2147483653" r:id="rId4"/>
-    <p:sldLayoutId id="2147483654" r:id="rId5"/>
-    <p:sldLayoutId id="2147483655" r:id="rId6"/>
-    <p:sldLayoutId id="2147483656" r:id="rId7"/>
-    <p:sldLayoutId id="2147483657" r:id="rId8"/>
-    <p:sldLayoutId id="2147483658" r:id="rId9"/>
-    <p:sldLayoutId id="2147483659" r:id="rId10"/>
+    <p:sldLayoutId id="2147483652" r:id="rId2"/>
+    <p:sldLayoutId id="2147483653" r:id="rId3"/>
+    <p:sldLayoutId id="2147483654" r:id="rId4"/>
+    <p:sldLayoutId id="2147483655" r:id="rId5"/>
+    <p:sldLayoutId id="2147483656" r:id="rId6"/>
+    <p:sldLayoutId id="2147483657" r:id="rId7"/>
+    <p:sldLayoutId id="2147483658" r:id="rId8"/>
+    <p:sldLayoutId id="2147483659" r:id="rId9"/>
   </p:sldLayoutIdLst>
   <p:hf sldNum="0" hdr="0" ftr="0" dt="0"/>
   <p:txStyles>
@@ -5861,7 +5646,7 @@
                 <a:latin typeface="Arial"/>
                 <a:cs typeface="Arial"/>
               </a:rPr>
-              <a:t>References</a:t>
+              <a:t>REPO</a:t>
             </a:r>
             <a:endParaRPr lang="en-US" dirty="0"/>
           </a:p>
@@ -5938,6 +5723,354 @@
         </p:nvSpPr>
         <p:spPr>
           <a:xfrm>
+            <a:off x="123920" y="4700005"/>
+            <a:ext cx="8782687" cy="1569660"/>
+          </a:xfrm>
+          <a:prstGeom prst="rect">
+            <a:avLst/>
+          </a:prstGeom>
+          <a:noFill/>
+        </p:spPr>
+        <p:txBody>
+          <a:bodyPr wrap="square" rtlCol="0">
+            <a:spAutoFit/>
+          </a:bodyPr>
+          <a:lstStyle/>
+          <a:p>
+            <a:pPr>
+              <a:buNone/>
+            </a:pPr>
+            <a:r>
+              <a:rPr lang="en-US" sz="3200" b="1" u="sng" dirty="0">
+                <a:latin typeface="Arial" panose="020B0604020202020204" pitchFamily="34" charset="0"/>
+                <a:cs typeface="Arial" panose="020B0604020202020204" pitchFamily="34" charset="0"/>
+              </a:rPr>
+              <a:t>Code available at:</a:t>
+            </a:r>
+          </a:p>
+          <a:p>
+            <a:pPr>
+              <a:buNone/>
+            </a:pPr>
+            <a:endParaRPr lang="en-US" sz="3200" dirty="0">
+              <a:latin typeface="Arial" panose="020B0604020202020204" pitchFamily="34" charset="0"/>
+              <a:cs typeface="Arial" panose="020B0604020202020204" pitchFamily="34" charset="0"/>
+            </a:endParaRPr>
+          </a:p>
+          <a:p>
+            <a:pPr>
+              <a:buNone/>
+            </a:pPr>
+            <a:r>
+              <a:rPr lang="en-US" sz="3200" dirty="0">
+                <a:latin typeface="Arial" panose="020B0604020202020204" pitchFamily="34" charset="0"/>
+                <a:cs typeface="Arial" panose="020B0604020202020204" pitchFamily="34" charset="0"/>
+              </a:rPr>
+              <a:t>https://</a:t>
+            </a:r>
+            <a:r>
+              <a:rPr lang="en-US" sz="3200" dirty="0" err="1">
+                <a:latin typeface="Arial" panose="020B0604020202020204" pitchFamily="34" charset="0"/>
+                <a:cs typeface="Arial" panose="020B0604020202020204" pitchFamily="34" charset="0"/>
+              </a:rPr>
+              <a:t>github.com</a:t>
+            </a:r>
+            <a:r>
+              <a:rPr lang="en-US" sz="3200" dirty="0">
+                <a:latin typeface="Arial" panose="020B0604020202020204" pitchFamily="34" charset="0"/>
+                <a:cs typeface="Arial" panose="020B0604020202020204" pitchFamily="34" charset="0"/>
+              </a:rPr>
+              <a:t>/Randhal1/</a:t>
+            </a:r>
+            <a:r>
+              <a:rPr lang="en-US" sz="3200" dirty="0" err="1">
+                <a:latin typeface="Arial" panose="020B0604020202020204" pitchFamily="34" charset="0"/>
+                <a:cs typeface="Arial" panose="020B0604020202020204" pitchFamily="34" charset="0"/>
+              </a:rPr>
+              <a:t>Special_topics</a:t>
+            </a:r>
+            <a:endParaRPr lang="en-US" sz="3200" dirty="0">
+              <a:latin typeface="Arial" panose="020B0604020202020204" pitchFamily="34" charset="0"/>
+              <a:cs typeface="Arial" panose="020B0604020202020204" pitchFamily="34" charset="0"/>
+            </a:endParaRPr>
+          </a:p>
+        </p:txBody>
+      </p:sp>
+      <p:pic>
+        <p:nvPicPr>
+          <p:cNvPr id="5122" name="Picture 2">
+            <a:extLst>
+              <a:ext uri="{FF2B5EF4-FFF2-40B4-BE49-F238E27FC236}">
+                <a16:creationId xmlns:a16="http://schemas.microsoft.com/office/drawing/2014/main" id="{36354BE8-38B9-17BA-B952-81B6721275A6}"/>
+              </a:ext>
+            </a:extLst>
+          </p:cNvPr>
+          <p:cNvPicPr>
+            <a:picLocks noChangeAspect="1" noChangeArrowheads="1"/>
+          </p:cNvPicPr>
+          <p:nvPr/>
+        </p:nvPicPr>
+        <p:blipFill>
+          <a:blip r:embed="rId2">
+            <a:extLst>
+              <a:ext uri="{28A0092B-C50C-407E-A947-70E740481C1C}">
+                <a14:useLocalDpi xmlns:a14="http://schemas.microsoft.com/office/drawing/2010/main" val="0"/>
+              </a:ext>
+            </a:extLst>
+          </a:blip>
+          <a:srcRect/>
+          <a:stretch>
+            <a:fillRect/>
+          </a:stretch>
+        </p:blipFill>
+        <p:spPr bwMode="auto">
+          <a:xfrm>
+            <a:off x="4932484" y="1310082"/>
+            <a:ext cx="3389923" cy="3389923"/>
+          </a:xfrm>
+          <a:prstGeom prst="rect">
+            <a:avLst/>
+          </a:prstGeom>
+          <a:noFill/>
+          <a:extLst>
+            <a:ext uri="{909E8E84-426E-40DD-AFC4-6F175D3DCCD1}">
+              <a14:hiddenFill xmlns:a14="http://schemas.microsoft.com/office/drawing/2010/main">
+                <a:solidFill>
+                  <a:srgbClr val="FFFFFF"/>
+                </a:solidFill>
+              </a14:hiddenFill>
+            </a:ext>
+          </a:extLst>
+        </p:spPr>
+      </p:pic>
+    </p:spTree>
+    <p:extLst>
+      <p:ext uri="{BB962C8B-B14F-4D97-AF65-F5344CB8AC3E}">
+        <p14:creationId xmlns:p14="http://schemas.microsoft.com/office/powerpoint/2010/main" val="2294214891"/>
+      </p:ext>
+    </p:extLst>
+  </p:cSld>
+  <p:clrMapOvr>
+    <a:masterClrMapping/>
+  </p:clrMapOvr>
+</p:sld>
+</file>
+
+<file path=ppt/slides/slide14.xml><?xml version="1.0" encoding="utf-8"?>
+<p:sld xmlns:a="http://schemas.openxmlformats.org/drawingml/2006/main" xmlns:r="http://schemas.openxmlformats.org/officeDocument/2006/relationships" xmlns:p="http://schemas.openxmlformats.org/presentationml/2006/main">
+  <p:cSld>
+    <p:spTree>
+      <p:nvGrpSpPr>
+        <p:cNvPr id="1" name="">
+          <a:extLst>
+            <a:ext uri="{FF2B5EF4-FFF2-40B4-BE49-F238E27FC236}">
+              <a16:creationId xmlns:a16="http://schemas.microsoft.com/office/drawing/2014/main" id="{D5BC42FE-86B7-DAAC-50DC-9BF987A791CA}"/>
+            </a:ext>
+          </a:extLst>
+        </p:cNvPr>
+        <p:cNvGrpSpPr/>
+        <p:nvPr/>
+      </p:nvGrpSpPr>
+      <p:grpSpPr>
+        <a:xfrm>
+          <a:off x="0" y="0"/>
+          <a:ext cx="0" cy="0"/>
+          <a:chOff x="0" y="0"/>
+          <a:chExt cx="0" cy="0"/>
+        </a:xfrm>
+      </p:grpSpPr>
+      <p:sp>
+        <p:nvSpPr>
+          <p:cNvPr id="4" name="Rectangle2">
+            <a:extLst>
+              <a:ext uri="{FF2B5EF4-FFF2-40B4-BE49-F238E27FC236}">
+                <a16:creationId xmlns:a16="http://schemas.microsoft.com/office/drawing/2014/main" id="{D6BE2B4D-AB35-3CAD-4214-05E50CE51CF0}"/>
+              </a:ext>
+            </a:extLst>
+          </p:cNvPr>
+          <p:cNvSpPr>
+            <a:extLst>
+              <a:ext uri="smNativeData">
+                <pr:smNativeData xmlns="smNativeData" xmlns:pr="smNativeData" xmlns:p15="http://schemas.microsoft.com/office/powerpoint/2012/main" xmlns:p14="http://schemas.microsoft.com/office/powerpoint/2010/main" xmlns:mc="http://schemas.openxmlformats.org/markup-compatibility/2006" val="SMDATA_15_H0jYZxMAAAAlAAAAZAAAAA8BAAAAkAAAAEgAAACQAAAASAAAAAAAAAABAAAAAAAAAAEAAABQAAAAAAAAAAAA4D8AAAAAAADgPwAAAAAAAOA/AAAAAAAA4D8AAAAAAADgPwAAAAAAAOA/AAAAAAAA4D8AAAAAAADgPwAAAAAAAOA/AAAAAAAA4D8CAAAAjAAAAAEAAAAAAAAA9IEfAP///wgAAAAAAAAAAAAAAAAAAAAAAAAAAAAAAAAAAAAAZAAAAAEAAABAAAAAAAAAAAAAAAAAAAAAAAAAAAAAAAAAAAAAAAAAAAAAAAAAAAAAAAAAAAAAAAAAAAAAAAAAAAAAAAAAAAAAAAAAAAAAAAAAAAAAAAAAAAAAAAAAAAAAFAAAADwAAAABAAAAAAAAAPSBHwAUAAAAAQAAABQAAAAUAAAAFAAAAAEAAAAAAAAAZAAAAGQAAAAAAAAAZAAAAGQAAAAVAAAAYAAAAAAAAAAAAAAADwAAACADAAAAAAAAAAAAAAEAAACgMgAAAAAAAAAAAAABAAAAf39/AAEAAABkAAAAAAAAABQAAABAHwAAAAAAACYAAAAAAAAAwOD//wAAAAAmAAAAZAAAABYAAABMAAAAAAAAAAAAAAAEAAAAAAAAAAEAAACAgIAKAAAAACgAAAAoAAAAZAAAAGQAAAAAAAAAzMzMAAAAAABQAAAAUAAAAGQAAABkAAAAAAAAABcAAAAUAAAAAAAAAAAAAAD/fwAA/38AAAAAAAAJAAAABAAAACUAAAAeAAAAaAAAAAAAAAAAAAAAAAAAAAAAAAAAAAAAECcAABAnAAAAAAAAAAAAAAAAAAAAAAAAAAAAAAAAAAAAAAAAAAAAABQAAAAAAAAAwMD/AAAAAABkAAAAMgAAAAAAAABkAAAAAAAAAH9/fwAKAAAAIgAAABgAAAAAAAAAAAAAAAAAAAAAAAAAAAAAAAAAAAAkAAAAJAAAAAAAAAAHAAAAAAAAAAAAAAAAAAAAAAAAAAAAAAAAAAAAf39/ACUAAABYAAAAAAAAAAAAAAAAAAAAAAAAAAAAAAAAAAAAAAAAAAAAAAAAAAAAAAAAAAAAAAA/AAAAAAAAAKCGAQAAAAAAAAAAAAAAAAAMAAAAAQAAAAAAAAAAAAAAAAAAAB8AAABUAAAA9IEfAP///wEAAAAAAAAAAAAAAAAAAAAAAAAAAAAAAAAAAAAAAAAAAPSBHwB/f38AgICAA8zMzADAwP8Af39/AAAAAAAAAAAAAAAAAAAAAAAAAAAAIQAAABgAAAAUAAAA9P////T///+DBwAAQAUAABAAAAAmAAAACAAAAP//////////"/>
+              </a:ext>
+            </a:extLst>
+          </p:cNvSpPr>
+          <p:nvPr/>
+        </p:nvSpPr>
+        <p:spPr>
+          <a:xfrm>
+            <a:off x="-7620" y="-7620"/>
+            <a:ext cx="1228725" cy="861060"/>
+          </a:xfrm>
+          <a:prstGeom prst="rect">
+            <a:avLst/>
+          </a:prstGeom>
+          <a:solidFill>
+            <a:srgbClr val="F4811F"/>
+          </a:solidFill>
+          <a:ln w="12700" cap="flat" cmpd="sng" algn="ctr">
+            <a:solidFill>
+              <a:srgbClr val="F4811F"/>
+            </a:solidFill>
+            <a:prstDash val="solid"/>
+            <a:headEnd type="none"/>
+            <a:tailEnd type="none"/>
+          </a:ln>
+          <a:effectLst/>
+        </p:spPr>
+        <p:txBody>
+          <a:bodyPr vert="horz" wrap="square" numCol="1" spcCol="215900" anchor="ctr"/>
+          <a:lstStyle/>
+          <a:p>
+            <a:pPr algn="ctr">
+              <a:defRPr sz="2600" b="1" cap="none">
+                <a:solidFill>
+                  <a:schemeClr val="bg1"/>
+                </a:solidFill>
+                <a:latin typeface="Arial" pitchFamily="2" charset="0"/>
+                <a:ea typeface="Arial" pitchFamily="2" charset="0"/>
+                <a:cs typeface="Arial" pitchFamily="2" charset="0"/>
+              </a:defRPr>
+            </a:pPr>
+            <a:endParaRPr/>
+          </a:p>
+        </p:txBody>
+      </p:sp>
+      <p:sp>
+        <p:nvSpPr>
+          <p:cNvPr id="5" name="Rectangle1">
+            <a:extLst>
+              <a:ext uri="{FF2B5EF4-FFF2-40B4-BE49-F238E27FC236}">
+                <a16:creationId xmlns:a16="http://schemas.microsoft.com/office/drawing/2014/main" id="{61A36B6E-D081-E4DF-1159-79D4EB8D6409}"/>
+              </a:ext>
+            </a:extLst>
+          </p:cNvPr>
+          <p:cNvSpPr>
+            <a:extLst>
+              <a:ext uri="smNativeData">
+                <pr:smNativeData xmlns="smNativeData" xmlns:pr="smNativeData" xmlns:p15="http://schemas.microsoft.com/office/powerpoint/2012/main" xmlns:p14="http://schemas.microsoft.com/office/powerpoint/2010/main" xmlns:mc="http://schemas.openxmlformats.org/markup-compatibility/2006" val="SMDATA_15_H0jYZxMAAAAlAAAAZAAAAA8BAAAAkAAAAEgAAACQAAAASAAAAAAAAAABAAAAAAAAAAEAAABQAAAAAAAAAAAA4D8AAAAAAADgPwAAAAAAAOA/AAAAAAAA4D8AAAAAAADgPwAAAAAAAOA/AAAAAAAA4D8AAAAAAADgPwAAAAAAAOA/AAAAAAAA4D8CAAAAjAAAAAEAAAAAAAAACB5AAP///wgAAAAAAAAAAAAAAAAAAAAAAAAAAAAAAAAAAAAAZAAAAAEAAABAAAAAAAAAAAAAAAAAAAAAAAAAAAAAAAAAAAAAAAAAAAAAAAAAAAAAAAAAAAAAAAAAAAAAAAAAAAAAAAAAAAAAAAAAAAAAAAAAAAAAAAAAAAAAAAAAAAAAFAAAADwAAAABAAAAAAAAAAUbQwAUAAAAAQAAABQAAAAUAAAAFAAAAAEAAAAAAAAAZAAAAGQAAAAAAAAAZAAAAGQAAAAVAAAAYAAAAAAAAAAAAAAADwAAACADAAAAAAAAAAAAAAEAAACgMgAAAAAAAAAAAAABAAAAf39/AAEAAABkAAAAAAAAABQAAABAHwAAAAAAACYAAAAAAAAAwOD//wAAAAAmAAAAZAAAABYAAABMAAAAAAAAAAAAAAAEAAAAAAAAAAEAAACAgIAKAAAAACgAAAAoAAAAZAAAAGQAAAAAAAAAzMzMAAAAAABQAAAAUAAAAGQAAABkAAAAAAAAABcAAAAUAAAAAAAAAAAAAAD/fwAA/38AAAAAAAAJAAAABAAAADAcAAAeAAAAaAAAAAAAAAAAAAAAAAAAAAAAAAAAAAAAECcAABAnAAAAAAAAAAAAAAAAAAAAAAAAAAAAAAAAAAAAAAAAAAAAABQAAAAAAAAAwMD/AAAAAABkAAAAMgAAAAAAAABkAAAAAAAAAH9/fwAKAAAAIgAAABgAAAAAAAAAAAAAAAAAAAAAAAAAAAAAAAAAAAAkAAAAJAAAAAAAAAAHAAAAAAAAAAAAAAAAAAAAAAAAAAAAAAAAAAAAf39/ACUAAABYAAAAAAAAAAAAAAAAAAAAAAAAAAAAAAAAAAAAAAAAAAAAAAAAAAAAAAAAAAAAAAA/AAAAAAAAAKCGAQAAAAAAAAAAAAAAAAAMAAAAAQAAAAAAAAAAAAAAAAAAAB8AAABUAAAACB5AAP///wEAAAAAAAAAAAAAAAAAAAAAAAAAAAAAAAAAAAAAAAAAAAUbQwB/f38AgICAA8zMzADAwP8Af39/AAAAAAAAAAAAAAAAAAAAAAAAAAAAIQAAABgAAAAUAAAA2wQAAPT///8YSwAAQAUAABAAAAAmAAAACAAAAP//////////"/>
+              </a:ext>
+            </a:extLst>
+          </p:cNvSpPr>
+          <p:nvPr/>
+        </p:nvSpPr>
+        <p:spPr>
+          <a:xfrm>
+            <a:off x="789305" y="-7620"/>
+            <a:ext cx="11417935" cy="861060"/>
+          </a:xfrm>
+          <a:prstGeom prst="rect">
+            <a:avLst/>
+          </a:prstGeom>
+          <a:solidFill>
+            <a:srgbClr val="081E40"/>
+          </a:solidFill>
+          <a:ln w="12700" cap="flat" cmpd="sng" algn="ctr">
+            <a:solidFill>
+              <a:srgbClr val="051B43"/>
+            </a:solidFill>
+            <a:prstDash val="solid"/>
+            <a:headEnd type="none"/>
+            <a:tailEnd type="none"/>
+          </a:ln>
+          <a:effectLst/>
+        </p:spPr>
+        <p:txBody>
+          <a:bodyPr vert="horz" wrap="square" lIns="91440" tIns="45720" rIns="91440" bIns="45720" numCol="1" spcCol="215900" anchor="ctr"/>
+          <a:lstStyle/>
+          <a:p>
+            <a:pPr algn="ctr">
+              <a:defRPr sz="2600" b="1" cap="none">
+                <a:solidFill>
+                  <a:schemeClr val="bg1"/>
+                </a:solidFill>
+                <a:latin typeface="Arial" pitchFamily="2" charset="0"/>
+                <a:ea typeface="Arial" pitchFamily="2" charset="0"/>
+                <a:cs typeface="Arial" pitchFamily="2" charset="0"/>
+              </a:defRPr>
+            </a:pPr>
+            <a:r>
+              <a:rPr lang="en-US" sz="2800" dirty="0">
+                <a:latin typeface="Arial"/>
+                <a:cs typeface="Arial"/>
+              </a:rPr>
+              <a:t>References</a:t>
+            </a:r>
+            <a:endParaRPr lang="en-US" dirty="0"/>
+          </a:p>
+        </p:txBody>
+      </p:sp>
+      <p:sp>
+        <p:nvSpPr>
+          <p:cNvPr id="19" name="Rectangle1">
+            <a:extLst>
+              <a:ext uri="{FF2B5EF4-FFF2-40B4-BE49-F238E27FC236}">
+                <a16:creationId xmlns:a16="http://schemas.microsoft.com/office/drawing/2014/main" id="{DD4E9793-60DA-F99A-BD55-7C5E4543FB18}"/>
+              </a:ext>
+            </a:extLst>
+          </p:cNvPr>
+          <p:cNvSpPr>
+            <a:extLst>
+              <a:ext uri="smNativeData">
+                <pr:smNativeData xmlns:mc="http://schemas.openxmlformats.org/markup-compatibility/2006" xmlns:p14="http://schemas.microsoft.com/office/powerpoint/2010/main" xmlns:p15="http://schemas.microsoft.com/office/powerpoint/2012/main" xmlns:pr="smNativeData" xmlns="smNativeData" val="SMDATA_15_H0jYZxMAAAAlAAAAZAAAAA8BAAAAkAAAAEgAAACQAAAASAAAAAAAAAABAAAAAAAAAAEAAABQAAAAAAAAAAAA4D8AAAAAAADgPwAAAAAAAOA/AAAAAAAA4D8AAAAAAADgPwAAAAAAAOA/AAAAAAAA4D8AAAAAAADgPwAAAAAAAOA/AAAAAAAA4D8CAAAAjAAAAAEAAAAAAAAACB5AAP///wgAAAAAAAAAAAAAAAAAAAAAAAAAAAAAAAAAAAAAZAAAAAEAAABAAAAAAAAAAAAAAAAAAAAAAAAAAAAAAAAAAAAAAAAAAAAAAAAAAAAAAAAAAAAAAAAAAAAAAAAAAAAAAAAAAAAAAAAAAAAAAAAAAAAAAAAAAAAAAAAAAAAAFAAAADwAAAABAAAAAAAAAAUbQwAUAAAAAQAAABQAAAAUAAAAFAAAAAEAAAAAAAAAZAAAAGQAAAAAAAAAZAAAAGQAAAAVAAAAYAAAAAAAAAAAAAAADwAAACADAAAAAAAAAAAAAAEAAACgMgAAAAAAAAAAAAABAAAAf39/AAEAAABkAAAAAAAAABQAAABAHwAAAAAAACYAAAAAAAAAwOD//wAAAAAmAAAAZAAAABYAAABMAAAAAAAAAAAAAAAEAAAAAAAAAAEAAACAgIAKAAAAACgAAAAoAAAAZAAAAGQAAAAAAAAAzMzMAAAAAABQAAAAUAAAAGQAAABkAAAAAAAAABcAAAAUAAAAAAAAAAAAAAD/fwAA/38AAAAAAAAJAAAABAAAADAcAAAeAAAAaAAAAAAAAAAAAAAAAAAAAAAAAAAAAAAAECcAABAnAAAAAAAAAAAAAAAAAAAAAAAAAAAAAAAAAAAAAAAAAAAAABQAAAAAAAAAwMD/AAAAAABkAAAAMgAAAAAAAABkAAAAAAAAAH9/fwAKAAAAIgAAABgAAAAAAAAAAAAAAAAAAAAAAAAAAAAAAAAAAAAkAAAAJAAAAAAAAAAHAAAAAAAAAAAAAAAAAAAAAAAAAAAAAAAAAAAAf39/ACUAAABYAAAAAAAAAAAAAAAAAAAAAAAAAAAAAAAAAAAAAAAAAAAAAAAAAAAAAAAAAAAAAAA/AAAAAAAAAKCGAQAAAAAAAAAAAAAAAAAMAAAAAQAAAAAAAAAAAAAAAAAAAB8AAABUAAAACB5AAP///wEAAAAAAAAAAAAAAAAAAAAAAAAAAAAAAAAAAAAAAAAAAAUbQwB/f38AgICAA8zMzADAwP8Af39/AAAAAAAAAAAAAAAAAAAAAAAAAAAAIQAAABgAAAAUAAAA2wQAAPT///8YSwAAQAUAABAAAAAmAAAACAAAAP//////////"/>
+              </a:ext>
+            </a:extLst>
+          </p:cNvSpPr>
+          <p:nvPr/>
+        </p:nvSpPr>
+        <p:spPr>
+          <a:xfrm>
+            <a:off x="-16172" y="6469380"/>
+            <a:ext cx="12223412" cy="403860"/>
+          </a:xfrm>
+          <a:prstGeom prst="rect">
+            <a:avLst/>
+          </a:prstGeom>
+          <a:solidFill>
+            <a:srgbClr val="081E40"/>
+          </a:solidFill>
+          <a:ln w="12700" cap="flat" cmpd="sng" algn="ctr">
+            <a:solidFill>
+              <a:srgbClr val="051B43"/>
+            </a:solidFill>
+            <a:prstDash val="solid"/>
+            <a:headEnd type="none"/>
+            <a:tailEnd type="none"/>
+          </a:ln>
+          <a:effectLst/>
+        </p:spPr>
+        <p:txBody>
+          <a:bodyPr vert="horz" wrap="square" lIns="91440" tIns="45720" rIns="91440" bIns="45720" numCol="1" spcCol="215900" anchor="ctr"/>
+          <a:lstStyle/>
+          <a:p>
+            <a:pPr algn="ctr">
+              <a:defRPr sz="2600" b="1" cap="none">
+                <a:solidFill>
+                  <a:schemeClr val="bg1"/>
+                </a:solidFill>
+                <a:latin typeface="Arial" pitchFamily="2" charset="0"/>
+                <a:ea typeface="Arial" pitchFamily="2" charset="0"/>
+                <a:cs typeface="Arial" pitchFamily="2" charset="0"/>
+              </a:defRPr>
+            </a:pPr>
+            <a:endParaRPr lang="en-US"/>
+          </a:p>
+        </p:txBody>
+      </p:sp>
+      <p:sp>
+        <p:nvSpPr>
+          <p:cNvPr id="8" name="TextBox 7">
+            <a:extLst>
+              <a:ext uri="{FF2B5EF4-FFF2-40B4-BE49-F238E27FC236}">
+                <a16:creationId xmlns:a16="http://schemas.microsoft.com/office/drawing/2014/main" id="{5A9C94BF-869E-A40C-72A4-3D9BE857BBCA}"/>
+              </a:ext>
+            </a:extLst>
+          </p:cNvPr>
+          <p:cNvSpPr txBox="1"/>
+          <p:nvPr/>
+        </p:nvSpPr>
+        <p:spPr>
+          <a:xfrm>
             <a:off x="0" y="853440"/>
             <a:ext cx="12192000" cy="5478423"/>
           </a:xfrm>
@@ -6269,7 +6402,7 @@
     </p:spTree>
     <p:extLst>
       <p:ext uri="{BB962C8B-B14F-4D97-AF65-F5344CB8AC3E}">
-        <p14:creationId xmlns:p14="http://schemas.microsoft.com/office/powerpoint/2010/main" val="2294214891"/>
+        <p14:creationId xmlns:p14="http://schemas.microsoft.com/office/powerpoint/2010/main" val="4218570215"/>
       </p:ext>
     </p:extLst>
   </p:cSld>

--- a/Final_Project/Ramirez_Randhal_Schr_eq.pptx
+++ b/Final_Project/Ramirez_Randhal_Schr_eq.pptx
@@ -7,18 +7,19 @@
   <p:sldIdLst>
     <p:sldId id="256" r:id="rId2"/>
     <p:sldId id="257" r:id="rId3"/>
-    <p:sldId id="258" r:id="rId4"/>
-    <p:sldId id="259" r:id="rId5"/>
-    <p:sldId id="261" r:id="rId6"/>
-    <p:sldId id="262" r:id="rId7"/>
-    <p:sldId id="263" r:id="rId8"/>
-    <p:sldId id="264" r:id="rId9"/>
-    <p:sldId id="265" r:id="rId10"/>
-    <p:sldId id="266" r:id="rId11"/>
-    <p:sldId id="267" r:id="rId12"/>
-    <p:sldId id="268" r:id="rId13"/>
-    <p:sldId id="269" r:id="rId14"/>
-    <p:sldId id="271" r:id="rId15"/>
+    <p:sldId id="272" r:id="rId4"/>
+    <p:sldId id="258" r:id="rId5"/>
+    <p:sldId id="259" r:id="rId6"/>
+    <p:sldId id="261" r:id="rId7"/>
+    <p:sldId id="262" r:id="rId8"/>
+    <p:sldId id="263" r:id="rId9"/>
+    <p:sldId id="264" r:id="rId10"/>
+    <p:sldId id="265" r:id="rId11"/>
+    <p:sldId id="266" r:id="rId12"/>
+    <p:sldId id="267" r:id="rId13"/>
+    <p:sldId id="268" r:id="rId14"/>
+    <p:sldId id="269" r:id="rId15"/>
+    <p:sldId id="271" r:id="rId16"/>
   </p:sldIdLst>
   <p:sldSz cx="12192000" cy="6858000"/>
   <p:notesSz cx="6858000" cy="12192000"/>
@@ -372,7 +373,7 @@
           <a:lstStyle/>
           <a:p>
             <a:fld id="{28C33845-0BC5-96CE-8B7B-FD9B76357DA8}" type="datetime1">
-              <a:t>5/7/25</a:t>
+              <a:t>7/5/2025</a:t>
             </a:fld>
             <a:endParaRPr/>
           </a:p>
@@ -668,7 +669,7 @@
           <a:lstStyle/>
           <a:p>
             <a:fld id="{0E631072-3CE3-36E6-ADDB-CAB35E955B9F}" type="datetime1">
-              <a:t>5/7/25</a:t>
+              <a:t>7/5/2025</a:t>
             </a:fld>
             <a:endParaRPr/>
           </a:p>
@@ -1108,7 +1109,7 @@
           <a:lstStyle/>
           <a:p>
             <a:fld id="{2F66BC2A-64C2-334A-8CDE-921FF2907AC7}" type="datetime1">
-              <a:t>5/7/25</a:t>
+              <a:t>7/5/2025</a:t>
             </a:fld>
             <a:endParaRPr/>
           </a:p>
@@ -1238,7 +1239,7 @@
           <a:lstStyle/>
           <a:p>
             <a:fld id="{05534B50-1EE8-06BD-A6EB-E8E805A550BD}" type="datetime1">
-              <a:t>5/7/25</a:t>
+              <a:t>7/5/2025</a:t>
             </a:fld>
             <a:endParaRPr/>
           </a:p>
@@ -1342,7 +1343,7 @@
           <a:lstStyle/>
           <a:p>
             <a:fld id="{780CCD58-1695-593B-DBB4-E06E83FA2DB5}" type="datetime1">
-              <a:t>5/7/25</a:t>
+              <a:t>7/5/2025</a:t>
             </a:fld>
             <a:endParaRPr/>
           </a:p>
@@ -1636,7 +1637,7 @@
           <a:lstStyle/>
           <a:p>
             <a:fld id="{22F0D366-28CF-A525-8148-DE709D06778B}" type="datetime1">
-              <a:t>5/7/25</a:t>
+              <a:t>7/5/2025</a:t>
             </a:fld>
             <a:endParaRPr/>
           </a:p>
@@ -1915,7 +1916,7 @@
           <a:lstStyle/>
           <a:p>
             <a:fld id="{6AEEF76A-2487-BB01-C956-D254B9183F87}" type="datetime1">
-              <a:t>5/7/25</a:t>
+              <a:t>7/5/2025</a:t>
             </a:fld>
             <a:endParaRPr/>
           </a:p>
@@ -2099,7 +2100,7 @@
           <a:lstStyle/>
           <a:p>
             <a:fld id="{682268AF-E185-779E-CB9A-17CB26D43D42}" type="datetime1">
-              <a:t>5/7/25</a:t>
+              <a:t>7/5/2025</a:t>
             </a:fld>
             <a:endParaRPr/>
           </a:p>
@@ -2297,7 +2298,7 @@
           <a:lstStyle/>
           <a:p>
             <a:fld id="{4C4D5891-DFA1-18AE-EFF5-29FB16BB197C}" type="datetime1">
-              <a:t>5/7/25</a:t>
+              <a:t>7/5/2025</a:t>
             </a:fld>
             <a:endParaRPr/>
           </a:p>
@@ -2540,7 +2541,7 @@
           </a:lstStyle>
           <a:p>
             <a:fld id="{0E55D3A8-E6E3-0025-ADED-10709DA35B45}" type="datetime1">
-              <a:t>5/7/25</a:t>
+              <a:t>7/5/2025</a:t>
             </a:fld>
             <a:endParaRPr/>
           </a:p>
@@ -3534,7 +3535,7 @@
         <p:cNvPr id="1" name="">
           <a:extLst>
             <a:ext uri="{FF2B5EF4-FFF2-40B4-BE49-F238E27FC236}">
-              <a16:creationId xmlns:a16="http://schemas.microsoft.com/office/drawing/2014/main" id="{AC16D988-0113-8A86-6A1B-46A507CF1CEA}"/>
+              <a16:creationId xmlns:a16="http://schemas.microsoft.com/office/drawing/2014/main" id="{491DD16E-A260-4575-4376-E0C5D876FFD8}"/>
             </a:ext>
           </a:extLst>
         </p:cNvPr>
@@ -3554,14 +3555,14 @@
           <p:cNvPr id="4" name="Rectangle2">
             <a:extLst>
               <a:ext uri="{FF2B5EF4-FFF2-40B4-BE49-F238E27FC236}">
-                <a16:creationId xmlns:a16="http://schemas.microsoft.com/office/drawing/2014/main" id="{18DFF89B-EEE9-716F-A417-B847C1866BC7}"/>
+                <a16:creationId xmlns:a16="http://schemas.microsoft.com/office/drawing/2014/main" id="{263FBB4F-9C8A-BA42-3E6D-D8CB51952839}"/>
               </a:ext>
             </a:extLst>
           </p:cNvPr>
           <p:cNvSpPr>
             <a:extLst>
               <a:ext uri="smNativeData">
-                <pr:smNativeData xmlns="smNativeData" xmlns:pr="smNativeData" xmlns:p15="http://schemas.microsoft.com/office/powerpoint/2012/main" xmlns:p14="http://schemas.microsoft.com/office/powerpoint/2010/main" xmlns:mc="http://schemas.openxmlformats.org/markup-compatibility/2006" val="SMDATA_15_H0jYZxMAAAAlAAAAZAAAAA8BAAAAkAAAAEgAAACQAAAASAAAAAAAAAABAAAAAAAAAAEAAABQAAAAAAAAAAAA4D8AAAAAAADgPwAAAAAAAOA/AAAAAAAA4D8AAAAAAADgPwAAAAAAAOA/AAAAAAAA4D8AAAAAAADgPwAAAAAAAOA/AAAAAAAA4D8CAAAAjAAAAAEAAAAAAAAA9IEfAP///wgAAAAAAAAAAAAAAAAAAAAAAAAAAAAAAAAAAAAAZAAAAAEAAABAAAAAAAAAAAAAAAAAAAAAAAAAAAAAAAAAAAAAAAAAAAAAAAAAAAAAAAAAAAAAAAAAAAAAAAAAAAAAAAAAAAAAAAAAAAAAAAAAAAAAAAAAAAAAAAAAAAAAFAAAADwAAAABAAAAAAAAAPSBHwAUAAAAAQAAABQAAAAUAAAAFAAAAAEAAAAAAAAAZAAAAGQAAAAAAAAAZAAAAGQAAAAVAAAAYAAAAAAAAAAAAAAADwAAACADAAAAAAAAAAAAAAEAAACgMgAAAAAAAAAAAAABAAAAf39/AAEAAABkAAAAAAAAABQAAABAHwAAAAAAACYAAAAAAAAAwOD//wAAAAAmAAAAZAAAABYAAABMAAAAAAAAAAAAAAAEAAAAAAAAAAEAAACAgIAKAAAAACgAAAAoAAAAZAAAAGQAAAAAAAAAzMzMAAAAAABQAAAAUAAAAGQAAABkAAAAAAAAABcAAAAUAAAAAAAAAAAAAAD/fwAA/38AAAAAAAAJAAAABAAAACUAAAAeAAAAaAAAAAAAAAAAAAAAAAAAAAAAAAAAAAAAECcAABAnAAAAAAAAAAAAAAAAAAAAAAAAAAAAAAAAAAAAAAAAAAAAABQAAAAAAAAAwMD/AAAAAABkAAAAMgAAAAAAAABkAAAAAAAAAH9/fwAKAAAAIgAAABgAAAAAAAAAAAAAAAAAAAAAAAAAAAAAAAAAAAAkAAAAJAAAAAAAAAAHAAAAAAAAAAAAAAAAAAAAAAAAAAAAAAAAAAAAf39/ACUAAABYAAAAAAAAAAAAAAAAAAAAAAAAAAAAAAAAAAAAAAAAAAAAAAAAAAAAAAAAAAAAAAA/AAAAAAAAAKCGAQAAAAAAAAAAAAAAAAAMAAAAAQAAAAAAAAAAAAAAAAAAAB8AAABUAAAA9IEfAP///wEAAAAAAAAAAAAAAAAAAAAAAAAAAAAAAAAAAAAAAAAAAPSBHwB/f38AgICAA8zMzADAwP8Af39/AAAAAAAAAAAAAAAAAAAAAAAAAAAAIQAAABgAAAAUAAAA9P////T///+DBwAAQAUAABAAAAAmAAAACAAAAP//////////"/>
+                <pr:smNativeData xmlns:mc="http://schemas.openxmlformats.org/markup-compatibility/2006" xmlns:p14="http://schemas.microsoft.com/office/powerpoint/2010/main" xmlns:p15="http://schemas.microsoft.com/office/powerpoint/2012/main" xmlns:pr="smNativeData" xmlns="smNativeData" val="SMDATA_15_H0jYZxMAAAAlAAAAZAAAAA8BAAAAkAAAAEgAAACQAAAASAAAAAAAAAABAAAAAAAAAAEAAABQAAAAAAAAAAAA4D8AAAAAAADgPwAAAAAAAOA/AAAAAAAA4D8AAAAAAADgPwAAAAAAAOA/AAAAAAAA4D8AAAAAAADgPwAAAAAAAOA/AAAAAAAA4D8CAAAAjAAAAAEAAAAAAAAA9IEfAP///wgAAAAAAAAAAAAAAAAAAAAAAAAAAAAAAAAAAAAAZAAAAAEAAABAAAAAAAAAAAAAAAAAAAAAAAAAAAAAAAAAAAAAAAAAAAAAAAAAAAAAAAAAAAAAAAAAAAAAAAAAAAAAAAAAAAAAAAAAAAAAAAAAAAAAAAAAAAAAAAAAAAAAFAAAADwAAAABAAAAAAAAAPSBHwAUAAAAAQAAABQAAAAUAAAAFAAAAAEAAAAAAAAAZAAAAGQAAAAAAAAAZAAAAGQAAAAVAAAAYAAAAAAAAAAAAAAADwAAACADAAAAAAAAAAAAAAEAAACgMgAAAAAAAAAAAAABAAAAf39/AAEAAABkAAAAAAAAABQAAABAHwAAAAAAACYAAAAAAAAAwOD//wAAAAAmAAAAZAAAABYAAABMAAAAAAAAAAAAAAAEAAAAAAAAAAEAAACAgIAKAAAAACgAAAAoAAAAZAAAAGQAAAAAAAAAzMzMAAAAAABQAAAAUAAAAGQAAABkAAAAAAAAABcAAAAUAAAAAAAAAAAAAAD/fwAA/38AAAAAAAAJAAAABAAAACUAAAAeAAAAaAAAAAAAAAAAAAAAAAAAAAAAAAAAAAAAECcAABAnAAAAAAAAAAAAAAAAAAAAAAAAAAAAAAAAAAAAAAAAAAAAABQAAAAAAAAAwMD/AAAAAABkAAAAMgAAAAAAAABkAAAAAAAAAH9/fwAKAAAAIgAAABgAAAAAAAAAAAAAAAAAAAAAAAAAAAAAAAAAAAAkAAAAJAAAAAAAAAAHAAAAAAAAAAAAAAAAAAAAAAAAAAAAAAAAAAAAf39/ACUAAABYAAAAAAAAAAAAAAAAAAAAAAAAAAAAAAAAAAAAAAAAAAAAAAAAAAAAAAAAAAAAAAA/AAAAAAAAAKCGAQAAAAAAAAAAAAAAAAAMAAAAAQAAAAAAAAAAAAAAAAAAAB8AAABUAAAA9IEfAP///wEAAAAAAAAAAAAAAAAAAAAAAAAAAAAAAAAAAAAAAAAAAPSBHwB/f38AgICAA8zMzADAwP8Af39/AAAAAAAAAAAAAAAAAAAAAAAAAAAAIQAAABgAAAAUAAAA9P////T///+DBwAAQAUAABAAAAAmAAAACAAAAP//////////"/>
               </a:ext>
             </a:extLst>
           </p:cNvSpPr>
@@ -3611,14 +3612,14 @@
           <p:cNvPr id="5" name="Rectangle1">
             <a:extLst>
               <a:ext uri="{FF2B5EF4-FFF2-40B4-BE49-F238E27FC236}">
-                <a16:creationId xmlns:a16="http://schemas.microsoft.com/office/drawing/2014/main" id="{22085602-062F-5C89-7056-DC7C8CD38E22}"/>
+                <a16:creationId xmlns:a16="http://schemas.microsoft.com/office/drawing/2014/main" id="{F35595F9-B6FF-47F6-D059-CCB33B4E5534}"/>
               </a:ext>
             </a:extLst>
           </p:cNvPr>
           <p:cNvSpPr>
             <a:extLst>
               <a:ext uri="smNativeData">
-                <pr:smNativeData xmlns="smNativeData" xmlns:pr="smNativeData" xmlns:p15="http://schemas.microsoft.com/office/powerpoint/2012/main" xmlns:p14="http://schemas.microsoft.com/office/powerpoint/2010/main" xmlns:mc="http://schemas.openxmlformats.org/markup-compatibility/2006" val="SMDATA_15_H0jYZxMAAAAlAAAAZAAAAA8BAAAAkAAAAEgAAACQAAAASAAAAAAAAAABAAAAAAAAAAEAAABQAAAAAAAAAAAA4D8AAAAAAADgPwAAAAAAAOA/AAAAAAAA4D8AAAAAAADgPwAAAAAAAOA/AAAAAAAA4D8AAAAAAADgPwAAAAAAAOA/AAAAAAAA4D8CAAAAjAAAAAEAAAAAAAAACB5AAP///wgAAAAAAAAAAAAAAAAAAAAAAAAAAAAAAAAAAAAAZAAAAAEAAABAAAAAAAAAAAAAAAAAAAAAAAAAAAAAAAAAAAAAAAAAAAAAAAAAAAAAAAAAAAAAAAAAAAAAAAAAAAAAAAAAAAAAAAAAAAAAAAAAAAAAAAAAAAAAAAAAAAAAFAAAADwAAAABAAAAAAAAAAUbQwAUAAAAAQAAABQAAAAUAAAAFAAAAAEAAAAAAAAAZAAAAGQAAAAAAAAAZAAAAGQAAAAVAAAAYAAAAAAAAAAAAAAADwAAACADAAAAAAAAAAAAAAEAAACgMgAAAAAAAAAAAAABAAAAf39/AAEAAABkAAAAAAAAABQAAABAHwAAAAAAACYAAAAAAAAAwOD//wAAAAAmAAAAZAAAABYAAABMAAAAAAAAAAAAAAAEAAAAAAAAAAEAAACAgIAKAAAAACgAAAAoAAAAZAAAAGQAAAAAAAAAzMzMAAAAAABQAAAAUAAAAGQAAABkAAAAAAAAABcAAAAUAAAAAAAAAAAAAAD/fwAA/38AAAAAAAAJAAAABAAAADAcAAAeAAAAaAAAAAAAAAAAAAAAAAAAAAAAAAAAAAAAECcAABAnAAAAAAAAAAAAAAAAAAAAAAAAAAAAAAAAAAAAAAAAAAAAABQAAAAAAAAAwMD/AAAAAABkAAAAMgAAAAAAAABkAAAAAAAAAH9/fwAKAAAAIgAAABgAAAAAAAAAAAAAAAAAAAAAAAAAAAAAAAAAAAAkAAAAJAAAAAAAAAAHAAAAAAAAAAAAAAAAAAAAAAAAAAAAAAAAAAAAf39/ACUAAABYAAAAAAAAAAAAAAAAAAAAAAAAAAAAAAAAAAAAAAAAAAAAAAAAAAAAAAAAAAAAAAA/AAAAAAAAAKCGAQAAAAAAAAAAAAAAAAAMAAAAAQAAAAAAAAAAAAAAAAAAAB8AAABUAAAACB5AAP///wEAAAAAAAAAAAAAAAAAAAAAAAAAAAAAAAAAAAAAAAAAAAUbQwB/f38AgICAA8zMzADAwP8Af39/AAAAAAAAAAAAAAAAAAAAAAAAAAAAIQAAABgAAAAUAAAA2wQAAPT///8YSwAAQAUAABAAAAAmAAAACAAAAP//////////"/>
+                <pr:smNativeData xmlns:mc="http://schemas.openxmlformats.org/markup-compatibility/2006" xmlns:p14="http://schemas.microsoft.com/office/powerpoint/2010/main" xmlns:p15="http://schemas.microsoft.com/office/powerpoint/2012/main" xmlns:pr="smNativeData" xmlns="smNativeData" val="SMDATA_15_H0jYZxMAAAAlAAAAZAAAAA8BAAAAkAAAAEgAAACQAAAASAAAAAAAAAABAAAAAAAAAAEAAABQAAAAAAAAAAAA4D8AAAAAAADgPwAAAAAAAOA/AAAAAAAA4D8AAAAAAADgPwAAAAAAAOA/AAAAAAAA4D8AAAAAAADgPwAAAAAAAOA/AAAAAAAA4D8CAAAAjAAAAAEAAAAAAAAACB5AAP///wgAAAAAAAAAAAAAAAAAAAAAAAAAAAAAAAAAAAAAZAAAAAEAAABAAAAAAAAAAAAAAAAAAAAAAAAAAAAAAAAAAAAAAAAAAAAAAAAAAAAAAAAAAAAAAAAAAAAAAAAAAAAAAAAAAAAAAAAAAAAAAAAAAAAAAAAAAAAAAAAAAAAAFAAAADwAAAABAAAAAAAAAAUbQwAUAAAAAQAAABQAAAAUAAAAFAAAAAEAAAAAAAAAZAAAAGQAAAAAAAAAZAAAAGQAAAAVAAAAYAAAAAAAAAAAAAAADwAAACADAAAAAAAAAAAAAAEAAACgMgAAAAAAAAAAAAABAAAAf39/AAEAAABkAAAAAAAAABQAAABAHwAAAAAAACYAAAAAAAAAwOD//wAAAAAmAAAAZAAAABYAAABMAAAAAAAAAAAAAAAEAAAAAAAAAAEAAACAgIAKAAAAACgAAAAoAAAAZAAAAGQAAAAAAAAAzMzMAAAAAABQAAAAUAAAAGQAAABkAAAAAAAAABcAAAAUAAAAAAAAAAAAAAD/fwAA/38AAAAAAAAJAAAABAAAADAcAAAeAAAAaAAAAAAAAAAAAAAAAAAAAAAAAAAAAAAAECcAABAnAAAAAAAAAAAAAAAAAAAAAAAAAAAAAAAAAAAAAAAAAAAAABQAAAAAAAAAwMD/AAAAAABkAAAAMgAAAAAAAABkAAAAAAAAAH9/fwAKAAAAIgAAABgAAAAAAAAAAAAAAAAAAAAAAAAAAAAAAAAAAAAkAAAAJAAAAAAAAAAHAAAAAAAAAAAAAAAAAAAAAAAAAAAAAAAAAAAAf39/ACUAAABYAAAAAAAAAAAAAAAAAAAAAAAAAAAAAAAAAAAAAAAAAAAAAAAAAAAAAAAAAAAAAAA/AAAAAAAAAKCGAQAAAAAAAAAAAAAAAAAMAAAAAQAAAAAAAAAAAAAAAAAAAB8AAABUAAAACB5AAP///wEAAAAAAAAAAAAAAAAAAAAAAAAAAAAAAAAAAAAAAAAAAAUbQwB/f38AgICAA8zMzADAwP8Af39/AAAAAAAAAAAAAAAAAAAAAAAAAAAAIQAAABgAAAAUAAAA2wQAAPT///8YSwAAQAUAABAAAAAmAAAACAAAAP//////////"/>
               </a:ext>
             </a:extLst>
           </p:cNvSpPr>
@@ -3675,14 +3676,14 @@
           <p:cNvPr id="19" name="Rectangle1">
             <a:extLst>
               <a:ext uri="{FF2B5EF4-FFF2-40B4-BE49-F238E27FC236}">
-                <a16:creationId xmlns:a16="http://schemas.microsoft.com/office/drawing/2014/main" id="{76E84E31-666A-B91F-6DA7-5530A04E14BD}"/>
+                <a16:creationId xmlns:a16="http://schemas.microsoft.com/office/drawing/2014/main" id="{406650FD-8113-996E-1976-82EEBD2A48B8}"/>
               </a:ext>
             </a:extLst>
           </p:cNvPr>
           <p:cNvSpPr>
             <a:extLst>
               <a:ext uri="smNativeData">
-                <pr:smNativeData xmlns:mc="http://schemas.openxmlformats.org/markup-compatibility/2006" xmlns:p14="http://schemas.microsoft.com/office/powerpoint/2010/main" xmlns:p15="http://schemas.microsoft.com/office/powerpoint/2012/main" xmlns:pr="smNativeData" xmlns="smNativeData" val="SMDATA_15_H0jYZxMAAAAlAAAAZAAAAA8BAAAAkAAAAEgAAACQAAAASAAAAAAAAAABAAAAAAAAAAEAAABQAAAAAAAAAAAA4D8AAAAAAADgPwAAAAAAAOA/AAAAAAAA4D8AAAAAAADgPwAAAAAAAOA/AAAAAAAA4D8AAAAAAADgPwAAAAAAAOA/AAAAAAAA4D8CAAAAjAAAAAEAAAAAAAAACB5AAP///wgAAAAAAAAAAAAAAAAAAAAAAAAAAAAAAAAAAAAAZAAAAAEAAABAAAAAAAAAAAAAAAAAAAAAAAAAAAAAAAAAAAAAAAAAAAAAAAAAAAAAAAAAAAAAAAAAAAAAAAAAAAAAAAAAAAAAAAAAAAAAAAAAAAAAAAAAAAAAAAAAAAAAFAAAADwAAAABAAAAAAAAAAUbQwAUAAAAAQAAABQAAAAUAAAAFAAAAAEAAAAAAAAAZAAAAGQAAAAAAAAAZAAAAGQAAAAVAAAAYAAAAAAAAAAAAAAADwAAACADAAAAAAAAAAAAAAEAAACgMgAAAAAAAAAAAAABAAAAf39/AAEAAABkAAAAAAAAABQAAABAHwAAAAAAACYAAAAAAAAAwOD//wAAAAAmAAAAZAAAABYAAABMAAAAAAAAAAAAAAAEAAAAAAAAAAEAAACAgIAKAAAAACgAAAAoAAAAZAAAAGQAAAAAAAAAzMzMAAAAAABQAAAAUAAAAGQAAABkAAAAAAAAABcAAAAUAAAAAAAAAAAAAAD/fwAA/38AAAAAAAAJAAAABAAAADAcAAAeAAAAaAAAAAAAAAAAAAAAAAAAAAAAAAAAAAAAECcAABAnAAAAAAAAAAAAAAAAAAAAAAAAAAAAAAAAAAAAAAAAAAAAABQAAAAAAAAAwMD/AAAAAABkAAAAMgAAAAAAAABkAAAAAAAAAH9/fwAKAAAAIgAAABgAAAAAAAAAAAAAAAAAAAAAAAAAAAAAAAAAAAAkAAAAJAAAAAAAAAAHAAAAAAAAAAAAAAAAAAAAAAAAAAAAAAAAAAAAf39/ACUAAABYAAAAAAAAAAAAAAAAAAAAAAAAAAAAAAAAAAAAAAAAAAAAAAAAAAAAAAAAAAAAAAA/AAAAAAAAAKCGAQAAAAAAAAAAAAAAAAAMAAAAAQAAAAAAAAAAAAAAAAAAAB8AAABUAAAACB5AAP///wEAAAAAAAAAAAAAAAAAAAAAAAAAAAAAAAAAAAAAAAAAAAUbQwB/f38AgICAA8zMzADAwP8Af39/AAAAAAAAAAAAAAAAAAAAAAAAAAAAIQAAABgAAAAUAAAA2wQAAPT///8YSwAAQAUAABAAAAAmAAAACAAAAP//////////"/>
+                <pr:smNativeData xmlns="smNativeData" xmlns:pr="smNativeData" xmlns:p15="http://schemas.microsoft.com/office/powerpoint/2012/main" xmlns:p14="http://schemas.microsoft.com/office/powerpoint/2010/main" xmlns:mc="http://schemas.openxmlformats.org/markup-compatibility/2006" val="SMDATA_15_H0jYZxMAAAAlAAAAZAAAAA8BAAAAkAAAAEgAAACQAAAASAAAAAAAAAABAAAAAAAAAAEAAABQAAAAAAAAAAAA4D8AAAAAAADgPwAAAAAAAOA/AAAAAAAA4D8AAAAAAADgPwAAAAAAAOA/AAAAAAAA4D8AAAAAAADgPwAAAAAAAOA/AAAAAAAA4D8CAAAAjAAAAAEAAAAAAAAACB5AAP///wgAAAAAAAAAAAAAAAAAAAAAAAAAAAAAAAAAAAAAZAAAAAEAAABAAAAAAAAAAAAAAAAAAAAAAAAAAAAAAAAAAAAAAAAAAAAAAAAAAAAAAAAAAAAAAAAAAAAAAAAAAAAAAAAAAAAAAAAAAAAAAAAAAAAAAAAAAAAAAAAAAAAAFAAAADwAAAABAAAAAAAAAAUbQwAUAAAAAQAAABQAAAAUAAAAFAAAAAEAAAAAAAAAZAAAAGQAAAAAAAAAZAAAAGQAAAAVAAAAYAAAAAAAAAAAAAAADwAAACADAAAAAAAAAAAAAAEAAACgMgAAAAAAAAAAAAABAAAAf39/AAEAAABkAAAAAAAAABQAAABAHwAAAAAAACYAAAAAAAAAwOD//wAAAAAmAAAAZAAAABYAAABMAAAAAAAAAAAAAAAEAAAAAAAAAAEAAACAgIAKAAAAACgAAAAoAAAAZAAAAGQAAAAAAAAAzMzMAAAAAABQAAAAUAAAAGQAAABkAAAAAAAAABcAAAAUAAAAAAAAAAAAAAD/fwAA/38AAAAAAAAJAAAABAAAADAcAAAeAAAAaAAAAAAAAAAAAAAAAAAAAAAAAAAAAAAAECcAABAnAAAAAAAAAAAAAAAAAAAAAAAAAAAAAAAAAAAAAAAAAAAAABQAAAAAAAAAwMD/AAAAAABkAAAAMgAAAAAAAABkAAAAAAAAAH9/fwAKAAAAIgAAABgAAAAAAAAAAAAAAAAAAAAAAAAAAAAAAAAAAAAkAAAAJAAAAAAAAAAHAAAAAAAAAAAAAAAAAAAAAAAAAAAAAAAAAAAAf39/ACUAAABYAAAAAAAAAAAAAAAAAAAAAAAAAAAAAAAAAAAAAAAAAAAAAAAAAAAAAAAAAAAAAAA/AAAAAAAAAKCGAQAAAAAAAAAAAAAAAAAMAAAAAQAAAAAAAAAAAAAAAAAAAB8AAABUAAAACB5AAP///wEAAAAAAAAAAAAAAAAAAAAAAAAAAAAAAAAAAAAAAAAAAAUbQwB/f38AgICAA8zMzADAwP8Af39/AAAAAAAAAAAAAAAAAAAAAAAAAAAAIQAAABgAAAAUAAAA2wQAAPT///8YSwAAQAUAABAAAAAmAAAACAAAAP//////////"/>
               </a:ext>
             </a:extLst>
           </p:cNvSpPr>
@@ -3732,7 +3733,7 @@
           <p:cNvPr id="18" name="TextBox 17">
             <a:extLst>
               <a:ext uri="{FF2B5EF4-FFF2-40B4-BE49-F238E27FC236}">
-                <a16:creationId xmlns:a16="http://schemas.microsoft.com/office/drawing/2014/main" id="{44EA26F6-1BA7-79CE-27C5-2DD7BDFE7289}"/>
+                <a16:creationId xmlns:a16="http://schemas.microsoft.com/office/drawing/2014/main" id="{52021D32-A37E-036E-BE38-6899A75E601A}"/>
               </a:ext>
             </a:extLst>
           </p:cNvPr>
@@ -3771,7 +3772,7 @@
           <p:cNvPr id="8" name="TextBox 7">
             <a:extLst>
               <a:ext uri="{FF2B5EF4-FFF2-40B4-BE49-F238E27FC236}">
-                <a16:creationId xmlns:a16="http://schemas.microsoft.com/office/drawing/2014/main" id="{987DC727-FD50-9E5D-2434-948316BB9DB0}"/>
+                <a16:creationId xmlns:a16="http://schemas.microsoft.com/office/drawing/2014/main" id="{403FFBC1-6F0C-6D83-2B4B-0C6260147D4B}"/>
               </a:ext>
             </a:extLst>
           </p:cNvPr>
@@ -3781,7 +3782,7 @@
         <p:spPr>
           <a:xfrm>
             <a:off x="117375" y="1517805"/>
-            <a:ext cx="7646067" cy="369332"/>
+            <a:ext cx="6795450" cy="369332"/>
           </a:xfrm>
           <a:prstGeom prst="rect">
             <a:avLst/>
@@ -3799,14 +3800,14 @@
                 <a:latin typeface="Arial" panose="020B0604020202020204" pitchFamily="34" charset="0"/>
                 <a:cs typeface="Arial" panose="020B0604020202020204" pitchFamily="34" charset="0"/>
               </a:rPr>
-              <a:t>Case 2: Most energetic case </a:t>
+              <a:t>Case 1: Fundamental case </a:t>
             </a:r>
             <a:r>
               <a:rPr lang="en-US" i="1" dirty="0">
                 <a:latin typeface="Arial" panose="020B0604020202020204" pitchFamily="34" charset="0"/>
                 <a:cs typeface="Arial" panose="020B0604020202020204" pitchFamily="34" charset="0"/>
               </a:rPr>
-              <a:t>n=3 (30000 epochs. And 5 min 52s training)</a:t>
+              <a:t>n=1 (Conditions as described before.)</a:t>
             </a:r>
           </a:p>
         </p:txBody>
@@ -3816,7 +3817,7 @@
           <p:cNvPr id="9" name="Picture 8">
             <a:extLst>
               <a:ext uri="{FF2B5EF4-FFF2-40B4-BE49-F238E27FC236}">
-                <a16:creationId xmlns:a16="http://schemas.microsoft.com/office/drawing/2014/main" id="{0E422017-094A-E1E0-51DE-137BE52890F4}"/>
+                <a16:creationId xmlns:a16="http://schemas.microsoft.com/office/drawing/2014/main" id="{04666291-78FF-3D3B-7021-D0FCB4E591F3}"/>
               </a:ext>
             </a:extLst>
           </p:cNvPr>
@@ -3826,34 +3827,29 @@
           <p:nvPr/>
         </p:nvPicPr>
         <p:blipFill>
-          <a:blip r:embed="rId2">
-            <a:extLst>
-              <a:ext uri="{28A0092B-C50C-407E-A947-70E740481C1C}">
-                <a14:useLocalDpi xmlns:a14="http://schemas.microsoft.com/office/drawing/2010/main" val="0"/>
-              </a:ext>
-            </a:extLst>
-          </a:blip>
-          <a:srcRect/>
-          <a:stretch/>
+          <a:blip r:embed="rId2"/>
+          <a:stretch>
+            <a:fillRect/>
+          </a:stretch>
         </p:blipFill>
         <p:spPr>
           <a:xfrm>
             <a:off x="46426" y="2551502"/>
-            <a:ext cx="12098215" cy="3837484"/>
+            <a:ext cx="12098215" cy="3837485"/>
           </a:xfrm>
           <a:prstGeom prst="rect">
             <a:avLst/>
           </a:prstGeom>
         </p:spPr>
       </p:pic>
-      <mc:AlternateContent xmlns:mc="http://schemas.openxmlformats.org/markup-compatibility/2006">
-        <mc:Choice xmlns:a14="http://schemas.microsoft.com/office/drawing/2010/main" Requires="a14">
+      <mc:AlternateContent xmlns:mc="http://schemas.openxmlformats.org/markup-compatibility/2006" xmlns:a14="http://schemas.microsoft.com/office/drawing/2010/main">
+        <mc:Choice Requires="a14">
           <p:sp>
             <p:nvSpPr>
               <p:cNvPr id="10" name="TextBox 9">
                 <a:extLst>
                   <a:ext uri="{FF2B5EF4-FFF2-40B4-BE49-F238E27FC236}">
-                    <a16:creationId xmlns:a16="http://schemas.microsoft.com/office/drawing/2014/main" id="{E2B35C46-B293-F1A3-DC16-D5A8E55CBEB3}"/>
+                    <a16:creationId xmlns:a16="http://schemas.microsoft.com/office/drawing/2014/main" id="{A28D2678-0C5D-5BFE-854B-7EA7BBF3F1DF}"/>
                   </a:ext>
                 </a:extLst>
               </p:cNvPr>
@@ -3862,7 +3858,7 @@
             </p:nvSpPr>
             <p:spPr>
               <a:xfrm>
-                <a:off x="8354973" y="933834"/>
+                <a:off x="7466950" y="997427"/>
                 <a:ext cx="3765454" cy="1649362"/>
               </a:xfrm>
               <a:prstGeom prst="rect">
@@ -4213,7 +4209,752 @@
             </p:txBody>
           </p:sp>
         </mc:Choice>
-        <mc:Fallback>
+        <mc:Fallback xmlns="">
+          <p:sp>
+            <p:nvSpPr>
+              <p:cNvPr id="10" name="TextBox 9">
+                <a:extLst>
+                  <a:ext uri="{FF2B5EF4-FFF2-40B4-BE49-F238E27FC236}">
+                    <a16:creationId xmlns:a16="http://schemas.microsoft.com/office/drawing/2014/main" id="{A28D2678-0C5D-5BFE-854B-7EA7BBF3F1DF}"/>
+                  </a:ext>
+                </a:extLst>
+              </p:cNvPr>
+              <p:cNvSpPr txBox="1">
+                <a:spLocks noRot="1" noChangeAspect="1" noMove="1" noResize="1" noEditPoints="1" noAdjustHandles="1" noChangeArrowheads="1" noChangeShapeType="1" noTextEdit="1"/>
+              </p:cNvSpPr>
+              <p:nvPr/>
+            </p:nvSpPr>
+            <p:spPr>
+              <a:xfrm>
+                <a:off x="7466950" y="997427"/>
+                <a:ext cx="3765454" cy="1649362"/>
+              </a:xfrm>
+              <a:prstGeom prst="rect">
+                <a:avLst/>
+              </a:prstGeom>
+              <a:blipFill>
+                <a:blip r:embed="rId3"/>
+                <a:stretch>
+                  <a:fillRect l="-4040" t="-4580"/>
+                </a:stretch>
+              </a:blipFill>
+            </p:spPr>
+            <p:txBody>
+              <a:bodyPr/>
+              <a:lstStyle/>
+              <a:p>
+                <a:r>
+                  <a:rPr lang="en-US">
+                    <a:noFill/>
+                  </a:rPr>
+                  <a:t> </a:t>
+                </a:r>
+              </a:p>
+            </p:txBody>
+          </p:sp>
+        </mc:Fallback>
+      </mc:AlternateContent>
+    </p:spTree>
+    <p:extLst>
+      <p:ext uri="{BB962C8B-B14F-4D97-AF65-F5344CB8AC3E}">
+        <p14:creationId xmlns:p14="http://schemas.microsoft.com/office/powerpoint/2010/main" val="3931280440"/>
+      </p:ext>
+    </p:extLst>
+  </p:cSld>
+  <p:clrMapOvr>
+    <a:masterClrMapping/>
+  </p:clrMapOvr>
+</p:sld>
+</file>
+
+<file path=ppt/slides/slide11.xml><?xml version="1.0" encoding="utf-8"?>
+<p:sld xmlns:a="http://schemas.openxmlformats.org/drawingml/2006/main" xmlns:r="http://schemas.openxmlformats.org/officeDocument/2006/relationships" xmlns:p="http://schemas.openxmlformats.org/presentationml/2006/main">
+  <p:cSld>
+    <p:spTree>
+      <p:nvGrpSpPr>
+        <p:cNvPr id="1" name="">
+          <a:extLst>
+            <a:ext uri="{FF2B5EF4-FFF2-40B4-BE49-F238E27FC236}">
+              <a16:creationId xmlns:a16="http://schemas.microsoft.com/office/drawing/2014/main" id="{AC16D988-0113-8A86-6A1B-46A507CF1CEA}"/>
+            </a:ext>
+          </a:extLst>
+        </p:cNvPr>
+        <p:cNvGrpSpPr/>
+        <p:nvPr/>
+      </p:nvGrpSpPr>
+      <p:grpSpPr>
+        <a:xfrm>
+          <a:off x="0" y="0"/>
+          <a:ext cx="0" cy="0"/>
+          <a:chOff x="0" y="0"/>
+          <a:chExt cx="0" cy="0"/>
+        </a:xfrm>
+      </p:grpSpPr>
+      <p:sp>
+        <p:nvSpPr>
+          <p:cNvPr id="4" name="Rectangle2">
+            <a:extLst>
+              <a:ext uri="{FF2B5EF4-FFF2-40B4-BE49-F238E27FC236}">
+                <a16:creationId xmlns:a16="http://schemas.microsoft.com/office/drawing/2014/main" id="{18DFF89B-EEE9-716F-A417-B847C1866BC7}"/>
+              </a:ext>
+            </a:extLst>
+          </p:cNvPr>
+          <p:cNvSpPr>
+            <a:extLst>
+              <a:ext uri="smNativeData">
+                <pr:smNativeData xmlns="smNativeData" xmlns:pr="smNativeData" xmlns:p15="http://schemas.microsoft.com/office/powerpoint/2012/main" xmlns:p14="http://schemas.microsoft.com/office/powerpoint/2010/main" xmlns:mc="http://schemas.openxmlformats.org/markup-compatibility/2006" val="SMDATA_15_H0jYZxMAAAAlAAAAZAAAAA8BAAAAkAAAAEgAAACQAAAASAAAAAAAAAABAAAAAAAAAAEAAABQAAAAAAAAAAAA4D8AAAAAAADgPwAAAAAAAOA/AAAAAAAA4D8AAAAAAADgPwAAAAAAAOA/AAAAAAAA4D8AAAAAAADgPwAAAAAAAOA/AAAAAAAA4D8CAAAAjAAAAAEAAAAAAAAA9IEfAP///wgAAAAAAAAAAAAAAAAAAAAAAAAAAAAAAAAAAAAAZAAAAAEAAABAAAAAAAAAAAAAAAAAAAAAAAAAAAAAAAAAAAAAAAAAAAAAAAAAAAAAAAAAAAAAAAAAAAAAAAAAAAAAAAAAAAAAAAAAAAAAAAAAAAAAAAAAAAAAAAAAAAAAFAAAADwAAAABAAAAAAAAAPSBHwAUAAAAAQAAABQAAAAUAAAAFAAAAAEAAAAAAAAAZAAAAGQAAAAAAAAAZAAAAGQAAAAVAAAAYAAAAAAAAAAAAAAADwAAACADAAAAAAAAAAAAAAEAAACgMgAAAAAAAAAAAAABAAAAf39/AAEAAABkAAAAAAAAABQAAABAHwAAAAAAACYAAAAAAAAAwOD//wAAAAAmAAAAZAAAABYAAABMAAAAAAAAAAAAAAAEAAAAAAAAAAEAAACAgIAKAAAAACgAAAAoAAAAZAAAAGQAAAAAAAAAzMzMAAAAAABQAAAAUAAAAGQAAABkAAAAAAAAABcAAAAUAAAAAAAAAAAAAAD/fwAA/38AAAAAAAAJAAAABAAAACUAAAAeAAAAaAAAAAAAAAAAAAAAAAAAAAAAAAAAAAAAECcAABAnAAAAAAAAAAAAAAAAAAAAAAAAAAAAAAAAAAAAAAAAAAAAABQAAAAAAAAAwMD/AAAAAABkAAAAMgAAAAAAAABkAAAAAAAAAH9/fwAKAAAAIgAAABgAAAAAAAAAAAAAAAAAAAAAAAAAAAAAAAAAAAAkAAAAJAAAAAAAAAAHAAAAAAAAAAAAAAAAAAAAAAAAAAAAAAAAAAAAf39/ACUAAABYAAAAAAAAAAAAAAAAAAAAAAAAAAAAAAAAAAAAAAAAAAAAAAAAAAAAAAAAAAAAAAA/AAAAAAAAAKCGAQAAAAAAAAAAAAAAAAAMAAAAAQAAAAAAAAAAAAAAAAAAAB8AAABUAAAA9IEfAP///wEAAAAAAAAAAAAAAAAAAAAAAAAAAAAAAAAAAAAAAAAAAPSBHwB/f38AgICAA8zMzADAwP8Af39/AAAAAAAAAAAAAAAAAAAAAAAAAAAAIQAAABgAAAAUAAAA9P////T///+DBwAAQAUAABAAAAAmAAAACAAAAP//////////"/>
+              </a:ext>
+            </a:extLst>
+          </p:cNvSpPr>
+          <p:nvPr/>
+        </p:nvSpPr>
+        <p:spPr>
+          <a:xfrm>
+            <a:off x="-7620" y="-7620"/>
+            <a:ext cx="1228725" cy="861060"/>
+          </a:xfrm>
+          <a:prstGeom prst="rect">
+            <a:avLst/>
+          </a:prstGeom>
+          <a:solidFill>
+            <a:srgbClr val="F4811F"/>
+          </a:solidFill>
+          <a:ln w="12700" cap="flat" cmpd="sng" algn="ctr">
+            <a:solidFill>
+              <a:srgbClr val="F4811F"/>
+            </a:solidFill>
+            <a:prstDash val="solid"/>
+            <a:headEnd type="none"/>
+            <a:tailEnd type="none"/>
+          </a:ln>
+          <a:effectLst/>
+        </p:spPr>
+        <p:txBody>
+          <a:bodyPr vert="horz" wrap="square" numCol="1" spcCol="215900" anchor="ctr"/>
+          <a:lstStyle/>
+          <a:p>
+            <a:pPr algn="ctr">
+              <a:defRPr sz="2600" b="1" cap="none">
+                <a:solidFill>
+                  <a:schemeClr val="bg1"/>
+                </a:solidFill>
+                <a:latin typeface="Arial" pitchFamily="2" charset="0"/>
+                <a:ea typeface="Arial" pitchFamily="2" charset="0"/>
+                <a:cs typeface="Arial" pitchFamily="2" charset="0"/>
+              </a:defRPr>
+            </a:pPr>
+            <a:endParaRPr/>
+          </a:p>
+        </p:txBody>
+      </p:sp>
+      <p:sp>
+        <p:nvSpPr>
+          <p:cNvPr id="5" name="Rectangle1">
+            <a:extLst>
+              <a:ext uri="{FF2B5EF4-FFF2-40B4-BE49-F238E27FC236}">
+                <a16:creationId xmlns:a16="http://schemas.microsoft.com/office/drawing/2014/main" id="{22085602-062F-5C89-7056-DC7C8CD38E22}"/>
+              </a:ext>
+            </a:extLst>
+          </p:cNvPr>
+          <p:cNvSpPr>
+            <a:extLst>
+              <a:ext uri="smNativeData">
+                <pr:smNativeData xmlns="smNativeData" xmlns:pr="smNativeData" xmlns:p15="http://schemas.microsoft.com/office/powerpoint/2012/main" xmlns:p14="http://schemas.microsoft.com/office/powerpoint/2010/main" xmlns:mc="http://schemas.openxmlformats.org/markup-compatibility/2006" val="SMDATA_15_H0jYZxMAAAAlAAAAZAAAAA8BAAAAkAAAAEgAAACQAAAASAAAAAAAAAABAAAAAAAAAAEAAABQAAAAAAAAAAAA4D8AAAAAAADgPwAAAAAAAOA/AAAAAAAA4D8AAAAAAADgPwAAAAAAAOA/AAAAAAAA4D8AAAAAAADgPwAAAAAAAOA/AAAAAAAA4D8CAAAAjAAAAAEAAAAAAAAACB5AAP///wgAAAAAAAAAAAAAAAAAAAAAAAAAAAAAAAAAAAAAZAAAAAEAAABAAAAAAAAAAAAAAAAAAAAAAAAAAAAAAAAAAAAAAAAAAAAAAAAAAAAAAAAAAAAAAAAAAAAAAAAAAAAAAAAAAAAAAAAAAAAAAAAAAAAAAAAAAAAAAAAAAAAAFAAAADwAAAABAAAAAAAAAAUbQwAUAAAAAQAAABQAAAAUAAAAFAAAAAEAAAAAAAAAZAAAAGQAAAAAAAAAZAAAAGQAAAAVAAAAYAAAAAAAAAAAAAAADwAAACADAAAAAAAAAAAAAAEAAACgMgAAAAAAAAAAAAABAAAAf39/AAEAAABkAAAAAAAAABQAAABAHwAAAAAAACYAAAAAAAAAwOD//wAAAAAmAAAAZAAAABYAAABMAAAAAAAAAAAAAAAEAAAAAAAAAAEAAACAgIAKAAAAACgAAAAoAAAAZAAAAGQAAAAAAAAAzMzMAAAAAABQAAAAUAAAAGQAAABkAAAAAAAAABcAAAAUAAAAAAAAAAAAAAD/fwAA/38AAAAAAAAJAAAABAAAADAcAAAeAAAAaAAAAAAAAAAAAAAAAAAAAAAAAAAAAAAAECcAABAnAAAAAAAAAAAAAAAAAAAAAAAAAAAAAAAAAAAAAAAAAAAAABQAAAAAAAAAwMD/AAAAAABkAAAAMgAAAAAAAABkAAAAAAAAAH9/fwAKAAAAIgAAABgAAAAAAAAAAAAAAAAAAAAAAAAAAAAAAAAAAAAkAAAAJAAAAAAAAAAHAAAAAAAAAAAAAAAAAAAAAAAAAAAAAAAAAAAAf39/ACUAAABYAAAAAAAAAAAAAAAAAAAAAAAAAAAAAAAAAAAAAAAAAAAAAAAAAAAAAAAAAAAAAAA/AAAAAAAAAKCGAQAAAAAAAAAAAAAAAAAMAAAAAQAAAAAAAAAAAAAAAAAAAB8AAABUAAAACB5AAP///wEAAAAAAAAAAAAAAAAAAAAAAAAAAAAAAAAAAAAAAAAAAAUbQwB/f38AgICAA8zMzADAwP8Af39/AAAAAAAAAAAAAAAAAAAAAAAAAAAAIQAAABgAAAAUAAAA2wQAAPT///8YSwAAQAUAABAAAAAmAAAACAAAAP//////////"/>
+              </a:ext>
+            </a:extLst>
+          </p:cNvSpPr>
+          <p:nvPr/>
+        </p:nvSpPr>
+        <p:spPr>
+          <a:xfrm>
+            <a:off x="789305" y="-7620"/>
+            <a:ext cx="11417935" cy="861060"/>
+          </a:xfrm>
+          <a:prstGeom prst="rect">
+            <a:avLst/>
+          </a:prstGeom>
+          <a:solidFill>
+            <a:srgbClr val="081E40"/>
+          </a:solidFill>
+          <a:ln w="12700" cap="flat" cmpd="sng" algn="ctr">
+            <a:solidFill>
+              <a:srgbClr val="051B43"/>
+            </a:solidFill>
+            <a:prstDash val="solid"/>
+            <a:headEnd type="none"/>
+            <a:tailEnd type="none"/>
+          </a:ln>
+          <a:effectLst/>
+        </p:spPr>
+        <p:txBody>
+          <a:bodyPr vert="horz" wrap="square" lIns="91440" tIns="45720" rIns="91440" bIns="45720" numCol="1" spcCol="215900" anchor="ctr"/>
+          <a:lstStyle/>
+          <a:p>
+            <a:pPr algn="ctr">
+              <a:defRPr sz="2600" b="1" cap="none">
+                <a:solidFill>
+                  <a:schemeClr val="bg1"/>
+                </a:solidFill>
+                <a:latin typeface="Arial" pitchFamily="2" charset="0"/>
+                <a:ea typeface="Arial" pitchFamily="2" charset="0"/>
+                <a:cs typeface="Arial" pitchFamily="2" charset="0"/>
+              </a:defRPr>
+            </a:pPr>
+            <a:r>
+              <a:rPr lang="en-US" sz="2800" dirty="0">
+                <a:latin typeface="Arial"/>
+                <a:cs typeface="Arial"/>
+              </a:rPr>
+              <a:t>Tests results</a:t>
+            </a:r>
+            <a:endParaRPr lang="en-US" dirty="0"/>
+          </a:p>
+        </p:txBody>
+      </p:sp>
+      <p:sp>
+        <p:nvSpPr>
+          <p:cNvPr id="19" name="Rectangle1">
+            <a:extLst>
+              <a:ext uri="{FF2B5EF4-FFF2-40B4-BE49-F238E27FC236}">
+                <a16:creationId xmlns:a16="http://schemas.microsoft.com/office/drawing/2014/main" id="{76E84E31-666A-B91F-6DA7-5530A04E14BD}"/>
+              </a:ext>
+            </a:extLst>
+          </p:cNvPr>
+          <p:cNvSpPr>
+            <a:extLst>
+              <a:ext uri="smNativeData">
+                <pr:smNativeData xmlns:mc="http://schemas.openxmlformats.org/markup-compatibility/2006" xmlns:p14="http://schemas.microsoft.com/office/powerpoint/2010/main" xmlns:p15="http://schemas.microsoft.com/office/powerpoint/2012/main" xmlns:pr="smNativeData" xmlns="smNativeData" val="SMDATA_15_H0jYZxMAAAAlAAAAZAAAAA8BAAAAkAAAAEgAAACQAAAASAAAAAAAAAABAAAAAAAAAAEAAABQAAAAAAAAAAAA4D8AAAAAAADgPwAAAAAAAOA/AAAAAAAA4D8AAAAAAADgPwAAAAAAAOA/AAAAAAAA4D8AAAAAAADgPwAAAAAAAOA/AAAAAAAA4D8CAAAAjAAAAAEAAAAAAAAACB5AAP///wgAAAAAAAAAAAAAAAAAAAAAAAAAAAAAAAAAAAAAZAAAAAEAAABAAAAAAAAAAAAAAAAAAAAAAAAAAAAAAAAAAAAAAAAAAAAAAAAAAAAAAAAAAAAAAAAAAAAAAAAAAAAAAAAAAAAAAAAAAAAAAAAAAAAAAAAAAAAAAAAAAAAAFAAAADwAAAABAAAAAAAAAAUbQwAUAAAAAQAAABQAAAAUAAAAFAAAAAEAAAAAAAAAZAAAAGQAAAAAAAAAZAAAAGQAAAAVAAAAYAAAAAAAAAAAAAAADwAAACADAAAAAAAAAAAAAAEAAACgMgAAAAAAAAAAAAABAAAAf39/AAEAAABkAAAAAAAAABQAAABAHwAAAAAAACYAAAAAAAAAwOD//wAAAAAmAAAAZAAAABYAAABMAAAAAAAAAAAAAAAEAAAAAAAAAAEAAACAgIAKAAAAACgAAAAoAAAAZAAAAGQAAAAAAAAAzMzMAAAAAABQAAAAUAAAAGQAAABkAAAAAAAAABcAAAAUAAAAAAAAAAAAAAD/fwAA/38AAAAAAAAJAAAABAAAADAcAAAeAAAAaAAAAAAAAAAAAAAAAAAAAAAAAAAAAAAAECcAABAnAAAAAAAAAAAAAAAAAAAAAAAAAAAAAAAAAAAAAAAAAAAAABQAAAAAAAAAwMD/AAAAAABkAAAAMgAAAAAAAABkAAAAAAAAAH9/fwAKAAAAIgAAABgAAAAAAAAAAAAAAAAAAAAAAAAAAAAAAAAAAAAkAAAAJAAAAAAAAAAHAAAAAAAAAAAAAAAAAAAAAAAAAAAAAAAAAAAAf39/ACUAAABYAAAAAAAAAAAAAAAAAAAAAAAAAAAAAAAAAAAAAAAAAAAAAAAAAAAAAAAAAAAAAAA/AAAAAAAAAKCGAQAAAAAAAAAAAAAAAAAMAAAAAQAAAAAAAAAAAAAAAAAAAB8AAABUAAAACB5AAP///wEAAAAAAAAAAAAAAAAAAAAAAAAAAAAAAAAAAAAAAAAAAAUbQwB/f38AgICAA8zMzADAwP8Af39/AAAAAAAAAAAAAAAAAAAAAAAAAAAAIQAAABgAAAAUAAAA2wQAAPT///8YSwAAQAUAABAAAAAmAAAACAAAAP//////////"/>
+              </a:ext>
+            </a:extLst>
+          </p:cNvSpPr>
+          <p:nvPr/>
+        </p:nvSpPr>
+        <p:spPr>
+          <a:xfrm>
+            <a:off x="-16172" y="6469380"/>
+            <a:ext cx="12223412" cy="403860"/>
+          </a:xfrm>
+          <a:prstGeom prst="rect">
+            <a:avLst/>
+          </a:prstGeom>
+          <a:solidFill>
+            <a:srgbClr val="081E40"/>
+          </a:solidFill>
+          <a:ln w="12700" cap="flat" cmpd="sng" algn="ctr">
+            <a:solidFill>
+              <a:srgbClr val="051B43"/>
+            </a:solidFill>
+            <a:prstDash val="solid"/>
+            <a:headEnd type="none"/>
+            <a:tailEnd type="none"/>
+          </a:ln>
+          <a:effectLst/>
+        </p:spPr>
+        <p:txBody>
+          <a:bodyPr vert="horz" wrap="square" lIns="91440" tIns="45720" rIns="91440" bIns="45720" numCol="1" spcCol="215900" anchor="ctr"/>
+          <a:lstStyle/>
+          <a:p>
+            <a:pPr algn="ctr">
+              <a:defRPr sz="2600" b="1" cap="none">
+                <a:solidFill>
+                  <a:schemeClr val="bg1"/>
+                </a:solidFill>
+                <a:latin typeface="Arial" pitchFamily="2" charset="0"/>
+                <a:ea typeface="Arial" pitchFamily="2" charset="0"/>
+                <a:cs typeface="Arial" pitchFamily="2" charset="0"/>
+              </a:defRPr>
+            </a:pPr>
+            <a:endParaRPr lang="en-US"/>
+          </a:p>
+        </p:txBody>
+      </p:sp>
+      <p:sp>
+        <p:nvSpPr>
+          <p:cNvPr id="18" name="TextBox 17">
+            <a:extLst>
+              <a:ext uri="{FF2B5EF4-FFF2-40B4-BE49-F238E27FC236}">
+                <a16:creationId xmlns:a16="http://schemas.microsoft.com/office/drawing/2014/main" id="{44EA26F6-1BA7-79CE-27C5-2DD7BDFE7289}"/>
+              </a:ext>
+            </a:extLst>
+          </p:cNvPr>
+          <p:cNvSpPr txBox="1"/>
+          <p:nvPr/>
+        </p:nvSpPr>
+        <p:spPr>
+          <a:xfrm>
+            <a:off x="68580" y="910828"/>
+            <a:ext cx="2635465" cy="461665"/>
+          </a:xfrm>
+          <a:prstGeom prst="rect">
+            <a:avLst/>
+          </a:prstGeom>
+          <a:noFill/>
+        </p:spPr>
+        <p:txBody>
+          <a:bodyPr wrap="none" lIns="91440" tIns="45720" rIns="91440" bIns="45720" rtlCol="0" anchor="t">
+            <a:spAutoFit/>
+          </a:bodyPr>
+          <a:lstStyle/>
+          <a:p>
+            <a:r>
+              <a:rPr lang="en-US" sz="2400" b="1" i="1" dirty="0">
+                <a:latin typeface="Arial"/>
+                <a:ea typeface="Apple SD Gothic Neo"/>
+                <a:cs typeface="Arial"/>
+              </a:rPr>
+              <a:t>Tested problems</a:t>
+            </a:r>
+          </a:p>
+        </p:txBody>
+      </p:sp>
+      <p:sp>
+        <p:nvSpPr>
+          <p:cNvPr id="8" name="TextBox 7">
+            <a:extLst>
+              <a:ext uri="{FF2B5EF4-FFF2-40B4-BE49-F238E27FC236}">
+                <a16:creationId xmlns:a16="http://schemas.microsoft.com/office/drawing/2014/main" id="{987DC727-FD50-9E5D-2434-948316BB9DB0}"/>
+              </a:ext>
+            </a:extLst>
+          </p:cNvPr>
+          <p:cNvSpPr txBox="1"/>
+          <p:nvPr/>
+        </p:nvSpPr>
+        <p:spPr>
+          <a:xfrm>
+            <a:off x="117375" y="1517805"/>
+            <a:ext cx="7646067" cy="369332"/>
+          </a:xfrm>
+          <a:prstGeom prst="rect">
+            <a:avLst/>
+          </a:prstGeom>
+          <a:noFill/>
+        </p:spPr>
+        <p:txBody>
+          <a:bodyPr wrap="none" rtlCol="0">
+            <a:spAutoFit/>
+          </a:bodyPr>
+          <a:lstStyle/>
+          <a:p>
+            <a:r>
+              <a:rPr lang="en-US" dirty="0">
+                <a:latin typeface="Arial" panose="020B0604020202020204" pitchFamily="34" charset="0"/>
+                <a:cs typeface="Arial" panose="020B0604020202020204" pitchFamily="34" charset="0"/>
+              </a:rPr>
+              <a:t>Case 2: Most energetic case </a:t>
+            </a:r>
+            <a:r>
+              <a:rPr lang="en-US" i="1" dirty="0">
+                <a:latin typeface="Arial" panose="020B0604020202020204" pitchFamily="34" charset="0"/>
+                <a:cs typeface="Arial" panose="020B0604020202020204" pitchFamily="34" charset="0"/>
+              </a:rPr>
+              <a:t>n=3 (30000 epochs. And 5 min 52s training)</a:t>
+            </a:r>
+          </a:p>
+        </p:txBody>
+      </p:sp>
+      <p:pic>
+        <p:nvPicPr>
+          <p:cNvPr id="9" name="Picture 8">
+            <a:extLst>
+              <a:ext uri="{FF2B5EF4-FFF2-40B4-BE49-F238E27FC236}">
+                <a16:creationId xmlns:a16="http://schemas.microsoft.com/office/drawing/2014/main" id="{0E422017-094A-E1E0-51DE-137BE52890F4}"/>
+              </a:ext>
+            </a:extLst>
+          </p:cNvPr>
+          <p:cNvPicPr>
+            <a:picLocks noChangeAspect="1"/>
+          </p:cNvPicPr>
+          <p:nvPr/>
+        </p:nvPicPr>
+        <p:blipFill>
+          <a:blip r:embed="rId2">
+            <a:extLst>
+              <a:ext uri="{28A0092B-C50C-407E-A947-70E740481C1C}">
+                <a14:useLocalDpi xmlns:a14="http://schemas.microsoft.com/office/drawing/2010/main" val="0"/>
+              </a:ext>
+            </a:extLst>
+          </a:blip>
+          <a:srcRect/>
+          <a:stretch/>
+        </p:blipFill>
+        <p:spPr>
+          <a:xfrm>
+            <a:off x="46426" y="2551502"/>
+            <a:ext cx="12098215" cy="3837484"/>
+          </a:xfrm>
+          <a:prstGeom prst="rect">
+            <a:avLst/>
+          </a:prstGeom>
+        </p:spPr>
+      </p:pic>
+      <mc:AlternateContent xmlns:mc="http://schemas.openxmlformats.org/markup-compatibility/2006" xmlns:a14="http://schemas.microsoft.com/office/drawing/2010/main">
+        <mc:Choice Requires="a14">
+          <p:sp>
+            <p:nvSpPr>
+              <p:cNvPr id="10" name="TextBox 9">
+                <a:extLst>
+                  <a:ext uri="{FF2B5EF4-FFF2-40B4-BE49-F238E27FC236}">
+                    <a16:creationId xmlns:a16="http://schemas.microsoft.com/office/drawing/2014/main" id="{E2B35C46-B293-F1A3-DC16-D5A8E55CBEB3}"/>
+                  </a:ext>
+                </a:extLst>
+              </p:cNvPr>
+              <p:cNvSpPr txBox="1"/>
+              <p:nvPr/>
+            </p:nvSpPr>
+            <p:spPr>
+              <a:xfrm>
+                <a:off x="8354973" y="933834"/>
+                <a:ext cx="3765454" cy="1649362"/>
+              </a:xfrm>
+              <a:prstGeom prst="rect">
+                <a:avLst/>
+              </a:prstGeom>
+              <a:noFill/>
+            </p:spPr>
+            <p:txBody>
+              <a:bodyPr wrap="none" lIns="0" tIns="0" rIns="0" bIns="0" rtlCol="0">
+                <a:spAutoFit/>
+              </a:bodyPr>
+              <a:lstStyle/>
+              <a:p>
+                <a:r>
+                  <a:rPr lang="en-US" b="0" dirty="0">
+                    <a:latin typeface="Arial" panose="020B0604020202020204" pitchFamily="34" charset="0"/>
+                    <a:cs typeface="Arial" panose="020B0604020202020204" pitchFamily="34" charset="0"/>
+                  </a:rPr>
+                  <a:t>Exact solution:</a:t>
+                </a:r>
+              </a:p>
+              <a:p>
+                <a:endParaRPr lang="en-US" b="0" dirty="0">
+                  <a:latin typeface="Arial" panose="020B0604020202020204" pitchFamily="34" charset="0"/>
+                  <a:cs typeface="Arial" panose="020B0604020202020204" pitchFamily="34" charset="0"/>
+                </a:endParaRPr>
+              </a:p>
+              <a:p>
+                <a:pPr/>
+                <a14:m>
+                  <m:oMathPara xmlns:m="http://schemas.openxmlformats.org/officeDocument/2006/math">
+                    <m:oMathParaPr>
+                      <m:jc m:val="centerGroup"/>
+                    </m:oMathParaPr>
+                    <m:oMath xmlns:m="http://schemas.openxmlformats.org/officeDocument/2006/math">
+                      <m:sSub>
+                        <m:sSubPr>
+                          <m:ctrlPr>
+                            <a:rPr lang="en-US" b="0" i="1" smtClean="0">
+                              <a:latin typeface="Cambria Math" panose="02040503050406030204" pitchFamily="18" charset="0"/>
+                            </a:rPr>
+                          </m:ctrlPr>
+                        </m:sSubPr>
+                        <m:e>
+                          <m:r>
+                            <a:rPr lang="en-US" b="0" i="1" smtClean="0">
+                              <a:latin typeface="Cambria Math" panose="02040503050406030204" pitchFamily="18" charset="0"/>
+                            </a:rPr>
+                            <m:t>𝜓</m:t>
+                          </m:r>
+                        </m:e>
+                        <m:sub>
+                          <m:r>
+                            <a:rPr lang="en-US" b="0" i="1" smtClean="0">
+                              <a:latin typeface="Cambria Math" panose="02040503050406030204" pitchFamily="18" charset="0"/>
+                            </a:rPr>
+                            <m:t>𝑛</m:t>
+                          </m:r>
+                        </m:sub>
+                      </m:sSub>
+                      <m:d>
+                        <m:dPr>
+                          <m:ctrlPr>
+                            <a:rPr lang="en-US" b="0" i="1" smtClean="0">
+                              <a:latin typeface="Cambria Math" panose="02040503050406030204" pitchFamily="18" charset="0"/>
+                            </a:rPr>
+                          </m:ctrlPr>
+                        </m:dPr>
+                        <m:e>
+                          <m:r>
+                            <a:rPr lang="en-US" b="0" i="1" smtClean="0">
+                              <a:latin typeface="Cambria Math" panose="02040503050406030204" pitchFamily="18" charset="0"/>
+                            </a:rPr>
+                            <m:t>𝑥</m:t>
+                          </m:r>
+                          <m:r>
+                            <a:rPr lang="en-US" b="0" i="1" smtClean="0">
+                              <a:latin typeface="Cambria Math" panose="02040503050406030204" pitchFamily="18" charset="0"/>
+                            </a:rPr>
+                            <m:t>,</m:t>
+                          </m:r>
+                          <m:r>
+                            <a:rPr lang="en-US" b="0" i="1" smtClean="0">
+                              <a:latin typeface="Cambria Math" panose="02040503050406030204" pitchFamily="18" charset="0"/>
+                            </a:rPr>
+                            <m:t>𝑡</m:t>
+                          </m:r>
+                        </m:e>
+                      </m:d>
+                      <m:r>
+                        <a:rPr lang="en-US" b="0" i="1" smtClean="0">
+                          <a:latin typeface="Cambria Math" panose="02040503050406030204" pitchFamily="18" charset="0"/>
+                        </a:rPr>
+                        <m:t>=</m:t>
+                      </m:r>
+                      <m:rad>
+                        <m:radPr>
+                          <m:degHide m:val="on"/>
+                          <m:ctrlPr>
+                            <a:rPr lang="en-US" b="0" i="1" smtClean="0">
+                              <a:latin typeface="Cambria Math" panose="02040503050406030204" pitchFamily="18" charset="0"/>
+                            </a:rPr>
+                          </m:ctrlPr>
+                        </m:radPr>
+                        <m:deg/>
+                        <m:e>
+                          <m:f>
+                            <m:fPr>
+                              <m:ctrlPr>
+                                <a:rPr lang="en-US" i="1">
+                                  <a:latin typeface="Cambria Math" panose="02040503050406030204" pitchFamily="18" charset="0"/>
+                                </a:rPr>
+                              </m:ctrlPr>
+                            </m:fPr>
+                            <m:num>
+                              <m:r>
+                                <a:rPr lang="en-US" i="1">
+                                  <a:latin typeface="Cambria Math" panose="02040503050406030204" pitchFamily="18" charset="0"/>
+                                </a:rPr>
+                                <m:t>2</m:t>
+                              </m:r>
+                            </m:num>
+                            <m:den>
+                              <m:r>
+                                <a:rPr lang="en-US" i="1">
+                                  <a:latin typeface="Cambria Math" panose="02040503050406030204" pitchFamily="18" charset="0"/>
+                                </a:rPr>
+                                <m:t>𝐿</m:t>
+                              </m:r>
+                            </m:den>
+                          </m:f>
+                        </m:e>
+                      </m:rad>
+                      <m:r>
+                        <m:rPr>
+                          <m:sty m:val="p"/>
+                        </m:rPr>
+                        <a:rPr lang="en-US" b="0" i="1" smtClean="0">
+                          <a:latin typeface="Cambria Math" panose="02040503050406030204" pitchFamily="18" charset="0"/>
+                        </a:rPr>
+                        <m:t>sin</m:t>
+                      </m:r>
+                      <m:d>
+                        <m:dPr>
+                          <m:ctrlPr>
+                            <a:rPr lang="en-US" b="0" i="1" smtClean="0">
+                              <a:latin typeface="Cambria Math" panose="02040503050406030204" pitchFamily="18" charset="0"/>
+                            </a:rPr>
+                          </m:ctrlPr>
+                        </m:dPr>
+                        <m:e>
+                          <m:f>
+                            <m:fPr>
+                              <m:ctrlPr>
+                                <a:rPr lang="en-US" b="0" i="1" smtClean="0">
+                                  <a:latin typeface="Cambria Math" panose="02040503050406030204" pitchFamily="18" charset="0"/>
+                                </a:rPr>
+                              </m:ctrlPr>
+                            </m:fPr>
+                            <m:num>
+                              <m:r>
+                                <a:rPr lang="en-US" b="0" i="1" smtClean="0">
+                                  <a:latin typeface="Cambria Math" panose="02040503050406030204" pitchFamily="18" charset="0"/>
+                                </a:rPr>
+                                <m:t>𝑛</m:t>
+                              </m:r>
+                              <m:r>
+                                <a:rPr lang="en-US" b="0" i="1" smtClean="0">
+                                  <a:latin typeface="Cambria Math" panose="02040503050406030204" pitchFamily="18" charset="0"/>
+                                </a:rPr>
+                                <m:t>𝜋</m:t>
+                              </m:r>
+                              <m:r>
+                                <a:rPr lang="en-US" b="0" i="1" smtClean="0">
+                                  <a:latin typeface="Cambria Math" panose="02040503050406030204" pitchFamily="18" charset="0"/>
+                                </a:rPr>
+                                <m:t>𝑥</m:t>
+                              </m:r>
+                            </m:num>
+                            <m:den>
+                              <m:r>
+                                <a:rPr lang="en-US" b="0" i="1" smtClean="0">
+                                  <a:latin typeface="Cambria Math" panose="02040503050406030204" pitchFamily="18" charset="0"/>
+                                </a:rPr>
+                                <m:t>𝐿</m:t>
+                              </m:r>
+                            </m:den>
+                          </m:f>
+                        </m:e>
+                      </m:d>
+                      <m:sSup>
+                        <m:sSupPr>
+                          <m:ctrlPr>
+                            <a:rPr lang="en-US" b="0" i="1" smtClean="0">
+                              <a:latin typeface="Cambria Math" panose="02040503050406030204" pitchFamily="18" charset="0"/>
+                            </a:rPr>
+                          </m:ctrlPr>
+                        </m:sSupPr>
+                        <m:e>
+                          <m:r>
+                            <a:rPr lang="en-US" b="0" i="1" smtClean="0">
+                              <a:latin typeface="Cambria Math" panose="02040503050406030204" pitchFamily="18" charset="0"/>
+                            </a:rPr>
+                            <m:t>𝑒</m:t>
+                          </m:r>
+                        </m:e>
+                        <m:sup>
+                          <m:r>
+                            <a:rPr lang="en-US" b="0" i="1" smtClean="0">
+                              <a:latin typeface="Cambria Math" panose="02040503050406030204" pitchFamily="18" charset="0"/>
+                            </a:rPr>
+                            <m:t>−</m:t>
+                          </m:r>
+                          <m:r>
+                            <a:rPr lang="en-US" b="0" i="1" smtClean="0">
+                              <a:latin typeface="Cambria Math" panose="02040503050406030204" pitchFamily="18" charset="0"/>
+                            </a:rPr>
+                            <m:t>𝑖</m:t>
+                          </m:r>
+                          <m:f>
+                            <m:fPr>
+                              <m:ctrlPr>
+                                <a:rPr lang="en-US" b="0" i="1" smtClean="0">
+                                  <a:latin typeface="Cambria Math" panose="02040503050406030204" pitchFamily="18" charset="0"/>
+                                </a:rPr>
+                              </m:ctrlPr>
+                            </m:fPr>
+                            <m:num>
+                              <m:sSup>
+                                <m:sSupPr>
+                                  <m:ctrlPr>
+                                    <a:rPr lang="en-US" b="0" i="1" smtClean="0">
+                                      <a:latin typeface="Cambria Math" panose="02040503050406030204" pitchFamily="18" charset="0"/>
+                                    </a:rPr>
+                                  </m:ctrlPr>
+                                </m:sSupPr>
+                                <m:e>
+                                  <m:r>
+                                    <a:rPr lang="en-US" b="0" i="1" smtClean="0">
+                                      <a:latin typeface="Cambria Math" panose="02040503050406030204" pitchFamily="18" charset="0"/>
+                                    </a:rPr>
+                                    <m:t>𝑛</m:t>
+                                  </m:r>
+                                </m:e>
+                                <m:sup>
+                                  <m:r>
+                                    <a:rPr lang="en-US" b="0" i="1" smtClean="0">
+                                      <a:latin typeface="Cambria Math" panose="02040503050406030204" pitchFamily="18" charset="0"/>
+                                    </a:rPr>
+                                    <m:t>2</m:t>
+                                  </m:r>
+                                </m:sup>
+                              </m:sSup>
+                              <m:sSup>
+                                <m:sSupPr>
+                                  <m:ctrlPr>
+                                    <a:rPr lang="en-US" b="0" i="1" smtClean="0">
+                                      <a:latin typeface="Cambria Math" panose="02040503050406030204" pitchFamily="18" charset="0"/>
+                                    </a:rPr>
+                                  </m:ctrlPr>
+                                </m:sSupPr>
+                                <m:e>
+                                  <m:r>
+                                    <a:rPr lang="en-US" b="0" i="1" smtClean="0">
+                                      <a:latin typeface="Cambria Math" panose="02040503050406030204" pitchFamily="18" charset="0"/>
+                                    </a:rPr>
+                                    <m:t>𝜋</m:t>
+                                  </m:r>
+                                </m:e>
+                                <m:sup>
+                                  <m:r>
+                                    <a:rPr lang="en-US" b="0" i="1" smtClean="0">
+                                      <a:latin typeface="Cambria Math" panose="02040503050406030204" pitchFamily="18" charset="0"/>
+                                    </a:rPr>
+                                    <m:t>2</m:t>
+                                  </m:r>
+                                </m:sup>
+                              </m:sSup>
+                              <m:r>
+                                <a:rPr lang="en-US" b="0" i="1" smtClean="0">
+                                  <a:latin typeface="Cambria Math" panose="02040503050406030204" pitchFamily="18" charset="0"/>
+                                </a:rPr>
+                                <m:t>ℏ</m:t>
+                              </m:r>
+                            </m:num>
+                            <m:den>
+                              <m:r>
+                                <a:rPr lang="en-US" b="0" i="1" smtClean="0">
+                                  <a:latin typeface="Cambria Math" panose="02040503050406030204" pitchFamily="18" charset="0"/>
+                                </a:rPr>
+                                <m:t>2</m:t>
+                              </m:r>
+                              <m:r>
+                                <a:rPr lang="en-US" b="0" i="1" smtClean="0">
+                                  <a:latin typeface="Cambria Math" panose="02040503050406030204" pitchFamily="18" charset="0"/>
+                                </a:rPr>
+                                <m:t>𝑚</m:t>
+                              </m:r>
+                              <m:sSup>
+                                <m:sSupPr>
+                                  <m:ctrlPr>
+                                    <a:rPr lang="en-US" b="0" i="1" smtClean="0">
+                                      <a:latin typeface="Cambria Math" panose="02040503050406030204" pitchFamily="18" charset="0"/>
+                                    </a:rPr>
+                                  </m:ctrlPr>
+                                </m:sSupPr>
+                                <m:e>
+                                  <m:r>
+                                    <a:rPr lang="en-US" b="0" i="1" smtClean="0">
+                                      <a:latin typeface="Cambria Math" panose="02040503050406030204" pitchFamily="18" charset="0"/>
+                                    </a:rPr>
+                                    <m:t>𝐿</m:t>
+                                  </m:r>
+                                </m:e>
+                                <m:sup>
+                                  <m:r>
+                                    <a:rPr lang="en-US" b="0" i="1" smtClean="0">
+                                      <a:latin typeface="Cambria Math" panose="02040503050406030204" pitchFamily="18" charset="0"/>
+                                    </a:rPr>
+                                    <m:t>2</m:t>
+                                  </m:r>
+                                </m:sup>
+                              </m:sSup>
+                            </m:den>
+                          </m:f>
+                          <m:r>
+                            <a:rPr lang="en-US" b="0" i="1" smtClean="0">
+                              <a:latin typeface="Cambria Math" panose="02040503050406030204" pitchFamily="18" charset="0"/>
+                            </a:rPr>
+                            <m:t>𝑡</m:t>
+                          </m:r>
+                        </m:sup>
+                      </m:sSup>
+                    </m:oMath>
+                  </m:oMathPara>
+                </a14:m>
+                <a:endParaRPr lang="en-US" b="0" dirty="0">
+                  <a:latin typeface="Arial" panose="020B0604020202020204" pitchFamily="34" charset="0"/>
+                  <a:cs typeface="Arial" panose="020B0604020202020204" pitchFamily="34" charset="0"/>
+                </a:endParaRPr>
+              </a:p>
+              <a:p>
+                <a:endParaRPr lang="en-US" b="0" dirty="0">
+                  <a:latin typeface="Arial" panose="020B0604020202020204" pitchFamily="34" charset="0"/>
+                  <a:cs typeface="Arial" panose="020B0604020202020204" pitchFamily="34" charset="0"/>
+                </a:endParaRPr>
+              </a:p>
+            </p:txBody>
+          </p:sp>
+        </mc:Choice>
+        <mc:Fallback xmlns="">
           <p:sp>
             <p:nvSpPr>
               <p:cNvPr id="10" name="TextBox 9">
@@ -4271,7 +5012,7 @@
 </p:sld>
 </file>
 
-<file path=ppt/slides/slide11.xml><?xml version="1.0" encoding="utf-8"?>
+<file path=ppt/slides/slide12.xml><?xml version="1.0" encoding="utf-8"?>
 <p:sld xmlns:a="http://schemas.openxmlformats.org/drawingml/2006/main" xmlns:r="http://schemas.openxmlformats.org/officeDocument/2006/relationships" xmlns:p="http://schemas.openxmlformats.org/presentationml/2006/main">
   <p:cSld>
     <p:spTree>
@@ -4600,8 +5341,8 @@
           </a:prstGeom>
         </p:spPr>
       </p:pic>
-      <mc:AlternateContent xmlns:mc="http://schemas.openxmlformats.org/markup-compatibility/2006">
-        <mc:Choice xmlns:a14="http://schemas.microsoft.com/office/drawing/2010/main" Requires="a14">
+      <mc:AlternateContent xmlns:mc="http://schemas.openxmlformats.org/markup-compatibility/2006" xmlns:a14="http://schemas.microsoft.com/office/drawing/2010/main">
+        <mc:Choice Requires="a14">
           <p:sp>
             <p:nvSpPr>
               <p:cNvPr id="10" name="TextBox 9">
@@ -5206,7 +5947,7 @@
             </p:txBody>
           </p:sp>
         </mc:Choice>
-        <mc:Fallback>
+        <mc:Fallback xmlns="">
           <p:sp>
             <p:nvSpPr>
               <p:cNvPr id="10" name="TextBox 9">
@@ -5264,7 +6005,7 @@
 </p:sld>
 </file>
 
-<file path=ppt/slides/slide12.xml><?xml version="1.0" encoding="utf-8"?>
+<file path=ppt/slides/slide13.xml><?xml version="1.0" encoding="utf-8"?>
 <p:sld xmlns:a="http://schemas.openxmlformats.org/drawingml/2006/main" xmlns:r="http://schemas.openxmlformats.org/officeDocument/2006/relationships" xmlns:p="http://schemas.openxmlformats.org/presentationml/2006/main">
   <p:cSld>
     <p:spTree>
@@ -5508,7 +6249,7 @@
 </p:sld>
 </file>
 
-<file path=ppt/slides/slide13.xml><?xml version="1.0" encoding="utf-8"?>
+<file path=ppt/slides/slide14.xml><?xml version="1.0" encoding="utf-8"?>
 <p:sld xmlns:a="http://schemas.openxmlformats.org/drawingml/2006/main" xmlns:r="http://schemas.openxmlformats.org/officeDocument/2006/relationships" xmlns:p="http://schemas.openxmlformats.org/presentationml/2006/main">
   <p:cSld>
     <p:spTree>
@@ -5856,7 +6597,7 @@
 </p:sld>
 </file>
 
-<file path=ppt/slides/slide14.xml><?xml version="1.0" encoding="utf-8"?>
+<file path=ppt/slides/slide15.xml><?xml version="1.0" encoding="utf-8"?>
 <p:sld xmlns:a="http://schemas.openxmlformats.org/drawingml/2006/main" xmlns:r="http://schemas.openxmlformats.org/officeDocument/2006/relationships" xmlns:p="http://schemas.openxmlformats.org/presentationml/2006/main">
   <p:cSld>
     <p:spTree>
@@ -6628,7 +7369,7 @@
         <p:spPr>
           <a:xfrm>
             <a:off x="68580" y="910828"/>
-            <a:ext cx="7148945" cy="461665"/>
+            <a:ext cx="2569934" cy="923330"/>
           </a:xfrm>
           <a:prstGeom prst="rect">
             <a:avLst/>
@@ -6642,12 +7383,12 @@
           <a:lstStyle/>
           <a:p>
             <a:r>
-              <a:rPr lang="en-US" sz="2400" b="1" i="1">
+              <a:rPr lang="en-US" sz="5400" b="1" i="1" dirty="0">
                 <a:latin typeface="Arial"/>
                 <a:ea typeface="Apple SD Gothic Neo"/>
                 <a:cs typeface="Arial"/>
               </a:rPr>
-              <a:t>The 1D Time-dependent Schrödinger Equation: </a:t>
+              <a:t>Outline</a:t>
             </a:r>
           </a:p>
         </p:txBody>
@@ -6680,139 +7421,140 @@
           </a:bodyPr>
           <a:lstStyle/>
           <a:p>
-            <a:r>
-              <a:rPr lang="en-US" b="0" i="0">
+            <a:pPr algn="l">
+              <a:buFont typeface="+mj-lt"/>
+              <a:buAutoNum type="arabicPeriod"/>
+            </a:pPr>
+            <a:endParaRPr lang="en-US" sz="3600" b="0" i="0" dirty="0">
+              <a:solidFill>
+                <a:srgbClr val="000000"/>
+              </a:solidFill>
+              <a:effectLst/>
+              <a:latin typeface="Open Sans" panose="020F0502020204030204" pitchFamily="34" charset="0"/>
+            </a:endParaRPr>
+          </a:p>
+          <a:p>
+            <a:pPr algn="l">
+              <a:buFont typeface="+mj-lt"/>
+              <a:buAutoNum type="arabicPeriod"/>
+            </a:pPr>
+            <a:r>
+              <a:rPr lang="en-US" sz="3600" b="1" i="0" dirty="0">
+                <a:solidFill>
+                  <a:srgbClr val="000000"/>
+                </a:solidFill>
                 <a:effectLst/>
-                <a:latin typeface="Arial" panose="020B0604020202020204" pitchFamily="34" charset="0"/>
-                <a:cs typeface="Arial" panose="020B0604020202020204" pitchFamily="34" charset="0"/>
+                <a:latin typeface="Open Sans" panose="020F0502020204030204" pitchFamily="34" charset="0"/>
               </a:rPr>
-              <a:t>Mechanics is a very important topic, not only in physics, but also in math, because describing the position of one body in a certain time can lead to better models and deeper knowledge </a:t>
-            </a:r>
-            <a:r>
-              <a:rPr lang="en-US">
-                <a:latin typeface="Arial" panose="020B0604020202020204" pitchFamily="34" charset="0"/>
-                <a:cs typeface="Arial" panose="020B0604020202020204" pitchFamily="34" charset="0"/>
+              <a:t>Title &amp; Motivation.</a:t>
+            </a:r>
+            <a:endParaRPr lang="en-US" sz="3600" b="0" i="0" dirty="0">
+              <a:solidFill>
+                <a:srgbClr val="000000"/>
+              </a:solidFill>
+              <a:effectLst/>
+              <a:latin typeface="Open Sans" panose="020F0502020204030204" pitchFamily="34" charset="0"/>
+            </a:endParaRPr>
+          </a:p>
+          <a:p>
+            <a:pPr algn="l">
+              <a:buFont typeface="+mj-lt"/>
+              <a:buAutoNum type="arabicPeriod"/>
+            </a:pPr>
+            <a:r>
+              <a:rPr lang="en-US" sz="3600" b="1" i="0" dirty="0">
+                <a:solidFill>
+                  <a:srgbClr val="000000"/>
+                </a:solidFill>
+                <a:effectLst/>
+                <a:latin typeface="Open Sans" panose="020F0502020204030204" pitchFamily="34" charset="0"/>
               </a:rPr>
-              <a:t>of the reality, in the early 1900s Einstein, Bohr, Heisenberg and many brilliant scientists were trying to understand how electrons were distributed along the volume of the atom, it is important because it can help to analyze how chemical reactions happens and also return conclusions of certain atomic phenomena previously observed. In 1926 the physicist Erwin </a:t>
-            </a:r>
-            <a:r>
-              <a:rPr lang="en-US" err="1">
-                <a:latin typeface="Arial" panose="020B0604020202020204" pitchFamily="34" charset="0"/>
-                <a:cs typeface="Arial" panose="020B0604020202020204" pitchFamily="34" charset="0"/>
+              <a:t>Background.</a:t>
+            </a:r>
+            <a:endParaRPr lang="en-US" sz="3600" b="0" i="0" dirty="0">
+              <a:solidFill>
+                <a:srgbClr val="000000"/>
+              </a:solidFill>
+              <a:effectLst/>
+              <a:latin typeface="Open Sans" panose="020F0502020204030204" pitchFamily="34" charset="0"/>
+            </a:endParaRPr>
+          </a:p>
+          <a:p>
+            <a:pPr algn="l">
+              <a:buFont typeface="+mj-lt"/>
+              <a:buAutoNum type="arabicPeriod"/>
+            </a:pPr>
+            <a:r>
+              <a:rPr lang="en-US" sz="3600" b="1" i="0" dirty="0">
+                <a:solidFill>
+                  <a:srgbClr val="000000"/>
+                </a:solidFill>
+                <a:effectLst/>
+                <a:latin typeface="Open Sans" panose="020F0502020204030204" pitchFamily="34" charset="0"/>
               </a:rPr>
-              <a:t>Schr</a:t>
-            </a:r>
-            <a:r>
-              <a:rPr lang="es-DO">
-                <a:latin typeface="Arial" panose="020B0604020202020204" pitchFamily="34" charset="0"/>
-                <a:cs typeface="Arial" panose="020B0604020202020204" pitchFamily="34" charset="0"/>
+              <a:t>Method.</a:t>
+            </a:r>
+            <a:endParaRPr lang="en-US" sz="3600" b="0" i="0" dirty="0">
+              <a:solidFill>
+                <a:srgbClr val="000000"/>
+              </a:solidFill>
+              <a:effectLst/>
+              <a:latin typeface="Open Sans" panose="020F0502020204030204" pitchFamily="34" charset="0"/>
+            </a:endParaRPr>
+          </a:p>
+          <a:p>
+            <a:pPr algn="l">
+              <a:buFont typeface="+mj-lt"/>
+              <a:buAutoNum type="arabicPeriod"/>
+            </a:pPr>
+            <a:r>
+              <a:rPr lang="en-US" sz="3600" b="1" i="0" dirty="0">
+                <a:solidFill>
+                  <a:srgbClr val="000000"/>
+                </a:solidFill>
+                <a:effectLst/>
+                <a:latin typeface="Open Sans" panose="020F0502020204030204" pitchFamily="34" charset="0"/>
               </a:rPr>
-              <a:t>ödinger </a:t>
-            </a:r>
-            <a:r>
-              <a:rPr lang="en-US">
-                <a:latin typeface="Arial" panose="020B0604020202020204" pitchFamily="34" charset="0"/>
-                <a:cs typeface="Arial" panose="020B0604020202020204" pitchFamily="34" charset="0"/>
+              <a:t>Results.</a:t>
+            </a:r>
+            <a:endParaRPr lang="en-US" sz="3600" b="0" i="0" dirty="0">
+              <a:solidFill>
+                <a:srgbClr val="000000"/>
+              </a:solidFill>
+              <a:effectLst/>
+              <a:latin typeface="Open Sans" panose="020F0502020204030204" pitchFamily="34" charset="0"/>
+            </a:endParaRPr>
+          </a:p>
+          <a:p>
+            <a:pPr algn="l">
+              <a:buFont typeface="+mj-lt"/>
+              <a:buAutoNum type="arabicPeriod"/>
+            </a:pPr>
+            <a:r>
+              <a:rPr lang="en-US" sz="3600" b="1" dirty="0">
+                <a:solidFill>
+                  <a:srgbClr val="000000"/>
+                </a:solidFill>
+                <a:latin typeface="Open Sans" panose="020F0502020204030204" pitchFamily="34" charset="0"/>
               </a:rPr>
-              <a:t>published the famous </a:t>
-            </a:r>
-            <a:r>
-              <a:rPr lang="en-US" b="1" i="1" err="1">
-                <a:latin typeface="Arial" panose="020B0604020202020204" pitchFamily="34" charset="0"/>
-                <a:cs typeface="Arial" panose="020B0604020202020204" pitchFamily="34" charset="0"/>
+              <a:t>Conclusion</a:t>
+            </a:r>
+            <a:r>
+              <a:rPr lang="en-US" sz="3600" b="1" i="0" dirty="0">
+                <a:solidFill>
+                  <a:srgbClr val="000000"/>
+                </a:solidFill>
+                <a:effectLst/>
+                <a:latin typeface="Open Sans" panose="020F0502020204030204" pitchFamily="34" charset="0"/>
               </a:rPr>
-              <a:t>Schr</a:t>
-            </a:r>
-            <a:r>
-              <a:rPr lang="es-DO" b="1" i="1">
-                <a:latin typeface="Arial" panose="020B0604020202020204" pitchFamily="34" charset="0"/>
-                <a:cs typeface="Arial" panose="020B0604020202020204" pitchFamily="34" charset="0"/>
-              </a:rPr>
-              <a:t>ödinger </a:t>
-            </a:r>
-            <a:r>
-              <a:rPr lang="en-US" b="1" i="1">
-                <a:latin typeface="Arial" panose="020B0604020202020204" pitchFamily="34" charset="0"/>
-                <a:cs typeface="Arial" panose="020B0604020202020204" pitchFamily="34" charset="0"/>
-              </a:rPr>
-              <a:t>equation</a:t>
-            </a:r>
-            <a:r>
-              <a:rPr lang="es-DO">
-                <a:latin typeface="Arial" panose="020B0604020202020204" pitchFamily="34" charset="0"/>
-                <a:cs typeface="Arial" panose="020B0604020202020204" pitchFamily="34" charset="0"/>
-              </a:rPr>
-              <a:t>,</a:t>
-            </a:r>
-            <a:r>
-              <a:rPr lang="en-US">
-                <a:latin typeface="Arial" panose="020B0604020202020204" pitchFamily="34" charset="0"/>
-                <a:cs typeface="Arial" panose="020B0604020202020204" pitchFamily="34" charset="0"/>
-              </a:rPr>
-              <a:t> this equation describes the evolution of the electronic distribution in time within an atom using its kinetic energy and potential energy, in which the solution is known as “</a:t>
-            </a:r>
-            <a:r>
-              <a:rPr lang="en-US" b="1" i="1">
-                <a:latin typeface="Arial" panose="020B0604020202020204" pitchFamily="34" charset="0"/>
-                <a:cs typeface="Arial" panose="020B0604020202020204" pitchFamily="34" charset="0"/>
-              </a:rPr>
-              <a:t>the wave function</a:t>
-            </a:r>
-            <a:r>
-              <a:rPr lang="en-US">
-                <a:latin typeface="Arial" panose="020B0604020202020204" pitchFamily="34" charset="0"/>
-                <a:cs typeface="Arial" panose="020B0604020202020204" pitchFamily="34" charset="0"/>
-              </a:rPr>
-              <a:t>”.</a:t>
-            </a:r>
-            <a:endParaRPr lang="en-US" i="0">
+              <a:t>.</a:t>
+            </a:r>
+            <a:endParaRPr lang="en-US" sz="3600" b="0" i="0" dirty="0">
+              <a:solidFill>
+                <a:srgbClr val="000000"/>
+              </a:solidFill>
               <a:effectLst/>
-              <a:latin typeface="Arial" panose="020B0604020202020204" pitchFamily="34" charset="0"/>
-              <a:cs typeface="Arial" panose="020B0604020202020204" pitchFamily="34" charset="0"/>
-            </a:endParaRPr>
-          </a:p>
-          <a:p>
-            <a:endParaRPr lang="en-US">
-              <a:latin typeface="Arial" panose="020B0604020202020204" pitchFamily="34" charset="0"/>
-              <a:cs typeface="Arial" panose="020B0604020202020204" pitchFamily="34" charset="0"/>
-            </a:endParaRPr>
-          </a:p>
-          <a:p>
-            <a:r>
-              <a:rPr lang="en-US" b="0" i="0">
-                <a:effectLst/>
-                <a:latin typeface="Arial" panose="020B0604020202020204" pitchFamily="34" charset="0"/>
-                <a:cs typeface="Arial" panose="020B0604020202020204" pitchFamily="34" charset="0"/>
-              </a:rPr>
-              <a:t>The </a:t>
-            </a:r>
-            <a:r>
-              <a:rPr lang="en-US" b="1" i="0">
-                <a:effectLst/>
-                <a:latin typeface="Arial" panose="020B0604020202020204" pitchFamily="34" charset="0"/>
-                <a:cs typeface="Arial" panose="020B0604020202020204" pitchFamily="34" charset="0"/>
-              </a:rPr>
-              <a:t>time-dependent Schrödinger equation (TDSE)</a:t>
-            </a:r>
-            <a:r>
-              <a:rPr lang="en-US" b="0" i="0">
-                <a:effectLst/>
-                <a:latin typeface="Arial" panose="020B0604020202020204" pitchFamily="34" charset="0"/>
-                <a:cs typeface="Arial" panose="020B0604020202020204" pitchFamily="34" charset="0"/>
-              </a:rPr>
-              <a:t> is one of the most important equations in physics and modern science. Its significance lies in its ability to describe how quantum systems evolve over time, enabling predictions about the behavior of particles at atomic and subatomic scales. This equation states the basis of Quantum mechanics, Quantum Encryption</a:t>
-            </a:r>
-            <a:r>
-              <a:rPr lang="en-US">
-                <a:latin typeface="Arial" panose="020B0604020202020204" pitchFamily="34" charset="0"/>
-                <a:cs typeface="Arial" panose="020B0604020202020204" pitchFamily="34" charset="0"/>
-              </a:rPr>
-              <a:t>, Quantum simulations and quantum algorithms (Like Shor and Grover.)</a:t>
-            </a:r>
-            <a:endParaRPr lang="en-US">
-              <a:latin typeface="Arial" panose="020B0604020202020204" pitchFamily="34" charset="0"/>
-              <a:ea typeface="Apple SD Gothic Neo" panose="02000300000000000000" pitchFamily="2" charset="-127"/>
-              <a:cs typeface="Arial" panose="020B0604020202020204" pitchFamily="34" charset="0"/>
+              <a:latin typeface="Open Sans" panose="020F0502020204030204" pitchFamily="34" charset="0"/>
             </a:endParaRPr>
           </a:p>
         </p:txBody>
@@ -6838,7 +7580,7 @@
         <p:cNvPr id="1" name="">
           <a:extLst>
             <a:ext uri="{FF2B5EF4-FFF2-40B4-BE49-F238E27FC236}">
-              <a16:creationId xmlns:a16="http://schemas.microsoft.com/office/drawing/2014/main" id="{AE881846-80B0-E2C0-1031-FFECBAB01D5B}"/>
+              <a16:creationId xmlns:a16="http://schemas.microsoft.com/office/drawing/2014/main" id="{12E1933A-73B4-31DB-87C9-50EB2E659FBA}"/>
             </a:ext>
           </a:extLst>
         </p:cNvPr>
@@ -6858,7 +7600,7 @@
           <p:cNvPr id="4" name="Rectangle2">
             <a:extLst>
               <a:ext uri="{FF2B5EF4-FFF2-40B4-BE49-F238E27FC236}">
-                <a16:creationId xmlns:a16="http://schemas.microsoft.com/office/drawing/2014/main" id="{DF82C90A-E5AF-3D7A-D044-A1F1A0516547}"/>
+                <a16:creationId xmlns:a16="http://schemas.microsoft.com/office/drawing/2014/main" id="{8BA4DECE-4062-56A3-37BA-60BEAA98EFD1}"/>
               </a:ext>
             </a:extLst>
           </p:cNvPr>
@@ -6915,7 +7657,7 @@
           <p:cNvPr id="5" name="Rectangle1">
             <a:extLst>
               <a:ext uri="{FF2B5EF4-FFF2-40B4-BE49-F238E27FC236}">
-                <a16:creationId xmlns:a16="http://schemas.microsoft.com/office/drawing/2014/main" id="{CDFE30B9-0F8C-AA92-2B80-B6744E1011F2}"/>
+                <a16:creationId xmlns:a16="http://schemas.microsoft.com/office/drawing/2014/main" id="{8BDE7A42-6BA8-A841-6508-05B91E0E71F5}"/>
               </a:ext>
             </a:extLst>
           </p:cNvPr>
@@ -6964,13 +7706,13 @@
               </a:defRPr>
             </a:pPr>
             <a:r>
-              <a:rPr lang="en-US" sz="2800" dirty="0">
+              <a:rPr lang="en-US" sz="2800">
                 <a:latin typeface="Arial"/>
                 <a:cs typeface="Arial"/>
               </a:rPr>
-              <a:t>Background: Brief description of the equation.</a:t>
-            </a:r>
-            <a:endParaRPr lang="en-US" dirty="0"/>
+              <a:t>Motivation</a:t>
+            </a:r>
+            <a:endParaRPr lang="en-US"/>
           </a:p>
         </p:txBody>
       </p:sp>
@@ -6979,7 +7721,7 @@
           <p:cNvPr id="19" name="Rectangle1">
             <a:extLst>
               <a:ext uri="{FF2B5EF4-FFF2-40B4-BE49-F238E27FC236}">
-                <a16:creationId xmlns:a16="http://schemas.microsoft.com/office/drawing/2014/main" id="{CC02B924-5B7D-8A4B-C640-D6CB8726C448}"/>
+                <a16:creationId xmlns:a16="http://schemas.microsoft.com/office/drawing/2014/main" id="{64230A07-EFCD-5797-1D61-6C84F1CAF312}"/>
               </a:ext>
             </a:extLst>
           </p:cNvPr>
@@ -7036,6 +7778,424 @@
           <p:cNvPr id="18" name="TextBox 17">
             <a:extLst>
               <a:ext uri="{FF2B5EF4-FFF2-40B4-BE49-F238E27FC236}">
+                <a16:creationId xmlns:a16="http://schemas.microsoft.com/office/drawing/2014/main" id="{17E69069-2E43-2A77-E464-AF93F56C51BB}"/>
+              </a:ext>
+            </a:extLst>
+          </p:cNvPr>
+          <p:cNvSpPr txBox="1"/>
+          <p:nvPr/>
+        </p:nvSpPr>
+        <p:spPr>
+          <a:xfrm>
+            <a:off x="68580" y="910828"/>
+            <a:ext cx="7148945" cy="461665"/>
+          </a:xfrm>
+          <a:prstGeom prst="rect">
+            <a:avLst/>
+          </a:prstGeom>
+          <a:noFill/>
+        </p:spPr>
+        <p:txBody>
+          <a:bodyPr wrap="none" lIns="91440" tIns="45720" rIns="91440" bIns="45720" rtlCol="0" anchor="t">
+            <a:spAutoFit/>
+          </a:bodyPr>
+          <a:lstStyle/>
+          <a:p>
+            <a:r>
+              <a:rPr lang="en-US" sz="2400" b="1" i="1">
+                <a:latin typeface="Arial"/>
+                <a:ea typeface="Apple SD Gothic Neo"/>
+                <a:cs typeface="Arial"/>
+              </a:rPr>
+              <a:t>The 1D Time-dependent Schrödinger Equation: </a:t>
+            </a:r>
+          </a:p>
+        </p:txBody>
+      </p:sp>
+      <p:sp>
+        <p:nvSpPr>
+          <p:cNvPr id="20" name="TextBox 19">
+            <a:extLst>
+              <a:ext uri="{FF2B5EF4-FFF2-40B4-BE49-F238E27FC236}">
+                <a16:creationId xmlns:a16="http://schemas.microsoft.com/office/drawing/2014/main" id="{935C6A6D-CB3F-D0F9-9E10-FA351DCA7DC4}"/>
+              </a:ext>
+            </a:extLst>
+          </p:cNvPr>
+          <p:cNvSpPr txBox="1"/>
+          <p:nvPr/>
+        </p:nvSpPr>
+        <p:spPr>
+          <a:xfrm>
+            <a:off x="68580" y="1429881"/>
+            <a:ext cx="11844020" cy="3416320"/>
+          </a:xfrm>
+          <a:prstGeom prst="rect">
+            <a:avLst/>
+          </a:prstGeom>
+          <a:noFill/>
+        </p:spPr>
+        <p:txBody>
+          <a:bodyPr wrap="square" rtlCol="0">
+            <a:spAutoFit/>
+          </a:bodyPr>
+          <a:lstStyle/>
+          <a:p>
+            <a:r>
+              <a:rPr lang="en-US" b="0" i="0">
+                <a:effectLst/>
+                <a:latin typeface="Arial" panose="020B0604020202020204" pitchFamily="34" charset="0"/>
+                <a:cs typeface="Arial" panose="020B0604020202020204" pitchFamily="34" charset="0"/>
+              </a:rPr>
+              <a:t>Mechanics is a very important topic, not only in physics, but also in math, because describing the position of one body in a certain time can lead to better models and deeper knowledge </a:t>
+            </a:r>
+            <a:r>
+              <a:rPr lang="en-US">
+                <a:latin typeface="Arial" panose="020B0604020202020204" pitchFamily="34" charset="0"/>
+                <a:cs typeface="Arial" panose="020B0604020202020204" pitchFamily="34" charset="0"/>
+              </a:rPr>
+              <a:t>of the reality, in the early 1900s Einstein, Bohr, Heisenberg and many brilliant scientists were trying to understand how electrons were distributed along the volume of the atom, it is important because it can help to analyze how chemical reactions happens and also return conclusions of certain atomic phenomena previously observed. In 1926 the physicist Erwin </a:t>
+            </a:r>
+            <a:r>
+              <a:rPr lang="en-US" err="1">
+                <a:latin typeface="Arial" panose="020B0604020202020204" pitchFamily="34" charset="0"/>
+                <a:cs typeface="Arial" panose="020B0604020202020204" pitchFamily="34" charset="0"/>
+              </a:rPr>
+              <a:t>Schr</a:t>
+            </a:r>
+            <a:r>
+              <a:rPr lang="es-DO">
+                <a:latin typeface="Arial" panose="020B0604020202020204" pitchFamily="34" charset="0"/>
+                <a:cs typeface="Arial" panose="020B0604020202020204" pitchFamily="34" charset="0"/>
+              </a:rPr>
+              <a:t>ödinger </a:t>
+            </a:r>
+            <a:r>
+              <a:rPr lang="en-US">
+                <a:latin typeface="Arial" panose="020B0604020202020204" pitchFamily="34" charset="0"/>
+                <a:cs typeface="Arial" panose="020B0604020202020204" pitchFamily="34" charset="0"/>
+              </a:rPr>
+              <a:t>published the famous </a:t>
+            </a:r>
+            <a:r>
+              <a:rPr lang="en-US" b="1" i="1" err="1">
+                <a:latin typeface="Arial" panose="020B0604020202020204" pitchFamily="34" charset="0"/>
+                <a:cs typeface="Arial" panose="020B0604020202020204" pitchFamily="34" charset="0"/>
+              </a:rPr>
+              <a:t>Schr</a:t>
+            </a:r>
+            <a:r>
+              <a:rPr lang="es-DO" b="1" i="1">
+                <a:latin typeface="Arial" panose="020B0604020202020204" pitchFamily="34" charset="0"/>
+                <a:cs typeface="Arial" panose="020B0604020202020204" pitchFamily="34" charset="0"/>
+              </a:rPr>
+              <a:t>ödinger </a:t>
+            </a:r>
+            <a:r>
+              <a:rPr lang="en-US" b="1" i="1">
+                <a:latin typeface="Arial" panose="020B0604020202020204" pitchFamily="34" charset="0"/>
+                <a:cs typeface="Arial" panose="020B0604020202020204" pitchFamily="34" charset="0"/>
+              </a:rPr>
+              <a:t>equation</a:t>
+            </a:r>
+            <a:r>
+              <a:rPr lang="es-DO">
+                <a:latin typeface="Arial" panose="020B0604020202020204" pitchFamily="34" charset="0"/>
+                <a:cs typeface="Arial" panose="020B0604020202020204" pitchFamily="34" charset="0"/>
+              </a:rPr>
+              <a:t>,</a:t>
+            </a:r>
+            <a:r>
+              <a:rPr lang="en-US">
+                <a:latin typeface="Arial" panose="020B0604020202020204" pitchFamily="34" charset="0"/>
+                <a:cs typeface="Arial" panose="020B0604020202020204" pitchFamily="34" charset="0"/>
+              </a:rPr>
+              <a:t> this equation describes the evolution of the electronic distribution in time within an atom using its kinetic energy and potential energy, in which the solution is known as “</a:t>
+            </a:r>
+            <a:r>
+              <a:rPr lang="en-US" b="1" i="1">
+                <a:latin typeface="Arial" panose="020B0604020202020204" pitchFamily="34" charset="0"/>
+                <a:cs typeface="Arial" panose="020B0604020202020204" pitchFamily="34" charset="0"/>
+              </a:rPr>
+              <a:t>the wave function</a:t>
+            </a:r>
+            <a:r>
+              <a:rPr lang="en-US">
+                <a:latin typeface="Arial" panose="020B0604020202020204" pitchFamily="34" charset="0"/>
+                <a:cs typeface="Arial" panose="020B0604020202020204" pitchFamily="34" charset="0"/>
+              </a:rPr>
+              <a:t>”.</a:t>
+            </a:r>
+            <a:endParaRPr lang="en-US" i="0">
+              <a:effectLst/>
+              <a:latin typeface="Arial" panose="020B0604020202020204" pitchFamily="34" charset="0"/>
+              <a:cs typeface="Arial" panose="020B0604020202020204" pitchFamily="34" charset="0"/>
+            </a:endParaRPr>
+          </a:p>
+          <a:p>
+            <a:endParaRPr lang="en-US">
+              <a:latin typeface="Arial" panose="020B0604020202020204" pitchFamily="34" charset="0"/>
+              <a:cs typeface="Arial" panose="020B0604020202020204" pitchFamily="34" charset="0"/>
+            </a:endParaRPr>
+          </a:p>
+          <a:p>
+            <a:r>
+              <a:rPr lang="en-US" b="0" i="0">
+                <a:effectLst/>
+                <a:latin typeface="Arial" panose="020B0604020202020204" pitchFamily="34" charset="0"/>
+                <a:cs typeface="Arial" panose="020B0604020202020204" pitchFamily="34" charset="0"/>
+              </a:rPr>
+              <a:t>The </a:t>
+            </a:r>
+            <a:r>
+              <a:rPr lang="en-US" b="1" i="0">
+                <a:effectLst/>
+                <a:latin typeface="Arial" panose="020B0604020202020204" pitchFamily="34" charset="0"/>
+                <a:cs typeface="Arial" panose="020B0604020202020204" pitchFamily="34" charset="0"/>
+              </a:rPr>
+              <a:t>time-dependent Schrödinger equation (TDSE)</a:t>
+            </a:r>
+            <a:r>
+              <a:rPr lang="en-US" b="0" i="0">
+                <a:effectLst/>
+                <a:latin typeface="Arial" panose="020B0604020202020204" pitchFamily="34" charset="0"/>
+                <a:cs typeface="Arial" panose="020B0604020202020204" pitchFamily="34" charset="0"/>
+              </a:rPr>
+              <a:t> is one of the most important equations in physics and modern science. Its significance lies in its ability to describe how quantum systems evolve over time, enabling predictions about the behavior of particles at atomic and subatomic scales. This equation states the basis of Quantum mechanics, Quantum Encryption</a:t>
+            </a:r>
+            <a:r>
+              <a:rPr lang="en-US">
+                <a:latin typeface="Arial" panose="020B0604020202020204" pitchFamily="34" charset="0"/>
+                <a:cs typeface="Arial" panose="020B0604020202020204" pitchFamily="34" charset="0"/>
+              </a:rPr>
+              <a:t>, Quantum simulations and quantum algorithms (Like Shor and Grover.)</a:t>
+            </a:r>
+            <a:endParaRPr lang="en-US">
+              <a:latin typeface="Arial" panose="020B0604020202020204" pitchFamily="34" charset="0"/>
+              <a:ea typeface="Apple SD Gothic Neo" panose="02000300000000000000" pitchFamily="2" charset="-127"/>
+              <a:cs typeface="Arial" panose="020B0604020202020204" pitchFamily="34" charset="0"/>
+            </a:endParaRPr>
+          </a:p>
+        </p:txBody>
+      </p:sp>
+    </p:spTree>
+    <p:extLst>
+      <p:ext uri="{BB962C8B-B14F-4D97-AF65-F5344CB8AC3E}">
+        <p14:creationId xmlns:p14="http://schemas.microsoft.com/office/powerpoint/2010/main" val="3355601"/>
+      </p:ext>
+    </p:extLst>
+  </p:cSld>
+  <p:clrMapOvr>
+    <a:masterClrMapping/>
+  </p:clrMapOvr>
+</p:sld>
+</file>
+
+<file path=ppt/slides/slide4.xml><?xml version="1.0" encoding="utf-8"?>
+<p:sld xmlns:a="http://schemas.openxmlformats.org/drawingml/2006/main" xmlns:r="http://schemas.openxmlformats.org/officeDocument/2006/relationships" xmlns:p="http://schemas.openxmlformats.org/presentationml/2006/main">
+  <p:cSld>
+    <p:spTree>
+      <p:nvGrpSpPr>
+        <p:cNvPr id="1" name="">
+          <a:extLst>
+            <a:ext uri="{FF2B5EF4-FFF2-40B4-BE49-F238E27FC236}">
+              <a16:creationId xmlns:a16="http://schemas.microsoft.com/office/drawing/2014/main" id="{AE881846-80B0-E2C0-1031-FFECBAB01D5B}"/>
+            </a:ext>
+          </a:extLst>
+        </p:cNvPr>
+        <p:cNvGrpSpPr/>
+        <p:nvPr/>
+      </p:nvGrpSpPr>
+      <p:grpSpPr>
+        <a:xfrm>
+          <a:off x="0" y="0"/>
+          <a:ext cx="0" cy="0"/>
+          <a:chOff x="0" y="0"/>
+          <a:chExt cx="0" cy="0"/>
+        </a:xfrm>
+      </p:grpSpPr>
+      <p:sp>
+        <p:nvSpPr>
+          <p:cNvPr id="4" name="Rectangle2">
+            <a:extLst>
+              <a:ext uri="{FF2B5EF4-FFF2-40B4-BE49-F238E27FC236}">
+                <a16:creationId xmlns:a16="http://schemas.microsoft.com/office/drawing/2014/main" id="{DF82C90A-E5AF-3D7A-D044-A1F1A0516547}"/>
+              </a:ext>
+            </a:extLst>
+          </p:cNvPr>
+          <p:cNvSpPr>
+            <a:extLst>
+              <a:ext uri="smNativeData">
+                <pr:smNativeData xmlns="smNativeData" xmlns:pr="smNativeData" xmlns:p15="http://schemas.microsoft.com/office/powerpoint/2012/main" xmlns:p14="http://schemas.microsoft.com/office/powerpoint/2010/main" xmlns:mc="http://schemas.openxmlformats.org/markup-compatibility/2006" val="SMDATA_15_H0jYZxMAAAAlAAAAZAAAAA8BAAAAkAAAAEgAAACQAAAASAAAAAAAAAABAAAAAAAAAAEAAABQAAAAAAAAAAAA4D8AAAAAAADgPwAAAAAAAOA/AAAAAAAA4D8AAAAAAADgPwAAAAAAAOA/AAAAAAAA4D8AAAAAAADgPwAAAAAAAOA/AAAAAAAA4D8CAAAAjAAAAAEAAAAAAAAA9IEfAP///wgAAAAAAAAAAAAAAAAAAAAAAAAAAAAAAAAAAAAAZAAAAAEAAABAAAAAAAAAAAAAAAAAAAAAAAAAAAAAAAAAAAAAAAAAAAAAAAAAAAAAAAAAAAAAAAAAAAAAAAAAAAAAAAAAAAAAAAAAAAAAAAAAAAAAAAAAAAAAAAAAAAAAFAAAADwAAAABAAAAAAAAAPSBHwAUAAAAAQAAABQAAAAUAAAAFAAAAAEAAAAAAAAAZAAAAGQAAAAAAAAAZAAAAGQAAAAVAAAAYAAAAAAAAAAAAAAADwAAACADAAAAAAAAAAAAAAEAAACgMgAAAAAAAAAAAAABAAAAf39/AAEAAABkAAAAAAAAABQAAABAHwAAAAAAACYAAAAAAAAAwOD//wAAAAAmAAAAZAAAABYAAABMAAAAAAAAAAAAAAAEAAAAAAAAAAEAAACAgIAKAAAAACgAAAAoAAAAZAAAAGQAAAAAAAAAzMzMAAAAAABQAAAAUAAAAGQAAABkAAAAAAAAABcAAAAUAAAAAAAAAAAAAAD/fwAA/38AAAAAAAAJAAAABAAAACUAAAAeAAAAaAAAAAAAAAAAAAAAAAAAAAAAAAAAAAAAECcAABAnAAAAAAAAAAAAAAAAAAAAAAAAAAAAAAAAAAAAAAAAAAAAABQAAAAAAAAAwMD/AAAAAABkAAAAMgAAAAAAAABkAAAAAAAAAH9/fwAKAAAAIgAAABgAAAAAAAAAAAAAAAAAAAAAAAAAAAAAAAAAAAAkAAAAJAAAAAAAAAAHAAAAAAAAAAAAAAAAAAAAAAAAAAAAAAAAAAAAf39/ACUAAABYAAAAAAAAAAAAAAAAAAAAAAAAAAAAAAAAAAAAAAAAAAAAAAAAAAAAAAAAAAAAAAA/AAAAAAAAAKCGAQAAAAAAAAAAAAAAAAAMAAAAAQAAAAAAAAAAAAAAAAAAAB8AAABUAAAA9IEfAP///wEAAAAAAAAAAAAAAAAAAAAAAAAAAAAAAAAAAAAAAAAAAPSBHwB/f38AgICAA8zMzADAwP8Af39/AAAAAAAAAAAAAAAAAAAAAAAAAAAAIQAAABgAAAAUAAAA9P////T///+DBwAAQAUAABAAAAAmAAAACAAAAP//////////"/>
+              </a:ext>
+            </a:extLst>
+          </p:cNvSpPr>
+          <p:nvPr/>
+        </p:nvSpPr>
+        <p:spPr>
+          <a:xfrm>
+            <a:off x="-7620" y="-7620"/>
+            <a:ext cx="1228725" cy="861060"/>
+          </a:xfrm>
+          <a:prstGeom prst="rect">
+            <a:avLst/>
+          </a:prstGeom>
+          <a:solidFill>
+            <a:srgbClr val="F4811F"/>
+          </a:solidFill>
+          <a:ln w="12700" cap="flat" cmpd="sng" algn="ctr">
+            <a:solidFill>
+              <a:srgbClr val="F4811F"/>
+            </a:solidFill>
+            <a:prstDash val="solid"/>
+            <a:headEnd type="none"/>
+            <a:tailEnd type="none"/>
+          </a:ln>
+          <a:effectLst/>
+        </p:spPr>
+        <p:txBody>
+          <a:bodyPr vert="horz" wrap="square" numCol="1" spcCol="215900" anchor="ctr"/>
+          <a:lstStyle/>
+          <a:p>
+            <a:pPr algn="ctr">
+              <a:defRPr sz="2600" b="1" cap="none">
+                <a:solidFill>
+                  <a:schemeClr val="bg1"/>
+                </a:solidFill>
+                <a:latin typeface="Arial" pitchFamily="2" charset="0"/>
+                <a:ea typeface="Arial" pitchFamily="2" charset="0"/>
+                <a:cs typeface="Arial" pitchFamily="2" charset="0"/>
+              </a:defRPr>
+            </a:pPr>
+            <a:endParaRPr/>
+          </a:p>
+        </p:txBody>
+      </p:sp>
+      <p:sp>
+        <p:nvSpPr>
+          <p:cNvPr id="5" name="Rectangle1">
+            <a:extLst>
+              <a:ext uri="{FF2B5EF4-FFF2-40B4-BE49-F238E27FC236}">
+                <a16:creationId xmlns:a16="http://schemas.microsoft.com/office/drawing/2014/main" id="{CDFE30B9-0F8C-AA92-2B80-B6744E1011F2}"/>
+              </a:ext>
+            </a:extLst>
+          </p:cNvPr>
+          <p:cNvSpPr>
+            <a:extLst>
+              <a:ext uri="smNativeData">
+                <pr:smNativeData xmlns="smNativeData" xmlns:pr="smNativeData" xmlns:p15="http://schemas.microsoft.com/office/powerpoint/2012/main" xmlns:p14="http://schemas.microsoft.com/office/powerpoint/2010/main" xmlns:mc="http://schemas.openxmlformats.org/markup-compatibility/2006" val="SMDATA_15_H0jYZxMAAAAlAAAAZAAAAA8BAAAAkAAAAEgAAACQAAAASAAAAAAAAAABAAAAAAAAAAEAAABQAAAAAAAAAAAA4D8AAAAAAADgPwAAAAAAAOA/AAAAAAAA4D8AAAAAAADgPwAAAAAAAOA/AAAAAAAA4D8AAAAAAADgPwAAAAAAAOA/AAAAAAAA4D8CAAAAjAAAAAEAAAAAAAAACB5AAP///wgAAAAAAAAAAAAAAAAAAAAAAAAAAAAAAAAAAAAAZAAAAAEAAABAAAAAAAAAAAAAAAAAAAAAAAAAAAAAAAAAAAAAAAAAAAAAAAAAAAAAAAAAAAAAAAAAAAAAAAAAAAAAAAAAAAAAAAAAAAAAAAAAAAAAAAAAAAAAAAAAAAAAFAAAADwAAAABAAAAAAAAAAUbQwAUAAAAAQAAABQAAAAUAAAAFAAAAAEAAAAAAAAAZAAAAGQAAAAAAAAAZAAAAGQAAAAVAAAAYAAAAAAAAAAAAAAADwAAACADAAAAAAAAAAAAAAEAAACgMgAAAAAAAAAAAAABAAAAf39/AAEAAABkAAAAAAAAABQAAABAHwAAAAAAACYAAAAAAAAAwOD//wAAAAAmAAAAZAAAABYAAABMAAAAAAAAAAAAAAAEAAAAAAAAAAEAAACAgIAKAAAAACgAAAAoAAAAZAAAAGQAAAAAAAAAzMzMAAAAAABQAAAAUAAAAGQAAABkAAAAAAAAABcAAAAUAAAAAAAAAAAAAAD/fwAA/38AAAAAAAAJAAAABAAAADAcAAAeAAAAaAAAAAAAAAAAAAAAAAAAAAAAAAAAAAAAECcAABAnAAAAAAAAAAAAAAAAAAAAAAAAAAAAAAAAAAAAAAAAAAAAABQAAAAAAAAAwMD/AAAAAABkAAAAMgAAAAAAAABkAAAAAAAAAH9/fwAKAAAAIgAAABgAAAAAAAAAAAAAAAAAAAAAAAAAAAAAAAAAAAAkAAAAJAAAAAAAAAAHAAAAAAAAAAAAAAAAAAAAAAAAAAAAAAAAAAAAf39/ACUAAABYAAAAAAAAAAAAAAAAAAAAAAAAAAAAAAAAAAAAAAAAAAAAAAAAAAAAAAAAAAAAAAA/AAAAAAAAAKCGAQAAAAAAAAAAAAAAAAAMAAAAAQAAAAAAAAAAAAAAAAAAAB8AAABUAAAACB5AAP///wEAAAAAAAAAAAAAAAAAAAAAAAAAAAAAAAAAAAAAAAAAAAUbQwB/f38AgICAA8zMzADAwP8Af39/AAAAAAAAAAAAAAAAAAAAAAAAAAAAIQAAABgAAAAUAAAA2wQAAPT///8YSwAAQAUAABAAAAAmAAAACAAAAP//////////"/>
+              </a:ext>
+            </a:extLst>
+          </p:cNvSpPr>
+          <p:nvPr/>
+        </p:nvSpPr>
+        <p:spPr>
+          <a:xfrm>
+            <a:off x="789305" y="-7620"/>
+            <a:ext cx="11417935" cy="861060"/>
+          </a:xfrm>
+          <a:prstGeom prst="rect">
+            <a:avLst/>
+          </a:prstGeom>
+          <a:solidFill>
+            <a:srgbClr val="081E40"/>
+          </a:solidFill>
+          <a:ln w="12700" cap="flat" cmpd="sng" algn="ctr">
+            <a:solidFill>
+              <a:srgbClr val="051B43"/>
+            </a:solidFill>
+            <a:prstDash val="solid"/>
+            <a:headEnd type="none"/>
+            <a:tailEnd type="none"/>
+          </a:ln>
+          <a:effectLst/>
+        </p:spPr>
+        <p:txBody>
+          <a:bodyPr vert="horz" wrap="square" lIns="91440" tIns="45720" rIns="91440" bIns="45720" numCol="1" spcCol="215900" anchor="ctr"/>
+          <a:lstStyle/>
+          <a:p>
+            <a:pPr algn="ctr">
+              <a:defRPr sz="2600" b="1" cap="none">
+                <a:solidFill>
+                  <a:schemeClr val="bg1"/>
+                </a:solidFill>
+                <a:latin typeface="Arial" pitchFamily="2" charset="0"/>
+                <a:ea typeface="Arial" pitchFamily="2" charset="0"/>
+                <a:cs typeface="Arial" pitchFamily="2" charset="0"/>
+              </a:defRPr>
+            </a:pPr>
+            <a:r>
+              <a:rPr lang="en-US" sz="2800" dirty="0">
+                <a:latin typeface="Arial"/>
+                <a:cs typeface="Arial"/>
+              </a:rPr>
+              <a:t>Background: Brief description of the equation.</a:t>
+            </a:r>
+            <a:endParaRPr lang="en-US" dirty="0"/>
+          </a:p>
+        </p:txBody>
+      </p:sp>
+      <p:sp>
+        <p:nvSpPr>
+          <p:cNvPr id="19" name="Rectangle1">
+            <a:extLst>
+              <a:ext uri="{FF2B5EF4-FFF2-40B4-BE49-F238E27FC236}">
+                <a16:creationId xmlns:a16="http://schemas.microsoft.com/office/drawing/2014/main" id="{CC02B924-5B7D-8A4B-C640-D6CB8726C448}"/>
+              </a:ext>
+            </a:extLst>
+          </p:cNvPr>
+          <p:cNvSpPr>
+            <a:extLst>
+              <a:ext uri="smNativeData">
+                <pr:smNativeData xmlns:mc="http://schemas.openxmlformats.org/markup-compatibility/2006" xmlns:p14="http://schemas.microsoft.com/office/powerpoint/2010/main" xmlns:p15="http://schemas.microsoft.com/office/powerpoint/2012/main" xmlns:pr="smNativeData" xmlns="smNativeData" val="SMDATA_15_H0jYZxMAAAAlAAAAZAAAAA8BAAAAkAAAAEgAAACQAAAASAAAAAAAAAABAAAAAAAAAAEAAABQAAAAAAAAAAAA4D8AAAAAAADgPwAAAAAAAOA/AAAAAAAA4D8AAAAAAADgPwAAAAAAAOA/AAAAAAAA4D8AAAAAAADgPwAAAAAAAOA/AAAAAAAA4D8CAAAAjAAAAAEAAAAAAAAACB5AAP///wgAAAAAAAAAAAAAAAAAAAAAAAAAAAAAAAAAAAAAZAAAAAEAAABAAAAAAAAAAAAAAAAAAAAAAAAAAAAAAAAAAAAAAAAAAAAAAAAAAAAAAAAAAAAAAAAAAAAAAAAAAAAAAAAAAAAAAAAAAAAAAAAAAAAAAAAAAAAAAAAAAAAAFAAAADwAAAABAAAAAAAAAAUbQwAUAAAAAQAAABQAAAAUAAAAFAAAAAEAAAAAAAAAZAAAAGQAAAAAAAAAZAAAAGQAAAAVAAAAYAAAAAAAAAAAAAAADwAAACADAAAAAAAAAAAAAAEAAACgMgAAAAAAAAAAAAABAAAAf39/AAEAAABkAAAAAAAAABQAAABAHwAAAAAAACYAAAAAAAAAwOD//wAAAAAmAAAAZAAAABYAAABMAAAAAAAAAAAAAAAEAAAAAAAAAAEAAACAgIAKAAAAACgAAAAoAAAAZAAAAGQAAAAAAAAAzMzMAAAAAABQAAAAUAAAAGQAAABkAAAAAAAAABcAAAAUAAAAAAAAAAAAAAD/fwAA/38AAAAAAAAJAAAABAAAADAcAAAeAAAAaAAAAAAAAAAAAAAAAAAAAAAAAAAAAAAAECcAABAnAAAAAAAAAAAAAAAAAAAAAAAAAAAAAAAAAAAAAAAAAAAAABQAAAAAAAAAwMD/AAAAAABkAAAAMgAAAAAAAABkAAAAAAAAAH9/fwAKAAAAIgAAABgAAAAAAAAAAAAAAAAAAAAAAAAAAAAAAAAAAAAkAAAAJAAAAAAAAAAHAAAAAAAAAAAAAAAAAAAAAAAAAAAAAAAAAAAAf39/ACUAAABYAAAAAAAAAAAAAAAAAAAAAAAAAAAAAAAAAAAAAAAAAAAAAAAAAAAAAAAAAAAAAAA/AAAAAAAAAKCGAQAAAAAAAAAAAAAAAAAMAAAAAQAAAAAAAAAAAAAAAAAAAB8AAABUAAAACB5AAP///wEAAAAAAAAAAAAAAAAAAAAAAAAAAAAAAAAAAAAAAAAAAAUbQwB/f38AgICAA8zMzADAwP8Af39/AAAAAAAAAAAAAAAAAAAAAAAAAAAAIQAAABgAAAAUAAAA2wQAAPT///8YSwAAQAUAABAAAAAmAAAACAAAAP//////////"/>
+              </a:ext>
+            </a:extLst>
+          </p:cNvSpPr>
+          <p:nvPr/>
+        </p:nvSpPr>
+        <p:spPr>
+          <a:xfrm>
+            <a:off x="-16172" y="6469380"/>
+            <a:ext cx="12223412" cy="403860"/>
+          </a:xfrm>
+          <a:prstGeom prst="rect">
+            <a:avLst/>
+          </a:prstGeom>
+          <a:solidFill>
+            <a:srgbClr val="081E40"/>
+          </a:solidFill>
+          <a:ln w="12700" cap="flat" cmpd="sng" algn="ctr">
+            <a:solidFill>
+              <a:srgbClr val="051B43"/>
+            </a:solidFill>
+            <a:prstDash val="solid"/>
+            <a:headEnd type="none"/>
+            <a:tailEnd type="none"/>
+          </a:ln>
+          <a:effectLst/>
+        </p:spPr>
+        <p:txBody>
+          <a:bodyPr vert="horz" wrap="square" lIns="91440" tIns="45720" rIns="91440" bIns="45720" numCol="1" spcCol="215900" anchor="ctr"/>
+          <a:lstStyle/>
+          <a:p>
+            <a:pPr algn="ctr">
+              <a:defRPr sz="2600" b="1" cap="none">
+                <a:solidFill>
+                  <a:schemeClr val="bg1"/>
+                </a:solidFill>
+                <a:latin typeface="Arial" pitchFamily="2" charset="0"/>
+                <a:ea typeface="Arial" pitchFamily="2" charset="0"/>
+                <a:cs typeface="Arial" pitchFamily="2" charset="0"/>
+              </a:defRPr>
+            </a:pPr>
+            <a:endParaRPr lang="en-US"/>
+          </a:p>
+        </p:txBody>
+      </p:sp>
+      <p:sp>
+        <p:nvSpPr>
+          <p:cNvPr id="18" name="TextBox 17">
+            <a:extLst>
+              <a:ext uri="{FF2B5EF4-FFF2-40B4-BE49-F238E27FC236}">
                 <a16:creationId xmlns:a16="http://schemas.microsoft.com/office/drawing/2014/main" id="{7DEB4863-5F3E-C93B-E18D-930A69BF61CD}"/>
               </a:ext>
             </a:extLst>
@@ -7117,8 +8277,8 @@
           </a:extLst>
         </p:spPr>
       </p:pic>
-      <mc:AlternateContent xmlns:mc="http://schemas.openxmlformats.org/markup-compatibility/2006">
-        <mc:Choice xmlns:a14="http://schemas.microsoft.com/office/drawing/2010/main" Requires="a14">
+      <mc:AlternateContent xmlns:mc="http://schemas.openxmlformats.org/markup-compatibility/2006" xmlns:a14="http://schemas.microsoft.com/office/drawing/2010/main">
+        <mc:Choice Requires="a14">
           <p:sp>
             <p:nvSpPr>
               <p:cNvPr id="6" name="TextBox 5">
@@ -7147,6 +8307,7 @@
               </a:bodyPr>
               <a:lstStyle/>
               <a:p>
+                <a:pPr/>
                 <a14:m>
                   <m:oMathPara xmlns:m="http://schemas.openxmlformats.org/officeDocument/2006/math">
                     <m:oMathParaPr>
@@ -7405,6 +8566,7 @@
                 <a:endParaRPr lang="en-US" b="0" dirty="0"/>
               </a:p>
               <a:p>
+                <a:pPr/>
                 <a14:m>
                   <m:oMathPara xmlns:m="http://schemas.openxmlformats.org/officeDocument/2006/math">
                     <m:oMathParaPr>
@@ -7430,13 +8592,7 @@
                             <a:rPr lang="en-US" b="0" i="1" smtClean="0">
                               <a:latin typeface="Cambria Math" panose="02040503050406030204" pitchFamily="18" charset="0"/>
                             </a:rPr>
-                            <m:t>0</m:t>
-                          </m:r>
-                          <m:r>
-                            <a:rPr lang="en-US" b="0" i="1" smtClean="0">
-                              <a:latin typeface="Cambria Math" panose="02040503050406030204" pitchFamily="18" charset="0"/>
-                            </a:rPr>
-                            <m:t>,</m:t>
+                            <m:t>0,</m:t>
                           </m:r>
                           <m:r>
                             <a:rPr lang="en-US" b="0" i="1" smtClean="0">
@@ -7502,6 +8658,7 @@
                 <a:endParaRPr lang="en-US" b="0" dirty="0"/>
               </a:p>
               <a:p>
+                <a:pPr/>
                 <a14:m>
                   <m:oMathPara xmlns:m="http://schemas.openxmlformats.org/officeDocument/2006/math">
                     <m:oMathParaPr>
@@ -7679,7 +8836,7 @@
             </p:txBody>
           </p:sp>
         </mc:Choice>
-        <mc:Fallback>
+        <mc:Fallback xmlns="">
           <p:sp>
             <p:nvSpPr>
               <p:cNvPr id="6" name="TextBox 5">
@@ -7737,7 +8894,7 @@
 </p:sld>
 </file>
 
-<file path=ppt/slides/slide4.xml><?xml version="1.0" encoding="utf-8"?>
+<file path=ppt/slides/slide5.xml><?xml version="1.0" encoding="utf-8"?>
 <p:sld xmlns:a="http://schemas.openxmlformats.org/drawingml/2006/main" xmlns:r="http://schemas.openxmlformats.org/officeDocument/2006/relationships" xmlns:p="http://schemas.openxmlformats.org/presentationml/2006/main">
   <p:cSld>
     <p:spTree>
@@ -8048,7 +9205,7 @@
 </p:sld>
 </file>
 
-<file path=ppt/slides/slide5.xml><?xml version="1.0" encoding="utf-8"?>
+<file path=ppt/slides/slide6.xml><?xml version="1.0" encoding="utf-8"?>
 <p:sld xmlns:a="http://schemas.openxmlformats.org/drawingml/2006/main" xmlns:r="http://schemas.openxmlformats.org/officeDocument/2006/relationships" xmlns:p="http://schemas.openxmlformats.org/presentationml/2006/main">
   <p:cSld>
     <p:spTree>
@@ -8332,8 +9489,8 @@
           </a:p>
         </p:txBody>
       </p:sp>
-      <mc:AlternateContent xmlns:mc="http://schemas.openxmlformats.org/markup-compatibility/2006">
-        <mc:Choice xmlns:a14="http://schemas.microsoft.com/office/drawing/2010/main" Requires="a14">
+      <mc:AlternateContent xmlns:mc="http://schemas.openxmlformats.org/markup-compatibility/2006" xmlns:a14="http://schemas.microsoft.com/office/drawing/2010/main">
+        <mc:Choice Requires="a14">
           <p:sp>
             <p:nvSpPr>
               <p:cNvPr id="3" name="TextBox 2">
@@ -8364,12 +9521,6 @@
               <a:p>
                 <a14:m>
                   <m:oMath xmlns:m="http://schemas.openxmlformats.org/officeDocument/2006/math">
-                    <m:r>
-                      <a:rPr lang="en-US" sz="2400" i="1" smtClean="0">
-                        <a:latin typeface="Cambria Math" panose="02040503050406030204" pitchFamily="18" charset="0"/>
-                      </a:rPr>
-                      <m:t>𝑖</m:t>
-                    </m:r>
                     <m:r>
                       <a:rPr lang="en-US" sz="2400" i="1" smtClean="0">
                         <a:latin typeface="Cambria Math" panose="02040503050406030204" pitchFamily="18" charset="0"/>
@@ -8621,7 +9772,7 @@
             </p:txBody>
           </p:sp>
         </mc:Choice>
-        <mc:Fallback>
+        <mc:Fallback xmlns="">
           <p:sp>
             <p:nvSpPr>
               <p:cNvPr id="3" name="TextBox 2">
@@ -8647,7 +9798,7 @@
               <a:blipFill>
                 <a:blip r:embed="rId2"/>
                 <a:stretch>
-                  <a:fillRect l="-1533" r="-1533" b="-19565"/>
+                  <a:fillRect r="-246" b="-18085"/>
                 </a:stretch>
               </a:blipFill>
             </p:spPr>
@@ -8656,7 +9807,7 @@
               <a:lstStyle/>
               <a:p>
                 <a:r>
-                  <a:rPr lang="en-US">
+                  <a:rPr lang="es-DO">
                     <a:noFill/>
                   </a:rPr>
                   <a:t> </a:t>
@@ -8666,8 +9817,8 @@
           </p:sp>
         </mc:Fallback>
       </mc:AlternateContent>
-      <mc:AlternateContent xmlns:mc="http://schemas.openxmlformats.org/markup-compatibility/2006">
-        <mc:Choice xmlns:a14="http://schemas.microsoft.com/office/drawing/2010/main" Requires="a14">
+      <mc:AlternateContent xmlns:mc="http://schemas.openxmlformats.org/markup-compatibility/2006" xmlns:a14="http://schemas.microsoft.com/office/drawing/2010/main">
+        <mc:Choice Requires="a14">
           <p:sp>
             <p:nvSpPr>
               <p:cNvPr id="6" name="TextBox 5">
@@ -8696,6 +9847,7 @@
               </a:bodyPr>
               <a:lstStyle/>
               <a:p>
+                <a:pPr/>
                 <a14:m>
                   <m:oMathPara xmlns:m="http://schemas.openxmlformats.org/officeDocument/2006/math">
                     <m:oMathParaPr>
@@ -8947,7 +10099,7 @@
             </p:txBody>
           </p:sp>
         </mc:Choice>
-        <mc:Fallback>
+        <mc:Fallback xmlns="">
           <p:sp>
             <p:nvSpPr>
               <p:cNvPr id="6" name="TextBox 5">
@@ -8992,8 +10144,8 @@
           </p:sp>
         </mc:Fallback>
       </mc:AlternateContent>
-      <mc:AlternateContent xmlns:mc="http://schemas.openxmlformats.org/markup-compatibility/2006">
-        <mc:Choice xmlns:a14="http://schemas.microsoft.com/office/drawing/2010/main" Requires="a14">
+      <mc:AlternateContent xmlns:mc="http://schemas.openxmlformats.org/markup-compatibility/2006" xmlns:a14="http://schemas.microsoft.com/office/drawing/2010/main">
+        <mc:Choice Requires="a14">
           <p:sp>
             <p:nvSpPr>
               <p:cNvPr id="7" name="TextBox 6">
@@ -9024,12 +10176,6 @@
               <a:p>
                 <a14:m>
                   <m:oMath xmlns:m="http://schemas.openxmlformats.org/officeDocument/2006/math">
-                    <m:r>
-                      <a:rPr lang="en-US" sz="2400" i="1" smtClean="0">
-                        <a:latin typeface="Cambria Math" panose="02040503050406030204" pitchFamily="18" charset="0"/>
-                      </a:rPr>
-                      <m:t>𝑖</m:t>
-                    </m:r>
                     <m:r>
                       <a:rPr lang="en-US" sz="2400" i="1" smtClean="0">
                         <a:latin typeface="Cambria Math" panose="02040503050406030204" pitchFamily="18" charset="0"/>
@@ -9276,7 +10422,7 @@
             </p:txBody>
           </p:sp>
         </mc:Choice>
-        <mc:Fallback>
+        <mc:Fallback xmlns="">
           <p:sp>
             <p:nvSpPr>
               <p:cNvPr id="7" name="TextBox 6">
@@ -9302,7 +10448,7 @@
               <a:blipFill>
                 <a:blip r:embed="rId4"/>
                 <a:stretch>
-                  <a:fillRect l="-1670" r="-1670" b="-17021"/>
+                  <a:fillRect r="-268" b="-17895"/>
                 </a:stretch>
               </a:blipFill>
             </p:spPr>
@@ -9311,7 +10457,7 @@
               <a:lstStyle/>
               <a:p>
                 <a:r>
-                  <a:rPr lang="en-US">
+                  <a:rPr lang="es-DO">
                     <a:noFill/>
                   </a:rPr>
                   <a:t> </a:t>
@@ -9321,8 +10467,8 @@
           </p:sp>
         </mc:Fallback>
       </mc:AlternateContent>
-      <mc:AlternateContent xmlns:mc="http://schemas.openxmlformats.org/markup-compatibility/2006">
-        <mc:Choice xmlns:a14="http://schemas.microsoft.com/office/drawing/2010/main" Requires="a14">
+      <mc:AlternateContent xmlns:mc="http://schemas.openxmlformats.org/markup-compatibility/2006" xmlns:a14="http://schemas.microsoft.com/office/drawing/2010/main">
+        <mc:Choice Requires="a14">
           <p:sp>
             <p:nvSpPr>
               <p:cNvPr id="8" name="TextBox 7">
@@ -9351,6 +10497,7 @@
               </a:bodyPr>
               <a:lstStyle/>
               <a:p>
+                <a:pPr/>
                 <a14:m>
                   <m:oMathPara xmlns:m="http://schemas.openxmlformats.org/officeDocument/2006/math">
                     <m:oMathParaPr>
@@ -9478,7 +10625,7 @@
             </p:txBody>
           </p:sp>
         </mc:Choice>
-        <mc:Fallback>
+        <mc:Fallback xmlns="">
           <p:sp>
             <p:nvSpPr>
               <p:cNvPr id="8" name="TextBox 7">
@@ -9536,7 +10683,7 @@
 </p:sld>
 </file>
 
-<file path=ppt/slides/slide6.xml><?xml version="1.0" encoding="utf-8"?>
+<file path=ppt/slides/slide7.xml><?xml version="1.0" encoding="utf-8"?>
 <p:sld xmlns:a="http://schemas.openxmlformats.org/drawingml/2006/main" xmlns:r="http://schemas.openxmlformats.org/officeDocument/2006/relationships" xmlns:p="http://schemas.openxmlformats.org/presentationml/2006/main">
   <p:cSld>
     <p:spTree>
@@ -9843,12 +10990,6 @@
                           <a:latin typeface="Cambria Math" panose="02040503050406030204" pitchFamily="18" charset="0"/>
                         </a:rPr>
                         <m:t>=</m:t>
-                      </m:r>
-                      <m:r>
-                        <a:rPr lang="en-US" i="1" smtClean="0">
-                          <a:latin typeface="Cambria Math" panose="02040503050406030204" pitchFamily="18" charset="0"/>
-                        </a:rPr>
-                        <m:t>𝑖</m:t>
                       </m:r>
                       <m:r>
                         <a:rPr lang="en-US" i="1" smtClean="0">
@@ -10138,12 +11279,6 @@
                           <a:latin typeface="Cambria Math" panose="02040503050406030204" pitchFamily="18" charset="0"/>
                         </a:rPr>
                         <m:t>=</m:t>
-                      </m:r>
-                      <m:r>
-                        <a:rPr lang="en-US" i="1" smtClean="0">
-                          <a:latin typeface="Cambria Math" panose="02040503050406030204" pitchFamily="18" charset="0"/>
-                        </a:rPr>
-                        <m:t>𝑖</m:t>
                       </m:r>
                       <m:r>
                         <a:rPr lang="en-US" i="1" smtClean="0">
@@ -12112,7 +13247,7 @@
               <a:blipFill>
                 <a:blip r:embed="rId2"/>
                 <a:stretch>
-                  <a:fillRect l="-549" b="-13075"/>
+                  <a:fillRect b="-2567"/>
                 </a:stretch>
               </a:blipFill>
             </p:spPr>
@@ -12121,7 +13256,7 @@
               <a:lstStyle/>
               <a:p>
                 <a:r>
-                  <a:rPr lang="en-US">
+                  <a:rPr lang="es-DO">
                     <a:noFill/>
                   </a:rPr>
                   <a:t> </a:t>
@@ -12144,7 +13279,7 @@
 </p:sld>
 </file>
 
-<file path=ppt/slides/slide7.xml><?xml version="1.0" encoding="utf-8"?>
+<file path=ppt/slides/slide8.xml><?xml version="1.0" encoding="utf-8"?>
 <p:sld xmlns:a="http://schemas.openxmlformats.org/drawingml/2006/main" xmlns:r="http://schemas.openxmlformats.org/officeDocument/2006/relationships" xmlns:p="http://schemas.openxmlformats.org/presentationml/2006/main">
   <p:cSld>
     <p:spTree>
@@ -12345,8 +13480,8 @@
           </a:p>
         </p:txBody>
       </p:sp>
-      <mc:AlternateContent xmlns:mc="http://schemas.openxmlformats.org/markup-compatibility/2006">
-        <mc:Choice xmlns:a14="http://schemas.microsoft.com/office/drawing/2010/main" Requires="a14">
+      <mc:AlternateContent xmlns:mc="http://schemas.openxmlformats.org/markup-compatibility/2006" xmlns:a14="http://schemas.microsoft.com/office/drawing/2010/main">
+        <mc:Choice Requires="a14">
           <p:sp>
             <p:nvSpPr>
               <p:cNvPr id="3" name="TextBox 2">
@@ -12489,7 +13624,6 @@
                 <a:endParaRPr lang="en-US" dirty="0"/>
               </a:p>
               <a:p>
-                <a:pPr/>
                 <a:r>
                   <a:rPr lang="en-US" dirty="0">
                     <a:latin typeface="Arial" panose="020B0604020202020204" pitchFamily="34" charset="0"/>
@@ -12555,14 +13689,12 @@
                 </a:r>
               </a:p>
               <a:p>
-                <a:pPr/>
                 <a:endParaRPr lang="en-US" dirty="0">
                   <a:latin typeface="Arial" panose="020B0604020202020204" pitchFamily="34" charset="0"/>
                   <a:cs typeface="Arial" panose="020B0604020202020204" pitchFamily="34" charset="0"/>
                 </a:endParaRPr>
               </a:p>
               <a:p>
-                <a:pPr/>
                 <a:r>
                   <a:rPr lang="en-US" dirty="0">
                     <a:latin typeface="Arial" panose="020B0604020202020204" pitchFamily="34" charset="0"/>
@@ -12572,14 +13704,12 @@
                 </a:r>
               </a:p>
               <a:p>
-                <a:pPr/>
                 <a:endParaRPr lang="en-US" dirty="0">
                   <a:latin typeface="Arial" panose="020B0604020202020204" pitchFamily="34" charset="0"/>
                   <a:cs typeface="Arial" panose="020B0604020202020204" pitchFamily="34" charset="0"/>
                 </a:endParaRPr>
               </a:p>
               <a:p>
-                <a:pPr/>
                 <a:r>
                   <a:rPr lang="en-US" dirty="0">
                     <a:latin typeface="Arial" panose="020B0604020202020204" pitchFamily="34" charset="0"/>
@@ -12605,7 +13735,7 @@
             </p:txBody>
           </p:sp>
         </mc:Choice>
-        <mc:Fallback>
+        <mc:Fallback xmlns="">
           <p:sp>
             <p:nvSpPr>
               <p:cNvPr id="3" name="TextBox 2">
@@ -12699,7 +13829,7 @@
 </p:sld>
 </file>
 
-<file path=ppt/slides/slide8.xml><?xml version="1.0" encoding="utf-8"?>
+<file path=ppt/slides/slide9.xml><?xml version="1.0" encoding="utf-8"?>
 <p:sld xmlns:a="http://schemas.openxmlformats.org/drawingml/2006/main" xmlns:r="http://schemas.openxmlformats.org/officeDocument/2006/relationships" xmlns:p="http://schemas.openxmlformats.org/presentationml/2006/main">
   <p:cSld>
     <p:spTree>
@@ -12973,745 +14103,6 @@
     <p:extLst>
       <p:ext uri="{BB962C8B-B14F-4D97-AF65-F5344CB8AC3E}">
         <p14:creationId xmlns:p14="http://schemas.microsoft.com/office/powerpoint/2010/main" val="3711145266"/>
-      </p:ext>
-    </p:extLst>
-  </p:cSld>
-  <p:clrMapOvr>
-    <a:masterClrMapping/>
-  </p:clrMapOvr>
-</p:sld>
-</file>
-
-<file path=ppt/slides/slide9.xml><?xml version="1.0" encoding="utf-8"?>
-<p:sld xmlns:a="http://schemas.openxmlformats.org/drawingml/2006/main" xmlns:r="http://schemas.openxmlformats.org/officeDocument/2006/relationships" xmlns:p="http://schemas.openxmlformats.org/presentationml/2006/main">
-  <p:cSld>
-    <p:spTree>
-      <p:nvGrpSpPr>
-        <p:cNvPr id="1" name="">
-          <a:extLst>
-            <a:ext uri="{FF2B5EF4-FFF2-40B4-BE49-F238E27FC236}">
-              <a16:creationId xmlns:a16="http://schemas.microsoft.com/office/drawing/2014/main" id="{491DD16E-A260-4575-4376-E0C5D876FFD8}"/>
-            </a:ext>
-          </a:extLst>
-        </p:cNvPr>
-        <p:cNvGrpSpPr/>
-        <p:nvPr/>
-      </p:nvGrpSpPr>
-      <p:grpSpPr>
-        <a:xfrm>
-          <a:off x="0" y="0"/>
-          <a:ext cx="0" cy="0"/>
-          <a:chOff x="0" y="0"/>
-          <a:chExt cx="0" cy="0"/>
-        </a:xfrm>
-      </p:grpSpPr>
-      <p:sp>
-        <p:nvSpPr>
-          <p:cNvPr id="4" name="Rectangle2">
-            <a:extLst>
-              <a:ext uri="{FF2B5EF4-FFF2-40B4-BE49-F238E27FC236}">
-                <a16:creationId xmlns:a16="http://schemas.microsoft.com/office/drawing/2014/main" id="{263FBB4F-9C8A-BA42-3E6D-D8CB51952839}"/>
-              </a:ext>
-            </a:extLst>
-          </p:cNvPr>
-          <p:cNvSpPr>
-            <a:extLst>
-              <a:ext uri="smNativeData">
-                <pr:smNativeData xmlns:mc="http://schemas.openxmlformats.org/markup-compatibility/2006" xmlns:p14="http://schemas.microsoft.com/office/powerpoint/2010/main" xmlns:p15="http://schemas.microsoft.com/office/powerpoint/2012/main" xmlns:pr="smNativeData" xmlns="smNativeData" val="SMDATA_15_H0jYZxMAAAAlAAAAZAAAAA8BAAAAkAAAAEgAAACQAAAASAAAAAAAAAABAAAAAAAAAAEAAABQAAAAAAAAAAAA4D8AAAAAAADgPwAAAAAAAOA/AAAAAAAA4D8AAAAAAADgPwAAAAAAAOA/AAAAAAAA4D8AAAAAAADgPwAAAAAAAOA/AAAAAAAA4D8CAAAAjAAAAAEAAAAAAAAA9IEfAP///wgAAAAAAAAAAAAAAAAAAAAAAAAAAAAAAAAAAAAAZAAAAAEAAABAAAAAAAAAAAAAAAAAAAAAAAAAAAAAAAAAAAAAAAAAAAAAAAAAAAAAAAAAAAAAAAAAAAAAAAAAAAAAAAAAAAAAAAAAAAAAAAAAAAAAAAAAAAAAAAAAAAAAFAAAADwAAAABAAAAAAAAAPSBHwAUAAAAAQAAABQAAAAUAAAAFAAAAAEAAAAAAAAAZAAAAGQAAAAAAAAAZAAAAGQAAAAVAAAAYAAAAAAAAAAAAAAADwAAACADAAAAAAAAAAAAAAEAAACgMgAAAAAAAAAAAAABAAAAf39/AAEAAABkAAAAAAAAABQAAABAHwAAAAAAACYAAAAAAAAAwOD//wAAAAAmAAAAZAAAABYAAABMAAAAAAAAAAAAAAAEAAAAAAAAAAEAAACAgIAKAAAAACgAAAAoAAAAZAAAAGQAAAAAAAAAzMzMAAAAAABQAAAAUAAAAGQAAABkAAAAAAAAABcAAAAUAAAAAAAAAAAAAAD/fwAA/38AAAAAAAAJAAAABAAAACUAAAAeAAAAaAAAAAAAAAAAAAAAAAAAAAAAAAAAAAAAECcAABAnAAAAAAAAAAAAAAAAAAAAAAAAAAAAAAAAAAAAAAAAAAAAABQAAAAAAAAAwMD/AAAAAABkAAAAMgAAAAAAAABkAAAAAAAAAH9/fwAKAAAAIgAAABgAAAAAAAAAAAAAAAAAAAAAAAAAAAAAAAAAAAAkAAAAJAAAAAAAAAAHAAAAAAAAAAAAAAAAAAAAAAAAAAAAAAAAAAAAf39/ACUAAABYAAAAAAAAAAAAAAAAAAAAAAAAAAAAAAAAAAAAAAAAAAAAAAAAAAAAAAAAAAAAAAA/AAAAAAAAAKCGAQAAAAAAAAAAAAAAAAAMAAAAAQAAAAAAAAAAAAAAAAAAAB8AAABUAAAA9IEfAP///wEAAAAAAAAAAAAAAAAAAAAAAAAAAAAAAAAAAAAAAAAAAPSBHwB/f38AgICAA8zMzADAwP8Af39/AAAAAAAAAAAAAAAAAAAAAAAAAAAAIQAAABgAAAAUAAAA9P////T///+DBwAAQAUAABAAAAAmAAAACAAAAP//////////"/>
-              </a:ext>
-            </a:extLst>
-          </p:cNvSpPr>
-          <p:nvPr/>
-        </p:nvSpPr>
-        <p:spPr>
-          <a:xfrm>
-            <a:off x="-7620" y="-7620"/>
-            <a:ext cx="1228725" cy="861060"/>
-          </a:xfrm>
-          <a:prstGeom prst="rect">
-            <a:avLst/>
-          </a:prstGeom>
-          <a:solidFill>
-            <a:srgbClr val="F4811F"/>
-          </a:solidFill>
-          <a:ln w="12700" cap="flat" cmpd="sng" algn="ctr">
-            <a:solidFill>
-              <a:srgbClr val="F4811F"/>
-            </a:solidFill>
-            <a:prstDash val="solid"/>
-            <a:headEnd type="none"/>
-            <a:tailEnd type="none"/>
-          </a:ln>
-          <a:effectLst/>
-        </p:spPr>
-        <p:txBody>
-          <a:bodyPr vert="horz" wrap="square" numCol="1" spcCol="215900" anchor="ctr"/>
-          <a:lstStyle/>
-          <a:p>
-            <a:pPr algn="ctr">
-              <a:defRPr sz="2600" b="1" cap="none">
-                <a:solidFill>
-                  <a:schemeClr val="bg1"/>
-                </a:solidFill>
-                <a:latin typeface="Arial" pitchFamily="2" charset="0"/>
-                <a:ea typeface="Arial" pitchFamily="2" charset="0"/>
-                <a:cs typeface="Arial" pitchFamily="2" charset="0"/>
-              </a:defRPr>
-            </a:pPr>
-            <a:endParaRPr/>
-          </a:p>
-        </p:txBody>
-      </p:sp>
-      <p:sp>
-        <p:nvSpPr>
-          <p:cNvPr id="5" name="Rectangle1">
-            <a:extLst>
-              <a:ext uri="{FF2B5EF4-FFF2-40B4-BE49-F238E27FC236}">
-                <a16:creationId xmlns:a16="http://schemas.microsoft.com/office/drawing/2014/main" id="{F35595F9-B6FF-47F6-D059-CCB33B4E5534}"/>
-              </a:ext>
-            </a:extLst>
-          </p:cNvPr>
-          <p:cNvSpPr>
-            <a:extLst>
-              <a:ext uri="smNativeData">
-                <pr:smNativeData xmlns:mc="http://schemas.openxmlformats.org/markup-compatibility/2006" xmlns:p14="http://schemas.microsoft.com/office/powerpoint/2010/main" xmlns:p15="http://schemas.microsoft.com/office/powerpoint/2012/main" xmlns:pr="smNativeData" xmlns="smNativeData" val="SMDATA_15_H0jYZxMAAAAlAAAAZAAAAA8BAAAAkAAAAEgAAACQAAAASAAAAAAAAAABAAAAAAAAAAEAAABQAAAAAAAAAAAA4D8AAAAAAADgPwAAAAAAAOA/AAAAAAAA4D8AAAAAAADgPwAAAAAAAOA/AAAAAAAA4D8AAAAAAADgPwAAAAAAAOA/AAAAAAAA4D8CAAAAjAAAAAEAAAAAAAAACB5AAP///wgAAAAAAAAAAAAAAAAAAAAAAAAAAAAAAAAAAAAAZAAAAAEAAABAAAAAAAAAAAAAAAAAAAAAAAAAAAAAAAAAAAAAAAAAAAAAAAAAAAAAAAAAAAAAAAAAAAAAAAAAAAAAAAAAAAAAAAAAAAAAAAAAAAAAAAAAAAAAAAAAAAAAFAAAADwAAAABAAAAAAAAAAUbQwAUAAAAAQAAABQAAAAUAAAAFAAAAAEAAAAAAAAAZAAAAGQAAAAAAAAAZAAAAGQAAAAVAAAAYAAAAAAAAAAAAAAADwAAACADAAAAAAAAAAAAAAEAAACgMgAAAAAAAAAAAAABAAAAf39/AAEAAABkAAAAAAAAABQAAABAHwAAAAAAACYAAAAAAAAAwOD//wAAAAAmAAAAZAAAABYAAABMAAAAAAAAAAAAAAAEAAAAAAAAAAEAAACAgIAKAAAAACgAAAAoAAAAZAAAAGQAAAAAAAAAzMzMAAAAAABQAAAAUAAAAGQAAABkAAAAAAAAABcAAAAUAAAAAAAAAAAAAAD/fwAA/38AAAAAAAAJAAAABAAAADAcAAAeAAAAaAAAAAAAAAAAAAAAAAAAAAAAAAAAAAAAECcAABAnAAAAAAAAAAAAAAAAAAAAAAAAAAAAAAAAAAAAAAAAAAAAABQAAAAAAAAAwMD/AAAAAABkAAAAMgAAAAAAAABkAAAAAAAAAH9/fwAKAAAAIgAAABgAAAAAAAAAAAAAAAAAAAAAAAAAAAAAAAAAAAAkAAAAJAAAAAAAAAAHAAAAAAAAAAAAAAAAAAAAAAAAAAAAAAAAAAAAf39/ACUAAABYAAAAAAAAAAAAAAAAAAAAAAAAAAAAAAAAAAAAAAAAAAAAAAAAAAAAAAAAAAAAAAA/AAAAAAAAAKCGAQAAAAAAAAAAAAAAAAAMAAAAAQAAAAAAAAAAAAAAAAAAAB8AAABUAAAACB5AAP///wEAAAAAAAAAAAAAAAAAAAAAAAAAAAAAAAAAAAAAAAAAAAUbQwB/f38AgICAA8zMzADAwP8Af39/AAAAAAAAAAAAAAAAAAAAAAAAAAAAIQAAABgAAAAUAAAA2wQAAPT///8YSwAAQAUAABAAAAAmAAAACAAAAP//////////"/>
-              </a:ext>
-            </a:extLst>
-          </p:cNvSpPr>
-          <p:nvPr/>
-        </p:nvSpPr>
-        <p:spPr>
-          <a:xfrm>
-            <a:off x="789305" y="-7620"/>
-            <a:ext cx="11417935" cy="861060"/>
-          </a:xfrm>
-          <a:prstGeom prst="rect">
-            <a:avLst/>
-          </a:prstGeom>
-          <a:solidFill>
-            <a:srgbClr val="081E40"/>
-          </a:solidFill>
-          <a:ln w="12700" cap="flat" cmpd="sng" algn="ctr">
-            <a:solidFill>
-              <a:srgbClr val="051B43"/>
-            </a:solidFill>
-            <a:prstDash val="solid"/>
-            <a:headEnd type="none"/>
-            <a:tailEnd type="none"/>
-          </a:ln>
-          <a:effectLst/>
-        </p:spPr>
-        <p:txBody>
-          <a:bodyPr vert="horz" wrap="square" lIns="91440" tIns="45720" rIns="91440" bIns="45720" numCol="1" spcCol="215900" anchor="ctr"/>
-          <a:lstStyle/>
-          <a:p>
-            <a:pPr algn="ctr">
-              <a:defRPr sz="2600" b="1" cap="none">
-                <a:solidFill>
-                  <a:schemeClr val="bg1"/>
-                </a:solidFill>
-                <a:latin typeface="Arial" pitchFamily="2" charset="0"/>
-                <a:ea typeface="Arial" pitchFamily="2" charset="0"/>
-                <a:cs typeface="Arial" pitchFamily="2" charset="0"/>
-              </a:defRPr>
-            </a:pPr>
-            <a:r>
-              <a:rPr lang="en-US" sz="2800" dirty="0">
-                <a:latin typeface="Arial"/>
-                <a:cs typeface="Arial"/>
-              </a:rPr>
-              <a:t>Tests results</a:t>
-            </a:r>
-            <a:endParaRPr lang="en-US" dirty="0"/>
-          </a:p>
-        </p:txBody>
-      </p:sp>
-      <p:sp>
-        <p:nvSpPr>
-          <p:cNvPr id="19" name="Rectangle1">
-            <a:extLst>
-              <a:ext uri="{FF2B5EF4-FFF2-40B4-BE49-F238E27FC236}">
-                <a16:creationId xmlns:a16="http://schemas.microsoft.com/office/drawing/2014/main" id="{406650FD-8113-996E-1976-82EEBD2A48B8}"/>
-              </a:ext>
-            </a:extLst>
-          </p:cNvPr>
-          <p:cNvSpPr>
-            <a:extLst>
-              <a:ext uri="smNativeData">
-                <pr:smNativeData xmlns="smNativeData" xmlns:pr="smNativeData" xmlns:p15="http://schemas.microsoft.com/office/powerpoint/2012/main" xmlns:p14="http://schemas.microsoft.com/office/powerpoint/2010/main" xmlns:mc="http://schemas.openxmlformats.org/markup-compatibility/2006" val="SMDATA_15_H0jYZxMAAAAlAAAAZAAAAA8BAAAAkAAAAEgAAACQAAAASAAAAAAAAAABAAAAAAAAAAEAAABQAAAAAAAAAAAA4D8AAAAAAADgPwAAAAAAAOA/AAAAAAAA4D8AAAAAAADgPwAAAAAAAOA/AAAAAAAA4D8AAAAAAADgPwAAAAAAAOA/AAAAAAAA4D8CAAAAjAAAAAEAAAAAAAAACB5AAP///wgAAAAAAAAAAAAAAAAAAAAAAAAAAAAAAAAAAAAAZAAAAAEAAABAAAAAAAAAAAAAAAAAAAAAAAAAAAAAAAAAAAAAAAAAAAAAAAAAAAAAAAAAAAAAAAAAAAAAAAAAAAAAAAAAAAAAAAAAAAAAAAAAAAAAAAAAAAAAAAAAAAAAFAAAADwAAAABAAAAAAAAAAUbQwAUAAAAAQAAABQAAAAUAAAAFAAAAAEAAAAAAAAAZAAAAGQAAAAAAAAAZAAAAGQAAAAVAAAAYAAAAAAAAAAAAAAADwAAACADAAAAAAAAAAAAAAEAAACgMgAAAAAAAAAAAAABAAAAf39/AAEAAABkAAAAAAAAABQAAABAHwAAAAAAACYAAAAAAAAAwOD//wAAAAAmAAAAZAAAABYAAABMAAAAAAAAAAAAAAAEAAAAAAAAAAEAAACAgIAKAAAAACgAAAAoAAAAZAAAAGQAAAAAAAAAzMzMAAAAAABQAAAAUAAAAGQAAABkAAAAAAAAABcAAAAUAAAAAAAAAAAAAAD/fwAA/38AAAAAAAAJAAAABAAAADAcAAAeAAAAaAAAAAAAAAAAAAAAAAAAAAAAAAAAAAAAECcAABAnAAAAAAAAAAAAAAAAAAAAAAAAAAAAAAAAAAAAAAAAAAAAABQAAAAAAAAAwMD/AAAAAABkAAAAMgAAAAAAAABkAAAAAAAAAH9/fwAKAAAAIgAAABgAAAAAAAAAAAAAAAAAAAAAAAAAAAAAAAAAAAAkAAAAJAAAAAAAAAAHAAAAAAAAAAAAAAAAAAAAAAAAAAAAAAAAAAAAf39/ACUAAABYAAAAAAAAAAAAAAAAAAAAAAAAAAAAAAAAAAAAAAAAAAAAAAAAAAAAAAAAAAAAAAA/AAAAAAAAAKCGAQAAAAAAAAAAAAAAAAAMAAAAAQAAAAAAAAAAAAAAAAAAAB8AAABUAAAACB5AAP///wEAAAAAAAAAAAAAAAAAAAAAAAAAAAAAAAAAAAAAAAAAAAUbQwB/f38AgICAA8zMzADAwP8Af39/AAAAAAAAAAAAAAAAAAAAAAAAAAAAIQAAABgAAAAUAAAA2wQAAPT///8YSwAAQAUAABAAAAAmAAAACAAAAP//////////"/>
-              </a:ext>
-            </a:extLst>
-          </p:cNvSpPr>
-          <p:nvPr/>
-        </p:nvSpPr>
-        <p:spPr>
-          <a:xfrm>
-            <a:off x="-16172" y="6469380"/>
-            <a:ext cx="12223412" cy="403860"/>
-          </a:xfrm>
-          <a:prstGeom prst="rect">
-            <a:avLst/>
-          </a:prstGeom>
-          <a:solidFill>
-            <a:srgbClr val="081E40"/>
-          </a:solidFill>
-          <a:ln w="12700" cap="flat" cmpd="sng" algn="ctr">
-            <a:solidFill>
-              <a:srgbClr val="051B43"/>
-            </a:solidFill>
-            <a:prstDash val="solid"/>
-            <a:headEnd type="none"/>
-            <a:tailEnd type="none"/>
-          </a:ln>
-          <a:effectLst/>
-        </p:spPr>
-        <p:txBody>
-          <a:bodyPr vert="horz" wrap="square" lIns="91440" tIns="45720" rIns="91440" bIns="45720" numCol="1" spcCol="215900" anchor="ctr"/>
-          <a:lstStyle/>
-          <a:p>
-            <a:pPr algn="ctr">
-              <a:defRPr sz="2600" b="1" cap="none">
-                <a:solidFill>
-                  <a:schemeClr val="bg1"/>
-                </a:solidFill>
-                <a:latin typeface="Arial" pitchFamily="2" charset="0"/>
-                <a:ea typeface="Arial" pitchFamily="2" charset="0"/>
-                <a:cs typeface="Arial" pitchFamily="2" charset="0"/>
-              </a:defRPr>
-            </a:pPr>
-            <a:endParaRPr lang="en-US"/>
-          </a:p>
-        </p:txBody>
-      </p:sp>
-      <p:sp>
-        <p:nvSpPr>
-          <p:cNvPr id="18" name="TextBox 17">
-            <a:extLst>
-              <a:ext uri="{FF2B5EF4-FFF2-40B4-BE49-F238E27FC236}">
-                <a16:creationId xmlns:a16="http://schemas.microsoft.com/office/drawing/2014/main" id="{52021D32-A37E-036E-BE38-6899A75E601A}"/>
-              </a:ext>
-            </a:extLst>
-          </p:cNvPr>
-          <p:cNvSpPr txBox="1"/>
-          <p:nvPr/>
-        </p:nvSpPr>
-        <p:spPr>
-          <a:xfrm>
-            <a:off x="68580" y="910828"/>
-            <a:ext cx="2635465" cy="461665"/>
-          </a:xfrm>
-          <a:prstGeom prst="rect">
-            <a:avLst/>
-          </a:prstGeom>
-          <a:noFill/>
-        </p:spPr>
-        <p:txBody>
-          <a:bodyPr wrap="none" lIns="91440" tIns="45720" rIns="91440" bIns="45720" rtlCol="0" anchor="t">
-            <a:spAutoFit/>
-          </a:bodyPr>
-          <a:lstStyle/>
-          <a:p>
-            <a:r>
-              <a:rPr lang="en-US" sz="2400" b="1" i="1" dirty="0">
-                <a:latin typeface="Arial"/>
-                <a:ea typeface="Apple SD Gothic Neo"/>
-                <a:cs typeface="Arial"/>
-              </a:rPr>
-              <a:t>Tested problems</a:t>
-            </a:r>
-          </a:p>
-        </p:txBody>
-      </p:sp>
-      <p:sp>
-        <p:nvSpPr>
-          <p:cNvPr id="8" name="TextBox 7">
-            <a:extLst>
-              <a:ext uri="{FF2B5EF4-FFF2-40B4-BE49-F238E27FC236}">
-                <a16:creationId xmlns:a16="http://schemas.microsoft.com/office/drawing/2014/main" id="{403FFBC1-6F0C-6D83-2B4B-0C6260147D4B}"/>
-              </a:ext>
-            </a:extLst>
-          </p:cNvPr>
-          <p:cNvSpPr txBox="1"/>
-          <p:nvPr/>
-        </p:nvSpPr>
-        <p:spPr>
-          <a:xfrm>
-            <a:off x="117375" y="1517805"/>
-            <a:ext cx="6795450" cy="369332"/>
-          </a:xfrm>
-          <a:prstGeom prst="rect">
-            <a:avLst/>
-          </a:prstGeom>
-          <a:noFill/>
-        </p:spPr>
-        <p:txBody>
-          <a:bodyPr wrap="none" rtlCol="0">
-            <a:spAutoFit/>
-          </a:bodyPr>
-          <a:lstStyle/>
-          <a:p>
-            <a:r>
-              <a:rPr lang="en-US" dirty="0">
-                <a:latin typeface="Arial" panose="020B0604020202020204" pitchFamily="34" charset="0"/>
-                <a:cs typeface="Arial" panose="020B0604020202020204" pitchFamily="34" charset="0"/>
-              </a:rPr>
-              <a:t>Case 1: Fundamental case </a:t>
-            </a:r>
-            <a:r>
-              <a:rPr lang="en-US" i="1" dirty="0">
-                <a:latin typeface="Arial" panose="020B0604020202020204" pitchFamily="34" charset="0"/>
-                <a:cs typeface="Arial" panose="020B0604020202020204" pitchFamily="34" charset="0"/>
-              </a:rPr>
-              <a:t>n=1 (Conditions as described before.)</a:t>
-            </a:r>
-          </a:p>
-        </p:txBody>
-      </p:sp>
-      <p:pic>
-        <p:nvPicPr>
-          <p:cNvPr id="9" name="Picture 8">
-            <a:extLst>
-              <a:ext uri="{FF2B5EF4-FFF2-40B4-BE49-F238E27FC236}">
-                <a16:creationId xmlns:a16="http://schemas.microsoft.com/office/drawing/2014/main" id="{04666291-78FF-3D3B-7021-D0FCB4E591F3}"/>
-              </a:ext>
-            </a:extLst>
-          </p:cNvPr>
-          <p:cNvPicPr>
-            <a:picLocks noChangeAspect="1"/>
-          </p:cNvPicPr>
-          <p:nvPr/>
-        </p:nvPicPr>
-        <p:blipFill>
-          <a:blip r:embed="rId2"/>
-          <a:stretch>
-            <a:fillRect/>
-          </a:stretch>
-        </p:blipFill>
-        <p:spPr>
-          <a:xfrm>
-            <a:off x="46426" y="2551502"/>
-            <a:ext cx="12098215" cy="3837485"/>
-          </a:xfrm>
-          <a:prstGeom prst="rect">
-            <a:avLst/>
-          </a:prstGeom>
-        </p:spPr>
-      </p:pic>
-      <mc:AlternateContent xmlns:mc="http://schemas.openxmlformats.org/markup-compatibility/2006">
-        <mc:Choice xmlns:a14="http://schemas.microsoft.com/office/drawing/2010/main" Requires="a14">
-          <p:sp>
-            <p:nvSpPr>
-              <p:cNvPr id="10" name="TextBox 9">
-                <a:extLst>
-                  <a:ext uri="{FF2B5EF4-FFF2-40B4-BE49-F238E27FC236}">
-                    <a16:creationId xmlns:a16="http://schemas.microsoft.com/office/drawing/2014/main" id="{A28D2678-0C5D-5BFE-854B-7EA7BBF3F1DF}"/>
-                  </a:ext>
-                </a:extLst>
-              </p:cNvPr>
-              <p:cNvSpPr txBox="1"/>
-              <p:nvPr/>
-            </p:nvSpPr>
-            <p:spPr>
-              <a:xfrm>
-                <a:off x="7466950" y="997427"/>
-                <a:ext cx="3765454" cy="1649362"/>
-              </a:xfrm>
-              <a:prstGeom prst="rect">
-                <a:avLst/>
-              </a:prstGeom>
-              <a:noFill/>
-            </p:spPr>
-            <p:txBody>
-              <a:bodyPr wrap="none" lIns="0" tIns="0" rIns="0" bIns="0" rtlCol="0">
-                <a:spAutoFit/>
-              </a:bodyPr>
-              <a:lstStyle/>
-              <a:p>
-                <a:r>
-                  <a:rPr lang="en-US" b="0" dirty="0">
-                    <a:latin typeface="Arial" panose="020B0604020202020204" pitchFamily="34" charset="0"/>
-                    <a:cs typeface="Arial" panose="020B0604020202020204" pitchFamily="34" charset="0"/>
-                  </a:rPr>
-                  <a:t>Exact solution:</a:t>
-                </a:r>
-              </a:p>
-              <a:p>
-                <a:endParaRPr lang="en-US" b="0" dirty="0">
-                  <a:latin typeface="Arial" panose="020B0604020202020204" pitchFamily="34" charset="0"/>
-                  <a:cs typeface="Arial" panose="020B0604020202020204" pitchFamily="34" charset="0"/>
-                </a:endParaRPr>
-              </a:p>
-              <a:p>
-                <a14:m>
-                  <m:oMathPara xmlns:m="http://schemas.openxmlformats.org/officeDocument/2006/math">
-                    <m:oMathParaPr>
-                      <m:jc m:val="centerGroup"/>
-                    </m:oMathParaPr>
-                    <m:oMath xmlns:m="http://schemas.openxmlformats.org/officeDocument/2006/math">
-                      <m:sSub>
-                        <m:sSubPr>
-                          <m:ctrlPr>
-                            <a:rPr lang="en-US" b="0" i="1" smtClean="0">
-                              <a:latin typeface="Cambria Math" panose="02040503050406030204" pitchFamily="18" charset="0"/>
-                            </a:rPr>
-                          </m:ctrlPr>
-                        </m:sSubPr>
-                        <m:e>
-                          <m:r>
-                            <a:rPr lang="en-US" b="0" i="1" smtClean="0">
-                              <a:latin typeface="Cambria Math" panose="02040503050406030204" pitchFamily="18" charset="0"/>
-                            </a:rPr>
-                            <m:t>𝜓</m:t>
-                          </m:r>
-                        </m:e>
-                        <m:sub>
-                          <m:r>
-                            <a:rPr lang="en-US" b="0" i="1" smtClean="0">
-                              <a:latin typeface="Cambria Math" panose="02040503050406030204" pitchFamily="18" charset="0"/>
-                            </a:rPr>
-                            <m:t>𝑛</m:t>
-                          </m:r>
-                        </m:sub>
-                      </m:sSub>
-                      <m:d>
-                        <m:dPr>
-                          <m:ctrlPr>
-                            <a:rPr lang="en-US" b="0" i="1" smtClean="0">
-                              <a:latin typeface="Cambria Math" panose="02040503050406030204" pitchFamily="18" charset="0"/>
-                            </a:rPr>
-                          </m:ctrlPr>
-                        </m:dPr>
-                        <m:e>
-                          <m:r>
-                            <a:rPr lang="en-US" b="0" i="1" smtClean="0">
-                              <a:latin typeface="Cambria Math" panose="02040503050406030204" pitchFamily="18" charset="0"/>
-                            </a:rPr>
-                            <m:t>𝑥</m:t>
-                          </m:r>
-                          <m:r>
-                            <a:rPr lang="en-US" b="0" i="1" smtClean="0">
-                              <a:latin typeface="Cambria Math" panose="02040503050406030204" pitchFamily="18" charset="0"/>
-                            </a:rPr>
-                            <m:t>,</m:t>
-                          </m:r>
-                          <m:r>
-                            <a:rPr lang="en-US" b="0" i="1" smtClean="0">
-                              <a:latin typeface="Cambria Math" panose="02040503050406030204" pitchFamily="18" charset="0"/>
-                            </a:rPr>
-                            <m:t>𝑡</m:t>
-                          </m:r>
-                        </m:e>
-                      </m:d>
-                      <m:r>
-                        <a:rPr lang="en-US" b="0" i="1" smtClean="0">
-                          <a:latin typeface="Cambria Math" panose="02040503050406030204" pitchFamily="18" charset="0"/>
-                        </a:rPr>
-                        <m:t>=</m:t>
-                      </m:r>
-                      <m:rad>
-                        <m:radPr>
-                          <m:degHide m:val="on"/>
-                          <m:ctrlPr>
-                            <a:rPr lang="en-US" b="0" i="1" smtClean="0">
-                              <a:latin typeface="Cambria Math" panose="02040503050406030204" pitchFamily="18" charset="0"/>
-                            </a:rPr>
-                          </m:ctrlPr>
-                        </m:radPr>
-                        <m:deg/>
-                        <m:e>
-                          <m:f>
-                            <m:fPr>
-                              <m:ctrlPr>
-                                <a:rPr lang="en-US" i="1">
-                                  <a:latin typeface="Cambria Math" panose="02040503050406030204" pitchFamily="18" charset="0"/>
-                                </a:rPr>
-                              </m:ctrlPr>
-                            </m:fPr>
-                            <m:num>
-                              <m:r>
-                                <a:rPr lang="en-US" i="1">
-                                  <a:latin typeface="Cambria Math" panose="02040503050406030204" pitchFamily="18" charset="0"/>
-                                </a:rPr>
-                                <m:t>2</m:t>
-                              </m:r>
-                            </m:num>
-                            <m:den>
-                              <m:r>
-                                <a:rPr lang="en-US" i="1">
-                                  <a:latin typeface="Cambria Math" panose="02040503050406030204" pitchFamily="18" charset="0"/>
-                                </a:rPr>
-                                <m:t>𝐿</m:t>
-                              </m:r>
-                            </m:den>
-                          </m:f>
-                        </m:e>
-                      </m:rad>
-                      <m:r>
-                        <m:rPr>
-                          <m:sty m:val="p"/>
-                        </m:rPr>
-                        <a:rPr lang="en-US" b="0" i="1" smtClean="0">
-                          <a:latin typeface="Cambria Math" panose="02040503050406030204" pitchFamily="18" charset="0"/>
-                        </a:rPr>
-                        <m:t>sin</m:t>
-                      </m:r>
-                      <m:d>
-                        <m:dPr>
-                          <m:ctrlPr>
-                            <a:rPr lang="en-US" b="0" i="1" smtClean="0">
-                              <a:latin typeface="Cambria Math" panose="02040503050406030204" pitchFamily="18" charset="0"/>
-                            </a:rPr>
-                          </m:ctrlPr>
-                        </m:dPr>
-                        <m:e>
-                          <m:f>
-                            <m:fPr>
-                              <m:ctrlPr>
-                                <a:rPr lang="en-US" b="0" i="1" smtClean="0">
-                                  <a:latin typeface="Cambria Math" panose="02040503050406030204" pitchFamily="18" charset="0"/>
-                                </a:rPr>
-                              </m:ctrlPr>
-                            </m:fPr>
-                            <m:num>
-                              <m:r>
-                                <a:rPr lang="en-US" b="0" i="1" smtClean="0">
-                                  <a:latin typeface="Cambria Math" panose="02040503050406030204" pitchFamily="18" charset="0"/>
-                                </a:rPr>
-                                <m:t>𝑛</m:t>
-                              </m:r>
-                              <m:r>
-                                <a:rPr lang="en-US" b="0" i="1" smtClean="0">
-                                  <a:latin typeface="Cambria Math" panose="02040503050406030204" pitchFamily="18" charset="0"/>
-                                </a:rPr>
-                                <m:t>𝜋</m:t>
-                              </m:r>
-                              <m:r>
-                                <a:rPr lang="en-US" b="0" i="1" smtClean="0">
-                                  <a:latin typeface="Cambria Math" panose="02040503050406030204" pitchFamily="18" charset="0"/>
-                                </a:rPr>
-                                <m:t>𝑥</m:t>
-                              </m:r>
-                            </m:num>
-                            <m:den>
-                              <m:r>
-                                <a:rPr lang="en-US" b="0" i="1" smtClean="0">
-                                  <a:latin typeface="Cambria Math" panose="02040503050406030204" pitchFamily="18" charset="0"/>
-                                </a:rPr>
-                                <m:t>𝐿</m:t>
-                              </m:r>
-                            </m:den>
-                          </m:f>
-                        </m:e>
-                      </m:d>
-                      <m:sSup>
-                        <m:sSupPr>
-                          <m:ctrlPr>
-                            <a:rPr lang="en-US" b="0" i="1" smtClean="0">
-                              <a:latin typeface="Cambria Math" panose="02040503050406030204" pitchFamily="18" charset="0"/>
-                            </a:rPr>
-                          </m:ctrlPr>
-                        </m:sSupPr>
-                        <m:e>
-                          <m:r>
-                            <a:rPr lang="en-US" b="0" i="1" smtClean="0">
-                              <a:latin typeface="Cambria Math" panose="02040503050406030204" pitchFamily="18" charset="0"/>
-                            </a:rPr>
-                            <m:t>𝑒</m:t>
-                          </m:r>
-                        </m:e>
-                        <m:sup>
-                          <m:r>
-                            <a:rPr lang="en-US" b="0" i="1" smtClean="0">
-                              <a:latin typeface="Cambria Math" panose="02040503050406030204" pitchFamily="18" charset="0"/>
-                            </a:rPr>
-                            <m:t>−</m:t>
-                          </m:r>
-                          <m:r>
-                            <a:rPr lang="en-US" b="0" i="1" smtClean="0">
-                              <a:latin typeface="Cambria Math" panose="02040503050406030204" pitchFamily="18" charset="0"/>
-                            </a:rPr>
-                            <m:t>𝑖</m:t>
-                          </m:r>
-                          <m:f>
-                            <m:fPr>
-                              <m:ctrlPr>
-                                <a:rPr lang="en-US" b="0" i="1" smtClean="0">
-                                  <a:latin typeface="Cambria Math" panose="02040503050406030204" pitchFamily="18" charset="0"/>
-                                </a:rPr>
-                              </m:ctrlPr>
-                            </m:fPr>
-                            <m:num>
-                              <m:sSup>
-                                <m:sSupPr>
-                                  <m:ctrlPr>
-                                    <a:rPr lang="en-US" b="0" i="1" smtClean="0">
-                                      <a:latin typeface="Cambria Math" panose="02040503050406030204" pitchFamily="18" charset="0"/>
-                                    </a:rPr>
-                                  </m:ctrlPr>
-                                </m:sSupPr>
-                                <m:e>
-                                  <m:r>
-                                    <a:rPr lang="en-US" b="0" i="1" smtClean="0">
-                                      <a:latin typeface="Cambria Math" panose="02040503050406030204" pitchFamily="18" charset="0"/>
-                                    </a:rPr>
-                                    <m:t>𝑛</m:t>
-                                  </m:r>
-                                </m:e>
-                                <m:sup>
-                                  <m:r>
-                                    <a:rPr lang="en-US" b="0" i="1" smtClean="0">
-                                      <a:latin typeface="Cambria Math" panose="02040503050406030204" pitchFamily="18" charset="0"/>
-                                    </a:rPr>
-                                    <m:t>2</m:t>
-                                  </m:r>
-                                </m:sup>
-                              </m:sSup>
-                              <m:sSup>
-                                <m:sSupPr>
-                                  <m:ctrlPr>
-                                    <a:rPr lang="en-US" b="0" i="1" smtClean="0">
-                                      <a:latin typeface="Cambria Math" panose="02040503050406030204" pitchFamily="18" charset="0"/>
-                                    </a:rPr>
-                                  </m:ctrlPr>
-                                </m:sSupPr>
-                                <m:e>
-                                  <m:r>
-                                    <a:rPr lang="en-US" b="0" i="1" smtClean="0">
-                                      <a:latin typeface="Cambria Math" panose="02040503050406030204" pitchFamily="18" charset="0"/>
-                                    </a:rPr>
-                                    <m:t>𝜋</m:t>
-                                  </m:r>
-                                </m:e>
-                                <m:sup>
-                                  <m:r>
-                                    <a:rPr lang="en-US" b="0" i="1" smtClean="0">
-                                      <a:latin typeface="Cambria Math" panose="02040503050406030204" pitchFamily="18" charset="0"/>
-                                    </a:rPr>
-                                    <m:t>2</m:t>
-                                  </m:r>
-                                </m:sup>
-                              </m:sSup>
-                              <m:r>
-                                <a:rPr lang="en-US" b="0" i="1" smtClean="0">
-                                  <a:latin typeface="Cambria Math" panose="02040503050406030204" pitchFamily="18" charset="0"/>
-                                </a:rPr>
-                                <m:t>ℏ</m:t>
-                              </m:r>
-                            </m:num>
-                            <m:den>
-                              <m:r>
-                                <a:rPr lang="en-US" b="0" i="1" smtClean="0">
-                                  <a:latin typeface="Cambria Math" panose="02040503050406030204" pitchFamily="18" charset="0"/>
-                                </a:rPr>
-                                <m:t>2</m:t>
-                              </m:r>
-                              <m:r>
-                                <a:rPr lang="en-US" b="0" i="1" smtClean="0">
-                                  <a:latin typeface="Cambria Math" panose="02040503050406030204" pitchFamily="18" charset="0"/>
-                                </a:rPr>
-                                <m:t>𝑚</m:t>
-                              </m:r>
-                              <m:sSup>
-                                <m:sSupPr>
-                                  <m:ctrlPr>
-                                    <a:rPr lang="en-US" b="0" i="1" smtClean="0">
-                                      <a:latin typeface="Cambria Math" panose="02040503050406030204" pitchFamily="18" charset="0"/>
-                                    </a:rPr>
-                                  </m:ctrlPr>
-                                </m:sSupPr>
-                                <m:e>
-                                  <m:r>
-                                    <a:rPr lang="en-US" b="0" i="1" smtClean="0">
-                                      <a:latin typeface="Cambria Math" panose="02040503050406030204" pitchFamily="18" charset="0"/>
-                                    </a:rPr>
-                                    <m:t>𝐿</m:t>
-                                  </m:r>
-                                </m:e>
-                                <m:sup>
-                                  <m:r>
-                                    <a:rPr lang="en-US" b="0" i="1" smtClean="0">
-                                      <a:latin typeface="Cambria Math" panose="02040503050406030204" pitchFamily="18" charset="0"/>
-                                    </a:rPr>
-                                    <m:t>2</m:t>
-                                  </m:r>
-                                </m:sup>
-                              </m:sSup>
-                            </m:den>
-                          </m:f>
-                          <m:r>
-                            <a:rPr lang="en-US" b="0" i="1" smtClean="0">
-                              <a:latin typeface="Cambria Math" panose="02040503050406030204" pitchFamily="18" charset="0"/>
-                            </a:rPr>
-                            <m:t>𝑡</m:t>
-                          </m:r>
-                        </m:sup>
-                      </m:sSup>
-                    </m:oMath>
-                  </m:oMathPara>
-                </a14:m>
-                <a:endParaRPr lang="en-US" b="0" dirty="0">
-                  <a:latin typeface="Arial" panose="020B0604020202020204" pitchFamily="34" charset="0"/>
-                  <a:cs typeface="Arial" panose="020B0604020202020204" pitchFamily="34" charset="0"/>
-                </a:endParaRPr>
-              </a:p>
-              <a:p>
-                <a:endParaRPr lang="en-US" b="0" dirty="0">
-                  <a:latin typeface="Arial" panose="020B0604020202020204" pitchFamily="34" charset="0"/>
-                  <a:cs typeface="Arial" panose="020B0604020202020204" pitchFamily="34" charset="0"/>
-                </a:endParaRPr>
-              </a:p>
-            </p:txBody>
-          </p:sp>
-        </mc:Choice>
-        <mc:Fallback>
-          <p:sp>
-            <p:nvSpPr>
-              <p:cNvPr id="10" name="TextBox 9">
-                <a:extLst>
-                  <a:ext uri="{FF2B5EF4-FFF2-40B4-BE49-F238E27FC236}">
-                    <a16:creationId xmlns:a16="http://schemas.microsoft.com/office/drawing/2014/main" id="{A28D2678-0C5D-5BFE-854B-7EA7BBF3F1DF}"/>
-                  </a:ext>
-                </a:extLst>
-              </p:cNvPr>
-              <p:cNvSpPr txBox="1">
-                <a:spLocks noRot="1" noChangeAspect="1" noMove="1" noResize="1" noEditPoints="1" noAdjustHandles="1" noChangeArrowheads="1" noChangeShapeType="1" noTextEdit="1"/>
-              </p:cNvSpPr>
-              <p:nvPr/>
-            </p:nvSpPr>
-            <p:spPr>
-              <a:xfrm>
-                <a:off x="7466950" y="997427"/>
-                <a:ext cx="3765454" cy="1649362"/>
-              </a:xfrm>
-              <a:prstGeom prst="rect">
-                <a:avLst/>
-              </a:prstGeom>
-              <a:blipFill>
-                <a:blip r:embed="rId3"/>
-                <a:stretch>
-                  <a:fillRect l="-4040" t="-4580"/>
-                </a:stretch>
-              </a:blipFill>
-            </p:spPr>
-            <p:txBody>
-              <a:bodyPr/>
-              <a:lstStyle/>
-              <a:p>
-                <a:r>
-                  <a:rPr lang="en-US">
-                    <a:noFill/>
-                  </a:rPr>
-                  <a:t> </a:t>
-                </a:r>
-              </a:p>
-            </p:txBody>
-          </p:sp>
-        </mc:Fallback>
-      </mc:AlternateContent>
-    </p:spTree>
-    <p:extLst>
-      <p:ext uri="{BB962C8B-B14F-4D97-AF65-F5344CB8AC3E}">
-        <p14:creationId xmlns:p14="http://schemas.microsoft.com/office/powerpoint/2010/main" val="3931280440"/>
       </p:ext>
     </p:extLst>
   </p:cSld>
